--- a/documentacao/Slide/Slides Banca TCM.pptx
+++ b/documentacao/Slide/Slides Banca TCM.pptx
@@ -1818,7 +1818,7 @@
       <dsp:spPr>
         <a:xfrm>
           <a:off x="0" y="0"/>
-          <a:ext cx="4696045" cy="299446"/>
+          <a:ext cx="4696045" cy="301606"/>
         </a:xfrm>
         <a:prstGeom prst="roundRect">
           <a:avLst/>
@@ -1890,8 +1890,8 @@
         </a:p>
       </dsp:txBody>
       <dsp:txXfrm>
-        <a:off x="14618" y="14618"/>
-        <a:ext cx="4666809" cy="270210"/>
+        <a:off x="14723" y="14723"/>
+        <a:ext cx="4666599" cy="272160"/>
       </dsp:txXfrm>
     </dsp:sp>
     <dsp:sp modelId="{BDF74D9B-D112-46EA-B17F-6C35BC8B9882}">
@@ -1901,8 +1901,8 @@
       </dsp:nvSpPr>
       <dsp:spPr>
         <a:xfrm>
-          <a:off x="0" y="315415"/>
-          <a:ext cx="4696045" cy="299446"/>
+          <a:off x="0" y="315376"/>
+          <a:ext cx="4696045" cy="301606"/>
         </a:xfrm>
         <a:prstGeom prst="roundRect">
           <a:avLst/>
@@ -1969,8 +1969,8 @@
         </a:p>
       </dsp:txBody>
       <dsp:txXfrm>
-        <a:off x="14618" y="330033"/>
-        <a:ext cx="4666809" cy="270210"/>
+        <a:off x="14723" y="330099"/>
+        <a:ext cx="4666599" cy="272160"/>
       </dsp:txXfrm>
     </dsp:sp>
     <dsp:sp modelId="{D787F6D7-4084-452A-B76F-B16C4C111929}">
@@ -1980,8 +1980,8 @@
       </dsp:nvSpPr>
       <dsp:spPr>
         <a:xfrm>
-          <a:off x="0" y="629037"/>
-          <a:ext cx="4696045" cy="299446"/>
+          <a:off x="0" y="628766"/>
+          <a:ext cx="4696045" cy="301606"/>
         </a:xfrm>
         <a:prstGeom prst="roundRect">
           <a:avLst/>
@@ -2048,8 +2048,8 @@
         </a:p>
       </dsp:txBody>
       <dsp:txXfrm>
-        <a:off x="14618" y="643655"/>
-        <a:ext cx="4666809" cy="270210"/>
+        <a:off x="14723" y="643489"/>
+        <a:ext cx="4666599" cy="272160"/>
       </dsp:txXfrm>
     </dsp:sp>
     <dsp:sp modelId="{95BA907E-45A4-4AC7-A6DE-CC6C3122B298}">
@@ -2059,8 +2059,8 @@
       </dsp:nvSpPr>
       <dsp:spPr>
         <a:xfrm>
-          <a:off x="0" y="942659"/>
-          <a:ext cx="4696045" cy="299446"/>
+          <a:off x="0" y="942157"/>
+          <a:ext cx="4696045" cy="301606"/>
         </a:xfrm>
         <a:prstGeom prst="roundRect">
           <a:avLst/>
@@ -2127,8 +2127,8 @@
         </a:p>
       </dsp:txBody>
       <dsp:txXfrm>
-        <a:off x="14618" y="957277"/>
-        <a:ext cx="4666809" cy="270210"/>
+        <a:off x="14723" y="956880"/>
+        <a:ext cx="4666599" cy="272160"/>
       </dsp:txXfrm>
     </dsp:sp>
     <dsp:sp modelId="{DFA258E6-92DE-48B6-8D72-F959BBAABE49}">
@@ -2138,8 +2138,8 @@
       </dsp:nvSpPr>
       <dsp:spPr>
         <a:xfrm>
-          <a:off x="0" y="1256281"/>
-          <a:ext cx="4696045" cy="299446"/>
+          <a:off x="0" y="1255548"/>
+          <a:ext cx="4696045" cy="301606"/>
         </a:xfrm>
         <a:prstGeom prst="roundRect">
           <a:avLst/>
@@ -2206,8 +2206,8 @@
         </a:p>
       </dsp:txBody>
       <dsp:txXfrm>
-        <a:off x="14618" y="1270899"/>
-        <a:ext cx="4666809" cy="270210"/>
+        <a:off x="14723" y="1270271"/>
+        <a:ext cx="4666599" cy="272160"/>
       </dsp:txXfrm>
     </dsp:sp>
     <dsp:sp modelId="{583B2CE4-E3B7-4AF7-8A06-651F26F1D7D2}">
@@ -2217,8 +2217,8 @@
       </dsp:nvSpPr>
       <dsp:spPr>
         <a:xfrm>
-          <a:off x="0" y="1561181"/>
-          <a:ext cx="4696045" cy="299446"/>
+          <a:off x="0" y="1561687"/>
+          <a:ext cx="4696045" cy="301606"/>
         </a:xfrm>
         <a:prstGeom prst="roundRect">
           <a:avLst/>
@@ -2285,8 +2285,8 @@
         </a:p>
       </dsp:txBody>
       <dsp:txXfrm>
-        <a:off x="14618" y="1575799"/>
-        <a:ext cx="4666809" cy="270210"/>
+        <a:off x="14723" y="1576410"/>
+        <a:ext cx="4666599" cy="272160"/>
       </dsp:txXfrm>
     </dsp:sp>
     <dsp:sp modelId="{9DF347C8-AAEA-4797-A6B8-9327C4FB709D}">
@@ -2296,8 +2296,8 @@
       </dsp:nvSpPr>
       <dsp:spPr>
         <a:xfrm>
-          <a:off x="0" y="1883525"/>
-          <a:ext cx="4696045" cy="299446"/>
+          <a:off x="0" y="1882329"/>
+          <a:ext cx="4696045" cy="301606"/>
         </a:xfrm>
         <a:prstGeom prst="roundRect">
           <a:avLst/>
@@ -2369,8 +2369,8 @@
         </a:p>
       </dsp:txBody>
       <dsp:txXfrm>
-        <a:off x="14618" y="1898143"/>
-        <a:ext cx="4666809" cy="270210"/>
+        <a:off x="14723" y="1897052"/>
+        <a:ext cx="4666599" cy="272160"/>
       </dsp:txXfrm>
     </dsp:sp>
     <dsp:sp modelId="{A467907F-A833-4078-9FF8-F52AB884B148}">
@@ -2380,8 +2380,8 @@
       </dsp:nvSpPr>
       <dsp:spPr>
         <a:xfrm>
-          <a:off x="0" y="2197146"/>
-          <a:ext cx="4696045" cy="299446"/>
+          <a:off x="0" y="2195720"/>
+          <a:ext cx="4696045" cy="301606"/>
         </a:xfrm>
         <a:prstGeom prst="roundRect">
           <a:avLst/>
@@ -2448,8 +2448,8 @@
         </a:p>
       </dsp:txBody>
       <dsp:txXfrm>
-        <a:off x="14618" y="2211764"/>
-        <a:ext cx="4666809" cy="270210"/>
+        <a:off x="14723" y="2210443"/>
+        <a:ext cx="4666599" cy="272160"/>
       </dsp:txXfrm>
     </dsp:sp>
     <dsp:sp modelId="{EEA10AAF-F6C9-4C7C-9DA0-AFBEE59A0DF3}">
@@ -2459,8 +2459,8 @@
       </dsp:nvSpPr>
       <dsp:spPr>
         <a:xfrm>
-          <a:off x="0" y="2510768"/>
-          <a:ext cx="4696045" cy="299446"/>
+          <a:off x="0" y="2509111"/>
+          <a:ext cx="4696045" cy="301606"/>
         </a:xfrm>
         <a:prstGeom prst="roundRect">
           <a:avLst/>
@@ -2535,8 +2535,8 @@
         </a:p>
       </dsp:txBody>
       <dsp:txXfrm>
-        <a:off x="14618" y="2525386"/>
-        <a:ext cx="4666809" cy="270210"/>
+        <a:off x="14723" y="2523834"/>
+        <a:ext cx="4666599" cy="272160"/>
       </dsp:txXfrm>
     </dsp:sp>
     <dsp:sp modelId="{FDF14DF2-8155-401F-B11E-7651D728CDA5}">
@@ -2546,8 +2546,8 @@
       </dsp:nvSpPr>
       <dsp:spPr>
         <a:xfrm>
-          <a:off x="0" y="2824390"/>
-          <a:ext cx="4696045" cy="299446"/>
+          <a:off x="0" y="2822501"/>
+          <a:ext cx="4696045" cy="301606"/>
         </a:xfrm>
         <a:prstGeom prst="roundRect">
           <a:avLst/>
@@ -2614,8 +2614,8 @@
         </a:p>
       </dsp:txBody>
       <dsp:txXfrm>
-        <a:off x="14618" y="2839008"/>
-        <a:ext cx="4666809" cy="270210"/>
+        <a:off x="14723" y="2837224"/>
+        <a:ext cx="4666599" cy="272160"/>
       </dsp:txXfrm>
     </dsp:sp>
     <dsp:sp modelId="{BC306925-68B6-48A3-ACFA-1B35A4CC0F6B}">
@@ -2625,8 +2625,8 @@
       </dsp:nvSpPr>
       <dsp:spPr>
         <a:xfrm>
-          <a:off x="0" y="3138012"/>
-          <a:ext cx="4696045" cy="299446"/>
+          <a:off x="0" y="3135892"/>
+          <a:ext cx="4696045" cy="301606"/>
         </a:xfrm>
         <a:prstGeom prst="roundRect">
           <a:avLst/>
@@ -2693,8 +2693,8 @@
         </a:p>
       </dsp:txBody>
       <dsp:txXfrm>
-        <a:off x="14618" y="3152630"/>
-        <a:ext cx="4666809" cy="270210"/>
+        <a:off x="14723" y="3150615"/>
+        <a:ext cx="4666599" cy="272160"/>
       </dsp:txXfrm>
     </dsp:sp>
     <dsp:sp modelId="{D040581F-4781-43FF-A5EF-B8C05E6479D1}">
@@ -2704,8 +2704,8 @@
       </dsp:nvSpPr>
       <dsp:spPr>
         <a:xfrm>
-          <a:off x="0" y="3451634"/>
-          <a:ext cx="4696045" cy="299446"/>
+          <a:off x="0" y="3449283"/>
+          <a:ext cx="4696045" cy="301606"/>
         </a:xfrm>
         <a:prstGeom prst="roundRect">
           <a:avLst/>
@@ -2772,8 +2772,8 @@
         </a:p>
       </dsp:txBody>
       <dsp:txXfrm>
-        <a:off x="14618" y="3466252"/>
-        <a:ext cx="4666809" cy="270210"/>
+        <a:off x="14723" y="3464006"/>
+        <a:ext cx="4666599" cy="272160"/>
       </dsp:txXfrm>
     </dsp:sp>
   </dsp:spTree>
@@ -12799,6 +12799,46 @@
           </a:prstGeom>
         </p:spPr>
       </p:pic>
+      <p:sp>
+        <p:nvSpPr>
+          <p:cNvPr id="2" name="CaixaDeTexto 1">
+            <a:extLst>
+              <a:ext uri="{FF2B5EF4-FFF2-40B4-BE49-F238E27FC236}">
+                <a16:creationId xmlns:a16="http://schemas.microsoft.com/office/drawing/2014/main" id="{537B58AA-3455-4E04-8B9B-2E5AD2B6BC30}"/>
+              </a:ext>
+            </a:extLst>
+          </p:cNvPr>
+          <p:cNvSpPr txBox="1"/>
+          <p:nvPr/>
+        </p:nvSpPr>
+        <p:spPr>
+          <a:xfrm>
+            <a:off x="8760759" y="4370294"/>
+            <a:ext cx="383241" cy="369332"/>
+          </a:xfrm>
+          <a:prstGeom prst="rect">
+            <a:avLst/>
+          </a:prstGeom>
+          <a:noFill/>
+        </p:spPr>
+        <p:txBody>
+          <a:bodyPr wrap="square" rtlCol="0">
+            <a:spAutoFit/>
+          </a:bodyPr>
+          <a:lstStyle/>
+          <a:p>
+            <a:pPr algn="ctr"/>
+            <a:r>
+              <a:rPr lang="pt-BR" sz="1800" dirty="0">
+                <a:solidFill>
+                  <a:schemeClr val="bg1"/>
+                </a:solidFill>
+              </a:rPr>
+              <a:t>1</a:t>
+            </a:r>
+          </a:p>
+        </p:txBody>
+      </p:sp>
     </p:spTree>
   </p:cSld>
   <p:clrMapOvr>
@@ -12950,1057 +12990,91 @@
           </a:p>
         </p:txBody>
       </p:sp>
-      <p:sp>
-        <p:nvSpPr>
-          <p:cNvPr id="180" name="Google Shape;180;p22"/>
-          <p:cNvSpPr/>
-          <p:nvPr/>
-        </p:nvSpPr>
-        <p:spPr>
-          <a:xfrm>
-            <a:off x="8191382" y="636358"/>
-            <a:ext cx="320958" cy="320938"/>
-          </a:xfrm>
-          <a:custGeom>
-            <a:avLst/>
-            <a:gdLst/>
-            <a:ahLst/>
-            <a:cxnLst/>
-            <a:rect l="l" t="t" r="r" b="b"/>
-            <a:pathLst>
-              <a:path w="16072" h="16071" extrusionOk="0">
-                <a:moveTo>
-                  <a:pt x="8036" y="0"/>
-                </a:moveTo>
-                <a:lnTo>
-                  <a:pt x="7938" y="24"/>
-                </a:lnTo>
-                <a:lnTo>
-                  <a:pt x="7792" y="98"/>
-                </a:lnTo>
-                <a:lnTo>
-                  <a:pt x="7328" y="366"/>
-                </a:lnTo>
-                <a:lnTo>
-                  <a:pt x="7059" y="537"/>
-                </a:lnTo>
-                <a:lnTo>
-                  <a:pt x="6766" y="757"/>
-                </a:lnTo>
-                <a:lnTo>
-                  <a:pt x="6448" y="977"/>
-                </a:lnTo>
-                <a:lnTo>
-                  <a:pt x="6155" y="1246"/>
-                </a:lnTo>
-                <a:lnTo>
-                  <a:pt x="5887" y="1514"/>
-                </a:lnTo>
-                <a:lnTo>
-                  <a:pt x="5643" y="1807"/>
-                </a:lnTo>
-                <a:lnTo>
-                  <a:pt x="5447" y="2100"/>
-                </a:lnTo>
-                <a:lnTo>
-                  <a:pt x="5374" y="2247"/>
-                </a:lnTo>
-                <a:lnTo>
-                  <a:pt x="5325" y="2418"/>
-                </a:lnTo>
-                <a:lnTo>
-                  <a:pt x="5276" y="2564"/>
-                </a:lnTo>
-                <a:lnTo>
-                  <a:pt x="5252" y="2711"/>
-                </a:lnTo>
-                <a:lnTo>
-                  <a:pt x="5252" y="2858"/>
-                </a:lnTo>
-                <a:lnTo>
-                  <a:pt x="5276" y="3029"/>
-                </a:lnTo>
-                <a:lnTo>
-                  <a:pt x="5325" y="3175"/>
-                </a:lnTo>
-                <a:lnTo>
-                  <a:pt x="5398" y="3322"/>
-                </a:lnTo>
-                <a:lnTo>
-                  <a:pt x="5496" y="3468"/>
-                </a:lnTo>
-                <a:lnTo>
-                  <a:pt x="5618" y="3615"/>
-                </a:lnTo>
-                <a:lnTo>
-                  <a:pt x="5814" y="3761"/>
-                </a:lnTo>
-                <a:lnTo>
-                  <a:pt x="6009" y="3859"/>
-                </a:lnTo>
-                <a:lnTo>
-                  <a:pt x="6204" y="3957"/>
-                </a:lnTo>
-                <a:lnTo>
-                  <a:pt x="6424" y="4005"/>
-                </a:lnTo>
-                <a:lnTo>
-                  <a:pt x="6644" y="4054"/>
-                </a:lnTo>
-                <a:lnTo>
-                  <a:pt x="6864" y="4152"/>
-                </a:lnTo>
-                <a:lnTo>
-                  <a:pt x="7059" y="4250"/>
-                </a:lnTo>
-                <a:lnTo>
-                  <a:pt x="7254" y="4421"/>
-                </a:lnTo>
-                <a:lnTo>
-                  <a:pt x="7425" y="4616"/>
-                </a:lnTo>
-                <a:lnTo>
-                  <a:pt x="7523" y="4836"/>
-                </a:lnTo>
-                <a:lnTo>
-                  <a:pt x="7596" y="5080"/>
-                </a:lnTo>
-                <a:lnTo>
-                  <a:pt x="7621" y="5373"/>
-                </a:lnTo>
-                <a:lnTo>
-                  <a:pt x="7596" y="5569"/>
-                </a:lnTo>
-                <a:lnTo>
-                  <a:pt x="7572" y="5788"/>
-                </a:lnTo>
-                <a:lnTo>
-                  <a:pt x="7499" y="5984"/>
-                </a:lnTo>
-                <a:lnTo>
-                  <a:pt x="7425" y="6179"/>
-                </a:lnTo>
-                <a:lnTo>
-                  <a:pt x="7328" y="6374"/>
-                </a:lnTo>
-                <a:lnTo>
-                  <a:pt x="7206" y="6570"/>
-                </a:lnTo>
-                <a:lnTo>
-                  <a:pt x="7059" y="6741"/>
-                </a:lnTo>
-                <a:lnTo>
-                  <a:pt x="6913" y="6912"/>
-                </a:lnTo>
-                <a:lnTo>
-                  <a:pt x="6742" y="7058"/>
-                </a:lnTo>
-                <a:lnTo>
-                  <a:pt x="6571" y="7205"/>
-                </a:lnTo>
-                <a:lnTo>
-                  <a:pt x="6400" y="7303"/>
-                </a:lnTo>
-                <a:lnTo>
-                  <a:pt x="6204" y="7425"/>
-                </a:lnTo>
-                <a:lnTo>
-                  <a:pt x="6009" y="7498"/>
-                </a:lnTo>
-                <a:lnTo>
-                  <a:pt x="5789" y="7571"/>
-                </a:lnTo>
-                <a:lnTo>
-                  <a:pt x="5569" y="7596"/>
-                </a:lnTo>
-                <a:lnTo>
-                  <a:pt x="5374" y="7620"/>
-                </a:lnTo>
-                <a:lnTo>
-                  <a:pt x="5105" y="7596"/>
-                </a:lnTo>
-                <a:lnTo>
-                  <a:pt x="4861" y="7522"/>
-                </a:lnTo>
-                <a:lnTo>
-                  <a:pt x="4617" y="7425"/>
-                </a:lnTo>
-                <a:lnTo>
-                  <a:pt x="4421" y="7254"/>
-                </a:lnTo>
-                <a:lnTo>
-                  <a:pt x="4250" y="7058"/>
-                </a:lnTo>
-                <a:lnTo>
-                  <a:pt x="4128" y="6839"/>
-                </a:lnTo>
-                <a:lnTo>
-                  <a:pt x="4055" y="6619"/>
-                </a:lnTo>
-                <a:lnTo>
-                  <a:pt x="3982" y="6399"/>
-                </a:lnTo>
-                <a:lnTo>
-                  <a:pt x="3933" y="6204"/>
-                </a:lnTo>
-                <a:lnTo>
-                  <a:pt x="3860" y="6008"/>
-                </a:lnTo>
-                <a:lnTo>
-                  <a:pt x="3762" y="5813"/>
-                </a:lnTo>
-                <a:lnTo>
-                  <a:pt x="3615" y="5617"/>
-                </a:lnTo>
-                <a:lnTo>
-                  <a:pt x="3469" y="5495"/>
-                </a:lnTo>
-                <a:lnTo>
-                  <a:pt x="3322" y="5398"/>
-                </a:lnTo>
-                <a:lnTo>
-                  <a:pt x="3176" y="5324"/>
-                </a:lnTo>
-                <a:lnTo>
-                  <a:pt x="3029" y="5275"/>
-                </a:lnTo>
-                <a:lnTo>
-                  <a:pt x="2858" y="5251"/>
-                </a:lnTo>
-                <a:lnTo>
-                  <a:pt x="2712" y="5251"/>
-                </a:lnTo>
-                <a:lnTo>
-                  <a:pt x="2565" y="5275"/>
-                </a:lnTo>
-                <a:lnTo>
-                  <a:pt x="2419" y="5324"/>
-                </a:lnTo>
-                <a:lnTo>
-                  <a:pt x="2248" y="5373"/>
-                </a:lnTo>
-                <a:lnTo>
-                  <a:pt x="2101" y="5446"/>
-                </a:lnTo>
-                <a:lnTo>
-                  <a:pt x="1808" y="5642"/>
-                </a:lnTo>
-                <a:lnTo>
-                  <a:pt x="1515" y="5886"/>
-                </a:lnTo>
-                <a:lnTo>
-                  <a:pt x="1246" y="6155"/>
-                </a:lnTo>
-                <a:lnTo>
-                  <a:pt x="978" y="6448"/>
-                </a:lnTo>
-                <a:lnTo>
-                  <a:pt x="758" y="6765"/>
-                </a:lnTo>
-                <a:lnTo>
-                  <a:pt x="538" y="7058"/>
-                </a:lnTo>
-                <a:lnTo>
-                  <a:pt x="367" y="7327"/>
-                </a:lnTo>
-                <a:lnTo>
-                  <a:pt x="99" y="7791"/>
-                </a:lnTo>
-                <a:lnTo>
-                  <a:pt x="25" y="7938"/>
-                </a:lnTo>
-                <a:lnTo>
-                  <a:pt x="1" y="8035"/>
-                </a:lnTo>
-                <a:lnTo>
-                  <a:pt x="25" y="8231"/>
-                </a:lnTo>
-                <a:lnTo>
-                  <a:pt x="74" y="8402"/>
-                </a:lnTo>
-                <a:lnTo>
-                  <a:pt x="172" y="8597"/>
-                </a:lnTo>
-                <a:lnTo>
-                  <a:pt x="294" y="8744"/>
-                </a:lnTo>
-                <a:lnTo>
-                  <a:pt x="587" y="9012"/>
-                </a:lnTo>
-                <a:lnTo>
-                  <a:pt x="880" y="9256"/>
-                </a:lnTo>
-                <a:lnTo>
-                  <a:pt x="1417" y="9696"/>
-                </a:lnTo>
-                <a:lnTo>
-                  <a:pt x="1906" y="10062"/>
-                </a:lnTo>
-                <a:lnTo>
-                  <a:pt x="2101" y="10233"/>
-                </a:lnTo>
-                <a:lnTo>
-                  <a:pt x="2297" y="10404"/>
-                </a:lnTo>
-                <a:lnTo>
-                  <a:pt x="2419" y="10575"/>
-                </a:lnTo>
-                <a:lnTo>
-                  <a:pt x="2541" y="10746"/>
-                </a:lnTo>
-                <a:lnTo>
-                  <a:pt x="2590" y="10917"/>
-                </a:lnTo>
-                <a:lnTo>
-                  <a:pt x="2590" y="11113"/>
-                </a:lnTo>
-                <a:lnTo>
-                  <a:pt x="2541" y="11308"/>
-                </a:lnTo>
-                <a:lnTo>
-                  <a:pt x="2443" y="11528"/>
-                </a:lnTo>
-                <a:lnTo>
-                  <a:pt x="2272" y="11772"/>
-                </a:lnTo>
-                <a:lnTo>
-                  <a:pt x="2004" y="12041"/>
-                </a:lnTo>
-                <a:lnTo>
-                  <a:pt x="1833" y="12212"/>
-                </a:lnTo>
-                <a:lnTo>
-                  <a:pt x="1637" y="12309"/>
-                </a:lnTo>
-                <a:lnTo>
-                  <a:pt x="1417" y="12383"/>
-                </a:lnTo>
-                <a:lnTo>
-                  <a:pt x="1222" y="12431"/>
-                </a:lnTo>
-                <a:lnTo>
-                  <a:pt x="1002" y="12480"/>
-                </a:lnTo>
-                <a:lnTo>
-                  <a:pt x="782" y="12578"/>
-                </a:lnTo>
-                <a:lnTo>
-                  <a:pt x="587" y="12700"/>
-                </a:lnTo>
-                <a:lnTo>
-                  <a:pt x="367" y="12871"/>
-                </a:lnTo>
-                <a:lnTo>
-                  <a:pt x="196" y="13066"/>
-                </a:lnTo>
-                <a:lnTo>
-                  <a:pt x="99" y="13286"/>
-                </a:lnTo>
-                <a:lnTo>
-                  <a:pt x="25" y="13530"/>
-                </a:lnTo>
-                <a:lnTo>
-                  <a:pt x="1" y="13799"/>
-                </a:lnTo>
-                <a:lnTo>
-                  <a:pt x="25" y="14019"/>
-                </a:lnTo>
-                <a:lnTo>
-                  <a:pt x="50" y="14239"/>
-                </a:lnTo>
-                <a:lnTo>
-                  <a:pt x="123" y="14434"/>
-                </a:lnTo>
-                <a:lnTo>
-                  <a:pt x="221" y="14654"/>
-                </a:lnTo>
-                <a:lnTo>
-                  <a:pt x="318" y="14825"/>
-                </a:lnTo>
-                <a:lnTo>
-                  <a:pt x="440" y="15020"/>
-                </a:lnTo>
-                <a:lnTo>
-                  <a:pt x="563" y="15191"/>
-                </a:lnTo>
-                <a:lnTo>
-                  <a:pt x="709" y="15362"/>
-                </a:lnTo>
-                <a:lnTo>
-                  <a:pt x="880" y="15509"/>
-                </a:lnTo>
-                <a:lnTo>
-                  <a:pt x="1051" y="15631"/>
-                </a:lnTo>
-                <a:lnTo>
-                  <a:pt x="1246" y="15753"/>
-                </a:lnTo>
-                <a:lnTo>
-                  <a:pt x="1442" y="15875"/>
-                </a:lnTo>
-                <a:lnTo>
-                  <a:pt x="1637" y="15948"/>
-                </a:lnTo>
-                <a:lnTo>
-                  <a:pt x="1857" y="16022"/>
-                </a:lnTo>
-                <a:lnTo>
-                  <a:pt x="2052" y="16046"/>
-                </a:lnTo>
-                <a:lnTo>
-                  <a:pt x="2272" y="16070"/>
-                </a:lnTo>
-                <a:lnTo>
-                  <a:pt x="2541" y="16046"/>
-                </a:lnTo>
-                <a:lnTo>
-                  <a:pt x="2785" y="15973"/>
-                </a:lnTo>
-                <a:lnTo>
-                  <a:pt x="3005" y="15875"/>
-                </a:lnTo>
-                <a:lnTo>
-                  <a:pt x="3200" y="15704"/>
-                </a:lnTo>
-                <a:lnTo>
-                  <a:pt x="3371" y="15509"/>
-                </a:lnTo>
-                <a:lnTo>
-                  <a:pt x="3493" y="15289"/>
-                </a:lnTo>
-                <a:lnTo>
-                  <a:pt x="3567" y="15094"/>
-                </a:lnTo>
-                <a:lnTo>
-                  <a:pt x="3615" y="14874"/>
-                </a:lnTo>
-                <a:lnTo>
-                  <a:pt x="3689" y="14654"/>
-                </a:lnTo>
-                <a:lnTo>
-                  <a:pt x="3762" y="14459"/>
-                </a:lnTo>
-                <a:lnTo>
-                  <a:pt x="3860" y="14239"/>
-                </a:lnTo>
-                <a:lnTo>
-                  <a:pt x="4031" y="14068"/>
-                </a:lnTo>
-                <a:lnTo>
-                  <a:pt x="4299" y="13824"/>
-                </a:lnTo>
-                <a:lnTo>
-                  <a:pt x="4544" y="13628"/>
-                </a:lnTo>
-                <a:lnTo>
-                  <a:pt x="4763" y="13530"/>
-                </a:lnTo>
-                <a:lnTo>
-                  <a:pt x="4959" y="13482"/>
-                </a:lnTo>
-                <a:lnTo>
-                  <a:pt x="5154" y="13482"/>
-                </a:lnTo>
-                <a:lnTo>
-                  <a:pt x="5325" y="13530"/>
-                </a:lnTo>
-                <a:lnTo>
-                  <a:pt x="5496" y="13653"/>
-                </a:lnTo>
-                <a:lnTo>
-                  <a:pt x="5667" y="13775"/>
-                </a:lnTo>
-                <a:lnTo>
-                  <a:pt x="5838" y="13970"/>
-                </a:lnTo>
-                <a:lnTo>
-                  <a:pt x="6009" y="14165"/>
-                </a:lnTo>
-                <a:lnTo>
-                  <a:pt x="6375" y="14654"/>
-                </a:lnTo>
-                <a:lnTo>
-                  <a:pt x="6815" y="15191"/>
-                </a:lnTo>
-                <a:lnTo>
-                  <a:pt x="7059" y="15484"/>
-                </a:lnTo>
-                <a:lnTo>
-                  <a:pt x="7328" y="15777"/>
-                </a:lnTo>
-                <a:lnTo>
-                  <a:pt x="7474" y="15899"/>
-                </a:lnTo>
-                <a:lnTo>
-                  <a:pt x="7670" y="15997"/>
-                </a:lnTo>
-                <a:lnTo>
-                  <a:pt x="7841" y="16046"/>
-                </a:lnTo>
-                <a:lnTo>
-                  <a:pt x="8036" y="16070"/>
-                </a:lnTo>
-                <a:lnTo>
-                  <a:pt x="8134" y="16046"/>
-                </a:lnTo>
-                <a:lnTo>
-                  <a:pt x="8280" y="15973"/>
-                </a:lnTo>
-                <a:lnTo>
-                  <a:pt x="8744" y="15704"/>
-                </a:lnTo>
-                <a:lnTo>
-                  <a:pt x="9013" y="15533"/>
-                </a:lnTo>
-                <a:lnTo>
-                  <a:pt x="9306" y="15313"/>
-                </a:lnTo>
-                <a:lnTo>
-                  <a:pt x="9623" y="15094"/>
-                </a:lnTo>
-                <a:lnTo>
-                  <a:pt x="9917" y="14825"/>
-                </a:lnTo>
-                <a:lnTo>
-                  <a:pt x="10185" y="14556"/>
-                </a:lnTo>
-                <a:lnTo>
-                  <a:pt x="10429" y="14263"/>
-                </a:lnTo>
-                <a:lnTo>
-                  <a:pt x="10625" y="13970"/>
-                </a:lnTo>
-                <a:lnTo>
-                  <a:pt x="10698" y="13824"/>
-                </a:lnTo>
-                <a:lnTo>
-                  <a:pt x="10747" y="13653"/>
-                </a:lnTo>
-                <a:lnTo>
-                  <a:pt x="10796" y="13506"/>
-                </a:lnTo>
-                <a:lnTo>
-                  <a:pt x="10820" y="13359"/>
-                </a:lnTo>
-                <a:lnTo>
-                  <a:pt x="10820" y="13213"/>
-                </a:lnTo>
-                <a:lnTo>
-                  <a:pt x="10796" y="13042"/>
-                </a:lnTo>
-                <a:lnTo>
-                  <a:pt x="10747" y="12895"/>
-                </a:lnTo>
-                <a:lnTo>
-                  <a:pt x="10674" y="12749"/>
-                </a:lnTo>
-                <a:lnTo>
-                  <a:pt x="10576" y="12602"/>
-                </a:lnTo>
-                <a:lnTo>
-                  <a:pt x="10454" y="12456"/>
-                </a:lnTo>
-                <a:lnTo>
-                  <a:pt x="10258" y="12309"/>
-                </a:lnTo>
-                <a:lnTo>
-                  <a:pt x="10063" y="12212"/>
-                </a:lnTo>
-                <a:lnTo>
-                  <a:pt x="9868" y="12138"/>
-                </a:lnTo>
-                <a:lnTo>
-                  <a:pt x="9648" y="12065"/>
-                </a:lnTo>
-                <a:lnTo>
-                  <a:pt x="9428" y="12016"/>
-                </a:lnTo>
-                <a:lnTo>
-                  <a:pt x="9208" y="11919"/>
-                </a:lnTo>
-                <a:lnTo>
-                  <a:pt x="9013" y="11821"/>
-                </a:lnTo>
-                <a:lnTo>
-                  <a:pt x="8818" y="11650"/>
-                </a:lnTo>
-                <a:lnTo>
-                  <a:pt x="8647" y="11454"/>
-                </a:lnTo>
-                <a:lnTo>
-                  <a:pt x="8549" y="11235"/>
-                </a:lnTo>
-                <a:lnTo>
-                  <a:pt x="8476" y="10990"/>
-                </a:lnTo>
-                <a:lnTo>
-                  <a:pt x="8451" y="10697"/>
-                </a:lnTo>
-                <a:lnTo>
-                  <a:pt x="8476" y="10502"/>
-                </a:lnTo>
-                <a:lnTo>
-                  <a:pt x="8500" y="10282"/>
-                </a:lnTo>
-                <a:lnTo>
-                  <a:pt x="8573" y="10087"/>
-                </a:lnTo>
-                <a:lnTo>
-                  <a:pt x="8647" y="9891"/>
-                </a:lnTo>
-                <a:lnTo>
-                  <a:pt x="8744" y="9696"/>
-                </a:lnTo>
-                <a:lnTo>
-                  <a:pt x="8866" y="9501"/>
-                </a:lnTo>
-                <a:lnTo>
-                  <a:pt x="9013" y="9330"/>
-                </a:lnTo>
-                <a:lnTo>
-                  <a:pt x="9159" y="9159"/>
-                </a:lnTo>
-                <a:lnTo>
-                  <a:pt x="9330" y="9012"/>
-                </a:lnTo>
-                <a:lnTo>
-                  <a:pt x="9501" y="8890"/>
-                </a:lnTo>
-                <a:lnTo>
-                  <a:pt x="9672" y="8768"/>
-                </a:lnTo>
-                <a:lnTo>
-                  <a:pt x="9868" y="8646"/>
-                </a:lnTo>
-                <a:lnTo>
-                  <a:pt x="10063" y="8573"/>
-                </a:lnTo>
-                <a:lnTo>
-                  <a:pt x="10283" y="8499"/>
-                </a:lnTo>
-                <a:lnTo>
-                  <a:pt x="10503" y="8475"/>
-                </a:lnTo>
-                <a:lnTo>
-                  <a:pt x="10698" y="8450"/>
-                </a:lnTo>
-                <a:lnTo>
-                  <a:pt x="10967" y="8475"/>
-                </a:lnTo>
-                <a:lnTo>
-                  <a:pt x="11211" y="8548"/>
-                </a:lnTo>
-                <a:lnTo>
-                  <a:pt x="11455" y="8646"/>
-                </a:lnTo>
-                <a:lnTo>
-                  <a:pt x="11651" y="8817"/>
-                </a:lnTo>
-                <a:lnTo>
-                  <a:pt x="11822" y="9012"/>
-                </a:lnTo>
-                <a:lnTo>
-                  <a:pt x="11944" y="9232"/>
-                </a:lnTo>
-                <a:lnTo>
-                  <a:pt x="12017" y="9452"/>
-                </a:lnTo>
-                <a:lnTo>
-                  <a:pt x="12090" y="9672"/>
-                </a:lnTo>
-                <a:lnTo>
-                  <a:pt x="12139" y="9867"/>
-                </a:lnTo>
-                <a:lnTo>
-                  <a:pt x="12212" y="10062"/>
-                </a:lnTo>
-                <a:lnTo>
-                  <a:pt x="12310" y="10258"/>
-                </a:lnTo>
-                <a:lnTo>
-                  <a:pt x="12457" y="10453"/>
-                </a:lnTo>
-                <a:lnTo>
-                  <a:pt x="12603" y="10575"/>
-                </a:lnTo>
-                <a:lnTo>
-                  <a:pt x="12750" y="10673"/>
-                </a:lnTo>
-                <a:lnTo>
-                  <a:pt x="12896" y="10746"/>
-                </a:lnTo>
-                <a:lnTo>
-                  <a:pt x="13043" y="10795"/>
-                </a:lnTo>
-                <a:lnTo>
-                  <a:pt x="13214" y="10819"/>
-                </a:lnTo>
-                <a:lnTo>
-                  <a:pt x="13360" y="10819"/>
-                </a:lnTo>
-                <a:lnTo>
-                  <a:pt x="13507" y="10795"/>
-                </a:lnTo>
-                <a:lnTo>
-                  <a:pt x="13653" y="10746"/>
-                </a:lnTo>
-                <a:lnTo>
-                  <a:pt x="13824" y="10697"/>
-                </a:lnTo>
-                <a:lnTo>
-                  <a:pt x="13971" y="10624"/>
-                </a:lnTo>
-                <a:lnTo>
-                  <a:pt x="14264" y="10429"/>
-                </a:lnTo>
-                <a:lnTo>
-                  <a:pt x="14557" y="10184"/>
-                </a:lnTo>
-                <a:lnTo>
-                  <a:pt x="14826" y="9916"/>
-                </a:lnTo>
-                <a:lnTo>
-                  <a:pt x="15094" y="9623"/>
-                </a:lnTo>
-                <a:lnTo>
-                  <a:pt x="15314" y="9305"/>
-                </a:lnTo>
-                <a:lnTo>
-                  <a:pt x="15534" y="9012"/>
-                </a:lnTo>
-                <a:lnTo>
-                  <a:pt x="15705" y="8744"/>
-                </a:lnTo>
-                <a:lnTo>
-                  <a:pt x="15973" y="8279"/>
-                </a:lnTo>
-                <a:lnTo>
-                  <a:pt x="16047" y="8133"/>
-                </a:lnTo>
-                <a:lnTo>
-                  <a:pt x="16071" y="8035"/>
-                </a:lnTo>
-                <a:lnTo>
-                  <a:pt x="16047" y="7840"/>
-                </a:lnTo>
-                <a:lnTo>
-                  <a:pt x="15998" y="7669"/>
-                </a:lnTo>
-                <a:lnTo>
-                  <a:pt x="15900" y="7474"/>
-                </a:lnTo>
-                <a:lnTo>
-                  <a:pt x="15778" y="7327"/>
-                </a:lnTo>
-                <a:lnTo>
-                  <a:pt x="15485" y="7058"/>
-                </a:lnTo>
-                <a:lnTo>
-                  <a:pt x="15192" y="6814"/>
-                </a:lnTo>
-                <a:lnTo>
-                  <a:pt x="14655" y="6374"/>
-                </a:lnTo>
-                <a:lnTo>
-                  <a:pt x="14166" y="6008"/>
-                </a:lnTo>
-                <a:lnTo>
-                  <a:pt x="13971" y="5837"/>
-                </a:lnTo>
-                <a:lnTo>
-                  <a:pt x="13775" y="5666"/>
-                </a:lnTo>
-                <a:lnTo>
-                  <a:pt x="13653" y="5495"/>
-                </a:lnTo>
-                <a:lnTo>
-                  <a:pt x="13531" y="5324"/>
-                </a:lnTo>
-                <a:lnTo>
-                  <a:pt x="13482" y="5153"/>
-                </a:lnTo>
-                <a:lnTo>
-                  <a:pt x="13482" y="4958"/>
-                </a:lnTo>
-                <a:lnTo>
-                  <a:pt x="13531" y="4763"/>
-                </a:lnTo>
-                <a:lnTo>
-                  <a:pt x="13629" y="4543"/>
-                </a:lnTo>
-                <a:lnTo>
-                  <a:pt x="13800" y="4299"/>
-                </a:lnTo>
-                <a:lnTo>
-                  <a:pt x="14068" y="4030"/>
-                </a:lnTo>
-                <a:lnTo>
-                  <a:pt x="14239" y="3859"/>
-                </a:lnTo>
-                <a:lnTo>
-                  <a:pt x="14435" y="3761"/>
-                </a:lnTo>
-                <a:lnTo>
-                  <a:pt x="14655" y="3688"/>
-                </a:lnTo>
-                <a:lnTo>
-                  <a:pt x="14850" y="3639"/>
-                </a:lnTo>
-                <a:lnTo>
-                  <a:pt x="15070" y="3590"/>
-                </a:lnTo>
-                <a:lnTo>
-                  <a:pt x="15290" y="3493"/>
-                </a:lnTo>
-                <a:lnTo>
-                  <a:pt x="15485" y="3370"/>
-                </a:lnTo>
-                <a:lnTo>
-                  <a:pt x="15705" y="3199"/>
-                </a:lnTo>
-                <a:lnTo>
-                  <a:pt x="15876" y="3004"/>
-                </a:lnTo>
-                <a:lnTo>
-                  <a:pt x="15973" y="2784"/>
-                </a:lnTo>
-                <a:lnTo>
-                  <a:pt x="16047" y="2540"/>
-                </a:lnTo>
-                <a:lnTo>
-                  <a:pt x="16071" y="2271"/>
-                </a:lnTo>
-                <a:lnTo>
-                  <a:pt x="16047" y="2052"/>
-                </a:lnTo>
-                <a:lnTo>
-                  <a:pt x="16022" y="1832"/>
-                </a:lnTo>
-                <a:lnTo>
-                  <a:pt x="15949" y="1636"/>
-                </a:lnTo>
-                <a:lnTo>
-                  <a:pt x="15851" y="1417"/>
-                </a:lnTo>
-                <a:lnTo>
-                  <a:pt x="15754" y="1246"/>
-                </a:lnTo>
-                <a:lnTo>
-                  <a:pt x="15632" y="1050"/>
-                </a:lnTo>
-                <a:lnTo>
-                  <a:pt x="15509" y="879"/>
-                </a:lnTo>
-                <a:lnTo>
-                  <a:pt x="15363" y="708"/>
-                </a:lnTo>
-                <a:lnTo>
-                  <a:pt x="15192" y="562"/>
-                </a:lnTo>
-                <a:lnTo>
-                  <a:pt x="15021" y="440"/>
-                </a:lnTo>
-                <a:lnTo>
-                  <a:pt x="14826" y="318"/>
-                </a:lnTo>
-                <a:lnTo>
-                  <a:pt x="14630" y="195"/>
-                </a:lnTo>
-                <a:lnTo>
-                  <a:pt x="14435" y="122"/>
-                </a:lnTo>
-                <a:lnTo>
-                  <a:pt x="14215" y="49"/>
-                </a:lnTo>
-                <a:lnTo>
-                  <a:pt x="14020" y="24"/>
-                </a:lnTo>
-                <a:lnTo>
-                  <a:pt x="13800" y="0"/>
-                </a:lnTo>
-                <a:lnTo>
-                  <a:pt x="13531" y="24"/>
-                </a:lnTo>
-                <a:lnTo>
-                  <a:pt x="13287" y="98"/>
-                </a:lnTo>
-                <a:lnTo>
-                  <a:pt x="13067" y="195"/>
-                </a:lnTo>
-                <a:lnTo>
-                  <a:pt x="12872" y="366"/>
-                </a:lnTo>
-                <a:lnTo>
-                  <a:pt x="12701" y="562"/>
-                </a:lnTo>
-                <a:lnTo>
-                  <a:pt x="12579" y="782"/>
-                </a:lnTo>
-                <a:lnTo>
-                  <a:pt x="12505" y="977"/>
-                </a:lnTo>
-                <a:lnTo>
-                  <a:pt x="12457" y="1197"/>
-                </a:lnTo>
-                <a:lnTo>
-                  <a:pt x="12383" y="1417"/>
-                </a:lnTo>
-                <a:lnTo>
-                  <a:pt x="12310" y="1612"/>
-                </a:lnTo>
-                <a:lnTo>
-                  <a:pt x="12212" y="1832"/>
-                </a:lnTo>
-                <a:lnTo>
-                  <a:pt x="12041" y="2003"/>
-                </a:lnTo>
-                <a:lnTo>
-                  <a:pt x="11773" y="2271"/>
-                </a:lnTo>
-                <a:lnTo>
-                  <a:pt x="11528" y="2442"/>
-                </a:lnTo>
-                <a:lnTo>
-                  <a:pt x="11309" y="2540"/>
-                </a:lnTo>
-                <a:lnTo>
-                  <a:pt x="11113" y="2589"/>
-                </a:lnTo>
-                <a:lnTo>
-                  <a:pt x="10918" y="2589"/>
-                </a:lnTo>
-                <a:lnTo>
-                  <a:pt x="10747" y="2540"/>
-                </a:lnTo>
-                <a:lnTo>
-                  <a:pt x="10576" y="2418"/>
-                </a:lnTo>
-                <a:lnTo>
-                  <a:pt x="10405" y="2296"/>
-                </a:lnTo>
-                <a:lnTo>
-                  <a:pt x="10234" y="2100"/>
-                </a:lnTo>
-                <a:lnTo>
-                  <a:pt x="10063" y="1905"/>
-                </a:lnTo>
-                <a:lnTo>
-                  <a:pt x="9697" y="1417"/>
-                </a:lnTo>
-                <a:lnTo>
-                  <a:pt x="9257" y="879"/>
-                </a:lnTo>
-                <a:lnTo>
-                  <a:pt x="9013" y="586"/>
-                </a:lnTo>
-                <a:lnTo>
-                  <a:pt x="8744" y="293"/>
-                </a:lnTo>
-                <a:lnTo>
-                  <a:pt x="8598" y="171"/>
-                </a:lnTo>
-                <a:lnTo>
-                  <a:pt x="8402" y="73"/>
-                </a:lnTo>
-                <a:lnTo>
-                  <a:pt x="8231" y="24"/>
-                </a:lnTo>
-                <a:lnTo>
-                  <a:pt x="8036" y="0"/>
-                </a:lnTo>
-                <a:close/>
-              </a:path>
-            </a:pathLst>
-          </a:custGeom>
-          <a:solidFill>
-            <a:schemeClr val="accent1"/>
-          </a:solidFill>
-          <a:ln>
-            <a:noFill/>
-          </a:ln>
-        </p:spPr>
-        <p:txBody>
-          <a:bodyPr spcFirstLastPara="1" wrap="square" lIns="91425" tIns="91425" rIns="91425" bIns="91425" anchor="ctr" anchorCtr="0">
-            <a:noAutofit/>
-          </a:bodyPr>
-          <a:lstStyle/>
-          <a:p>
-            <a:pPr marL="0" lvl="0" indent="0" algn="l" rtl="0">
-              <a:spcBef>
-                <a:spcPts val="0"/>
-              </a:spcBef>
-              <a:spcAft>
-                <a:spcPts val="0"/>
-              </a:spcAft>
-              <a:buNone/>
-            </a:pPr>
-            <a:endParaRPr/>
-          </a:p>
-        </p:txBody>
-      </p:sp>
       <p:pic>
         <p:nvPicPr>
-          <p:cNvPr id="14" name="Espaço Reservado para Conteúdo 3">
+          <p:cNvPr id="6" name="Picture 2">
             <a:extLst>
               <a:ext uri="{FF2B5EF4-FFF2-40B4-BE49-F238E27FC236}">
-                <a16:creationId xmlns:a16="http://schemas.microsoft.com/office/drawing/2014/main" id="{1AB14B47-A184-4F14-8C6D-E1024E060E1B}"/>
+                <a16:creationId xmlns:a16="http://schemas.microsoft.com/office/drawing/2014/main" id="{138AF042-11D5-46CC-B5BF-40F58589A992}"/>
               </a:ext>
             </a:extLst>
           </p:cNvPr>
           <p:cNvPicPr>
-            <a:picLocks noChangeAspect="1"/>
+            <a:picLocks noChangeAspect="1" noChangeArrowheads="1"/>
           </p:cNvPicPr>
           <p:nvPr/>
         </p:nvPicPr>
-        <p:blipFill>
-          <a:blip r:embed="rId3"/>
-          <a:stretch>
-            <a:fillRect/>
-          </a:stretch>
+        <p:blipFill rotWithShape="1">
+          <a:blip r:embed="rId3">
+            <a:extLst>
+              <a:ext uri="{28A0092B-C50C-407E-A947-70E740481C1C}">
+                <a14:useLocalDpi xmlns:a14="http://schemas.microsoft.com/office/drawing/2010/main" val="0"/>
+              </a:ext>
+            </a:extLst>
+          </a:blip>
+          <a:srcRect l="34345" t="-585" r="35156" b="-222"/>
+          <a:stretch/>
         </p:blipFill>
-        <p:spPr>
-          <a:xfrm>
-            <a:off x="2113657" y="1356078"/>
-            <a:ext cx="6134875" cy="3591147"/>
+        <p:spPr bwMode="auto">
+          <a:xfrm rot="16200000">
+            <a:off x="4059387" y="-854057"/>
+            <a:ext cx="2216972" cy="7344223"/>
           </a:xfrm>
           <a:prstGeom prst="rect">
             <a:avLst/>
           </a:prstGeom>
           <a:noFill/>
-          <a:ln>
-            <a:noFill/>
-          </a:ln>
+          <a:extLst>
+            <a:ext uri="{909E8E84-426E-40DD-AFC4-6F175D3DCCD1}">
+              <a14:hiddenFill xmlns:a14="http://schemas.microsoft.com/office/drawing/2010/main">
+                <a:solidFill>
+                  <a:srgbClr val="FFFFFF"/>
+                </a:solidFill>
+              </a14:hiddenFill>
+            </a:ext>
+          </a:extLst>
         </p:spPr>
       </p:pic>
-      <p:pic>
-        <p:nvPicPr>
-          <p:cNvPr id="8" name="Imagem 7" descr="Tela de celular com texto preto sobre fundo branco&#10;&#10;Descrição gerada automaticamente">
+      <p:sp>
+        <p:nvSpPr>
+          <p:cNvPr id="7" name="CaixaDeTexto 6">
             <a:extLst>
               <a:ext uri="{FF2B5EF4-FFF2-40B4-BE49-F238E27FC236}">
-                <a16:creationId xmlns:a16="http://schemas.microsoft.com/office/drawing/2014/main" id="{85ECD7FE-B1DC-436D-89C2-A342BF00E8DD}"/>
+                <a16:creationId xmlns:a16="http://schemas.microsoft.com/office/drawing/2014/main" id="{6F4EF810-5F36-4225-861E-9C30BFE3181C}"/>
               </a:ext>
             </a:extLst>
           </p:cNvPr>
-          <p:cNvPicPr>
-            <a:picLocks noChangeAspect="1"/>
-          </p:cNvPicPr>
+          <p:cNvSpPr txBox="1"/>
           <p:nvPr/>
-        </p:nvPicPr>
-        <p:blipFill rotWithShape="1">
-          <a:blip r:embed="rId4"/>
-          <a:srcRect l="253" t="11261"/>
-          <a:stretch/>
-        </p:blipFill>
+        </p:nvSpPr>
         <p:spPr>
           <a:xfrm>
-            <a:off x="1726661" y="2063407"/>
-            <a:ext cx="6739500" cy="2176488"/>
+            <a:off x="8725685" y="4370294"/>
+            <a:ext cx="443753" cy="369332"/>
           </a:xfrm>
           <a:prstGeom prst="rect">
             <a:avLst/>
           </a:prstGeom>
+          <a:noFill/>
         </p:spPr>
-      </p:pic>
+        <p:txBody>
+          <a:bodyPr wrap="square" rtlCol="0">
+            <a:spAutoFit/>
+          </a:bodyPr>
+          <a:lstStyle/>
+          <a:p>
+            <a:pPr algn="ctr"/>
+            <a:r>
+              <a:rPr lang="pt-BR" sz="1800" dirty="0">
+                <a:solidFill>
+                  <a:schemeClr val="bg1"/>
+                </a:solidFill>
+              </a:rPr>
+              <a:t>11</a:t>
+            </a:r>
+          </a:p>
+        </p:txBody>
+      </p:sp>
     </p:spTree>
   </p:cSld>
   <p:clrMapOvr>
@@ -14018,124 +13092,6 @@
       </p:transition>
     </mc:Fallback>
   </mc:AlternateContent>
-  <p:timing>
-    <p:tnLst>
-      <p:par>
-        <p:cTn id="1" dur="indefinite" restart="never" nodeType="tmRoot">
-          <p:childTnLst>
-            <p:seq concurrent="1" nextAc="seek">
-              <p:cTn id="2" dur="indefinite" nodeType="mainSeq">
-                <p:childTnLst>
-                  <p:par>
-                    <p:cTn id="3" fill="hold">
-                      <p:stCondLst>
-                        <p:cond delay="indefinite"/>
-                      </p:stCondLst>
-                      <p:childTnLst>
-                        <p:par>
-                          <p:cTn id="4" fill="hold">
-                            <p:stCondLst>
-                              <p:cond delay="0"/>
-                            </p:stCondLst>
-                            <p:childTnLst>
-                              <p:par>
-                                <p:cTn id="5" presetID="10" presetClass="exit" presetSubtype="0" fill="hold" nodeType="clickEffect">
-                                  <p:stCondLst>
-                                    <p:cond delay="0"/>
-                                  </p:stCondLst>
-                                  <p:childTnLst>
-                                    <p:animEffect transition="out" filter="fade">
-                                      <p:cBhvr>
-                                        <p:cTn id="6" dur="500"/>
-                                        <p:tgtEl>
-                                          <p:spTgt spid="14"/>
-                                        </p:tgtEl>
-                                      </p:cBhvr>
-                                    </p:animEffect>
-                                    <p:set>
-                                      <p:cBhvr>
-                                        <p:cTn id="7" dur="1" fill="hold">
-                                          <p:stCondLst>
-                                            <p:cond delay="499"/>
-                                          </p:stCondLst>
-                                        </p:cTn>
-                                        <p:tgtEl>
-                                          <p:spTgt spid="14"/>
-                                        </p:tgtEl>
-                                        <p:attrNameLst>
-                                          <p:attrName>style.visibility</p:attrName>
-                                        </p:attrNameLst>
-                                      </p:cBhvr>
-                                      <p:to>
-                                        <p:strVal val="hidden"/>
-                                      </p:to>
-                                    </p:set>
-                                  </p:childTnLst>
-                                </p:cTn>
-                              </p:par>
-                              <p:par>
-                                <p:cTn id="8" presetID="10" presetClass="entr" presetSubtype="0" fill="hold" nodeType="withEffect">
-                                  <p:stCondLst>
-                                    <p:cond delay="0"/>
-                                  </p:stCondLst>
-                                  <p:childTnLst>
-                                    <p:set>
-                                      <p:cBhvr>
-                                        <p:cTn id="9" dur="1" fill="hold">
-                                          <p:stCondLst>
-                                            <p:cond delay="0"/>
-                                          </p:stCondLst>
-                                        </p:cTn>
-                                        <p:tgtEl>
-                                          <p:spTgt spid="8"/>
-                                        </p:tgtEl>
-                                        <p:attrNameLst>
-                                          <p:attrName>style.visibility</p:attrName>
-                                        </p:attrNameLst>
-                                      </p:cBhvr>
-                                      <p:to>
-                                        <p:strVal val="visible"/>
-                                      </p:to>
-                                    </p:set>
-                                    <p:animEffect transition="in" filter="fade">
-                                      <p:cBhvr>
-                                        <p:cTn id="10" dur="250"/>
-                                        <p:tgtEl>
-                                          <p:spTgt spid="8"/>
-                                        </p:tgtEl>
-                                      </p:cBhvr>
-                                    </p:animEffect>
-                                  </p:childTnLst>
-                                </p:cTn>
-                              </p:par>
-                            </p:childTnLst>
-                          </p:cTn>
-                        </p:par>
-                      </p:childTnLst>
-                    </p:cTn>
-                  </p:par>
-                </p:childTnLst>
-              </p:cTn>
-              <p:prevCondLst>
-                <p:cond evt="onPrev" delay="0">
-                  <p:tgtEl>
-                    <p:sldTgt/>
-                  </p:tgtEl>
-                </p:cond>
-              </p:prevCondLst>
-              <p:nextCondLst>
-                <p:cond evt="onNext" delay="0">
-                  <p:tgtEl>
-                    <p:sldTgt/>
-                  </p:tgtEl>
-                </p:cond>
-              </p:nextCondLst>
-            </p:seq>
-          </p:childTnLst>
-        </p:cTn>
-      </p:par>
-    </p:tnLst>
-  </p:timing>
 </p:sld>
 </file>
 
@@ -14270,994 +13226,6 @@
           </a:p>
         </p:txBody>
       </p:sp>
-      <p:sp>
-        <p:nvSpPr>
-          <p:cNvPr id="180" name="Google Shape;180;p22"/>
-          <p:cNvSpPr/>
-          <p:nvPr/>
-        </p:nvSpPr>
-        <p:spPr>
-          <a:xfrm>
-            <a:off x="8191382" y="636358"/>
-            <a:ext cx="320958" cy="320938"/>
-          </a:xfrm>
-          <a:custGeom>
-            <a:avLst/>
-            <a:gdLst/>
-            <a:ahLst/>
-            <a:cxnLst/>
-            <a:rect l="l" t="t" r="r" b="b"/>
-            <a:pathLst>
-              <a:path w="16072" h="16071" extrusionOk="0">
-                <a:moveTo>
-                  <a:pt x="8036" y="0"/>
-                </a:moveTo>
-                <a:lnTo>
-                  <a:pt x="7938" y="24"/>
-                </a:lnTo>
-                <a:lnTo>
-                  <a:pt x="7792" y="98"/>
-                </a:lnTo>
-                <a:lnTo>
-                  <a:pt x="7328" y="366"/>
-                </a:lnTo>
-                <a:lnTo>
-                  <a:pt x="7059" y="537"/>
-                </a:lnTo>
-                <a:lnTo>
-                  <a:pt x="6766" y="757"/>
-                </a:lnTo>
-                <a:lnTo>
-                  <a:pt x="6448" y="977"/>
-                </a:lnTo>
-                <a:lnTo>
-                  <a:pt x="6155" y="1246"/>
-                </a:lnTo>
-                <a:lnTo>
-                  <a:pt x="5887" y="1514"/>
-                </a:lnTo>
-                <a:lnTo>
-                  <a:pt x="5643" y="1807"/>
-                </a:lnTo>
-                <a:lnTo>
-                  <a:pt x="5447" y="2100"/>
-                </a:lnTo>
-                <a:lnTo>
-                  <a:pt x="5374" y="2247"/>
-                </a:lnTo>
-                <a:lnTo>
-                  <a:pt x="5325" y="2418"/>
-                </a:lnTo>
-                <a:lnTo>
-                  <a:pt x="5276" y="2564"/>
-                </a:lnTo>
-                <a:lnTo>
-                  <a:pt x="5252" y="2711"/>
-                </a:lnTo>
-                <a:lnTo>
-                  <a:pt x="5252" y="2858"/>
-                </a:lnTo>
-                <a:lnTo>
-                  <a:pt x="5276" y="3029"/>
-                </a:lnTo>
-                <a:lnTo>
-                  <a:pt x="5325" y="3175"/>
-                </a:lnTo>
-                <a:lnTo>
-                  <a:pt x="5398" y="3322"/>
-                </a:lnTo>
-                <a:lnTo>
-                  <a:pt x="5496" y="3468"/>
-                </a:lnTo>
-                <a:lnTo>
-                  <a:pt x="5618" y="3615"/>
-                </a:lnTo>
-                <a:lnTo>
-                  <a:pt x="5814" y="3761"/>
-                </a:lnTo>
-                <a:lnTo>
-                  <a:pt x="6009" y="3859"/>
-                </a:lnTo>
-                <a:lnTo>
-                  <a:pt x="6204" y="3957"/>
-                </a:lnTo>
-                <a:lnTo>
-                  <a:pt x="6424" y="4005"/>
-                </a:lnTo>
-                <a:lnTo>
-                  <a:pt x="6644" y="4054"/>
-                </a:lnTo>
-                <a:lnTo>
-                  <a:pt x="6864" y="4152"/>
-                </a:lnTo>
-                <a:lnTo>
-                  <a:pt x="7059" y="4250"/>
-                </a:lnTo>
-                <a:lnTo>
-                  <a:pt x="7254" y="4421"/>
-                </a:lnTo>
-                <a:lnTo>
-                  <a:pt x="7425" y="4616"/>
-                </a:lnTo>
-                <a:lnTo>
-                  <a:pt x="7523" y="4836"/>
-                </a:lnTo>
-                <a:lnTo>
-                  <a:pt x="7596" y="5080"/>
-                </a:lnTo>
-                <a:lnTo>
-                  <a:pt x="7621" y="5373"/>
-                </a:lnTo>
-                <a:lnTo>
-                  <a:pt x="7596" y="5569"/>
-                </a:lnTo>
-                <a:lnTo>
-                  <a:pt x="7572" y="5788"/>
-                </a:lnTo>
-                <a:lnTo>
-                  <a:pt x="7499" y="5984"/>
-                </a:lnTo>
-                <a:lnTo>
-                  <a:pt x="7425" y="6179"/>
-                </a:lnTo>
-                <a:lnTo>
-                  <a:pt x="7328" y="6374"/>
-                </a:lnTo>
-                <a:lnTo>
-                  <a:pt x="7206" y="6570"/>
-                </a:lnTo>
-                <a:lnTo>
-                  <a:pt x="7059" y="6741"/>
-                </a:lnTo>
-                <a:lnTo>
-                  <a:pt x="6913" y="6912"/>
-                </a:lnTo>
-                <a:lnTo>
-                  <a:pt x="6742" y="7058"/>
-                </a:lnTo>
-                <a:lnTo>
-                  <a:pt x="6571" y="7205"/>
-                </a:lnTo>
-                <a:lnTo>
-                  <a:pt x="6400" y="7303"/>
-                </a:lnTo>
-                <a:lnTo>
-                  <a:pt x="6204" y="7425"/>
-                </a:lnTo>
-                <a:lnTo>
-                  <a:pt x="6009" y="7498"/>
-                </a:lnTo>
-                <a:lnTo>
-                  <a:pt x="5789" y="7571"/>
-                </a:lnTo>
-                <a:lnTo>
-                  <a:pt x="5569" y="7596"/>
-                </a:lnTo>
-                <a:lnTo>
-                  <a:pt x="5374" y="7620"/>
-                </a:lnTo>
-                <a:lnTo>
-                  <a:pt x="5105" y="7596"/>
-                </a:lnTo>
-                <a:lnTo>
-                  <a:pt x="4861" y="7522"/>
-                </a:lnTo>
-                <a:lnTo>
-                  <a:pt x="4617" y="7425"/>
-                </a:lnTo>
-                <a:lnTo>
-                  <a:pt x="4421" y="7254"/>
-                </a:lnTo>
-                <a:lnTo>
-                  <a:pt x="4250" y="7058"/>
-                </a:lnTo>
-                <a:lnTo>
-                  <a:pt x="4128" y="6839"/>
-                </a:lnTo>
-                <a:lnTo>
-                  <a:pt x="4055" y="6619"/>
-                </a:lnTo>
-                <a:lnTo>
-                  <a:pt x="3982" y="6399"/>
-                </a:lnTo>
-                <a:lnTo>
-                  <a:pt x="3933" y="6204"/>
-                </a:lnTo>
-                <a:lnTo>
-                  <a:pt x="3860" y="6008"/>
-                </a:lnTo>
-                <a:lnTo>
-                  <a:pt x="3762" y="5813"/>
-                </a:lnTo>
-                <a:lnTo>
-                  <a:pt x="3615" y="5617"/>
-                </a:lnTo>
-                <a:lnTo>
-                  <a:pt x="3469" y="5495"/>
-                </a:lnTo>
-                <a:lnTo>
-                  <a:pt x="3322" y="5398"/>
-                </a:lnTo>
-                <a:lnTo>
-                  <a:pt x="3176" y="5324"/>
-                </a:lnTo>
-                <a:lnTo>
-                  <a:pt x="3029" y="5275"/>
-                </a:lnTo>
-                <a:lnTo>
-                  <a:pt x="2858" y="5251"/>
-                </a:lnTo>
-                <a:lnTo>
-                  <a:pt x="2712" y="5251"/>
-                </a:lnTo>
-                <a:lnTo>
-                  <a:pt x="2565" y="5275"/>
-                </a:lnTo>
-                <a:lnTo>
-                  <a:pt x="2419" y="5324"/>
-                </a:lnTo>
-                <a:lnTo>
-                  <a:pt x="2248" y="5373"/>
-                </a:lnTo>
-                <a:lnTo>
-                  <a:pt x="2101" y="5446"/>
-                </a:lnTo>
-                <a:lnTo>
-                  <a:pt x="1808" y="5642"/>
-                </a:lnTo>
-                <a:lnTo>
-                  <a:pt x="1515" y="5886"/>
-                </a:lnTo>
-                <a:lnTo>
-                  <a:pt x="1246" y="6155"/>
-                </a:lnTo>
-                <a:lnTo>
-                  <a:pt x="978" y="6448"/>
-                </a:lnTo>
-                <a:lnTo>
-                  <a:pt x="758" y="6765"/>
-                </a:lnTo>
-                <a:lnTo>
-                  <a:pt x="538" y="7058"/>
-                </a:lnTo>
-                <a:lnTo>
-                  <a:pt x="367" y="7327"/>
-                </a:lnTo>
-                <a:lnTo>
-                  <a:pt x="99" y="7791"/>
-                </a:lnTo>
-                <a:lnTo>
-                  <a:pt x="25" y="7938"/>
-                </a:lnTo>
-                <a:lnTo>
-                  <a:pt x="1" y="8035"/>
-                </a:lnTo>
-                <a:lnTo>
-                  <a:pt x="25" y="8231"/>
-                </a:lnTo>
-                <a:lnTo>
-                  <a:pt x="74" y="8402"/>
-                </a:lnTo>
-                <a:lnTo>
-                  <a:pt x="172" y="8597"/>
-                </a:lnTo>
-                <a:lnTo>
-                  <a:pt x="294" y="8744"/>
-                </a:lnTo>
-                <a:lnTo>
-                  <a:pt x="587" y="9012"/>
-                </a:lnTo>
-                <a:lnTo>
-                  <a:pt x="880" y="9256"/>
-                </a:lnTo>
-                <a:lnTo>
-                  <a:pt x="1417" y="9696"/>
-                </a:lnTo>
-                <a:lnTo>
-                  <a:pt x="1906" y="10062"/>
-                </a:lnTo>
-                <a:lnTo>
-                  <a:pt x="2101" y="10233"/>
-                </a:lnTo>
-                <a:lnTo>
-                  <a:pt x="2297" y="10404"/>
-                </a:lnTo>
-                <a:lnTo>
-                  <a:pt x="2419" y="10575"/>
-                </a:lnTo>
-                <a:lnTo>
-                  <a:pt x="2541" y="10746"/>
-                </a:lnTo>
-                <a:lnTo>
-                  <a:pt x="2590" y="10917"/>
-                </a:lnTo>
-                <a:lnTo>
-                  <a:pt x="2590" y="11113"/>
-                </a:lnTo>
-                <a:lnTo>
-                  <a:pt x="2541" y="11308"/>
-                </a:lnTo>
-                <a:lnTo>
-                  <a:pt x="2443" y="11528"/>
-                </a:lnTo>
-                <a:lnTo>
-                  <a:pt x="2272" y="11772"/>
-                </a:lnTo>
-                <a:lnTo>
-                  <a:pt x="2004" y="12041"/>
-                </a:lnTo>
-                <a:lnTo>
-                  <a:pt x="1833" y="12212"/>
-                </a:lnTo>
-                <a:lnTo>
-                  <a:pt x="1637" y="12309"/>
-                </a:lnTo>
-                <a:lnTo>
-                  <a:pt x="1417" y="12383"/>
-                </a:lnTo>
-                <a:lnTo>
-                  <a:pt x="1222" y="12431"/>
-                </a:lnTo>
-                <a:lnTo>
-                  <a:pt x="1002" y="12480"/>
-                </a:lnTo>
-                <a:lnTo>
-                  <a:pt x="782" y="12578"/>
-                </a:lnTo>
-                <a:lnTo>
-                  <a:pt x="587" y="12700"/>
-                </a:lnTo>
-                <a:lnTo>
-                  <a:pt x="367" y="12871"/>
-                </a:lnTo>
-                <a:lnTo>
-                  <a:pt x="196" y="13066"/>
-                </a:lnTo>
-                <a:lnTo>
-                  <a:pt x="99" y="13286"/>
-                </a:lnTo>
-                <a:lnTo>
-                  <a:pt x="25" y="13530"/>
-                </a:lnTo>
-                <a:lnTo>
-                  <a:pt x="1" y="13799"/>
-                </a:lnTo>
-                <a:lnTo>
-                  <a:pt x="25" y="14019"/>
-                </a:lnTo>
-                <a:lnTo>
-                  <a:pt x="50" y="14239"/>
-                </a:lnTo>
-                <a:lnTo>
-                  <a:pt x="123" y="14434"/>
-                </a:lnTo>
-                <a:lnTo>
-                  <a:pt x="221" y="14654"/>
-                </a:lnTo>
-                <a:lnTo>
-                  <a:pt x="318" y="14825"/>
-                </a:lnTo>
-                <a:lnTo>
-                  <a:pt x="440" y="15020"/>
-                </a:lnTo>
-                <a:lnTo>
-                  <a:pt x="563" y="15191"/>
-                </a:lnTo>
-                <a:lnTo>
-                  <a:pt x="709" y="15362"/>
-                </a:lnTo>
-                <a:lnTo>
-                  <a:pt x="880" y="15509"/>
-                </a:lnTo>
-                <a:lnTo>
-                  <a:pt x="1051" y="15631"/>
-                </a:lnTo>
-                <a:lnTo>
-                  <a:pt x="1246" y="15753"/>
-                </a:lnTo>
-                <a:lnTo>
-                  <a:pt x="1442" y="15875"/>
-                </a:lnTo>
-                <a:lnTo>
-                  <a:pt x="1637" y="15948"/>
-                </a:lnTo>
-                <a:lnTo>
-                  <a:pt x="1857" y="16022"/>
-                </a:lnTo>
-                <a:lnTo>
-                  <a:pt x="2052" y="16046"/>
-                </a:lnTo>
-                <a:lnTo>
-                  <a:pt x="2272" y="16070"/>
-                </a:lnTo>
-                <a:lnTo>
-                  <a:pt x="2541" y="16046"/>
-                </a:lnTo>
-                <a:lnTo>
-                  <a:pt x="2785" y="15973"/>
-                </a:lnTo>
-                <a:lnTo>
-                  <a:pt x="3005" y="15875"/>
-                </a:lnTo>
-                <a:lnTo>
-                  <a:pt x="3200" y="15704"/>
-                </a:lnTo>
-                <a:lnTo>
-                  <a:pt x="3371" y="15509"/>
-                </a:lnTo>
-                <a:lnTo>
-                  <a:pt x="3493" y="15289"/>
-                </a:lnTo>
-                <a:lnTo>
-                  <a:pt x="3567" y="15094"/>
-                </a:lnTo>
-                <a:lnTo>
-                  <a:pt x="3615" y="14874"/>
-                </a:lnTo>
-                <a:lnTo>
-                  <a:pt x="3689" y="14654"/>
-                </a:lnTo>
-                <a:lnTo>
-                  <a:pt x="3762" y="14459"/>
-                </a:lnTo>
-                <a:lnTo>
-                  <a:pt x="3860" y="14239"/>
-                </a:lnTo>
-                <a:lnTo>
-                  <a:pt x="4031" y="14068"/>
-                </a:lnTo>
-                <a:lnTo>
-                  <a:pt x="4299" y="13824"/>
-                </a:lnTo>
-                <a:lnTo>
-                  <a:pt x="4544" y="13628"/>
-                </a:lnTo>
-                <a:lnTo>
-                  <a:pt x="4763" y="13530"/>
-                </a:lnTo>
-                <a:lnTo>
-                  <a:pt x="4959" y="13482"/>
-                </a:lnTo>
-                <a:lnTo>
-                  <a:pt x="5154" y="13482"/>
-                </a:lnTo>
-                <a:lnTo>
-                  <a:pt x="5325" y="13530"/>
-                </a:lnTo>
-                <a:lnTo>
-                  <a:pt x="5496" y="13653"/>
-                </a:lnTo>
-                <a:lnTo>
-                  <a:pt x="5667" y="13775"/>
-                </a:lnTo>
-                <a:lnTo>
-                  <a:pt x="5838" y="13970"/>
-                </a:lnTo>
-                <a:lnTo>
-                  <a:pt x="6009" y="14165"/>
-                </a:lnTo>
-                <a:lnTo>
-                  <a:pt x="6375" y="14654"/>
-                </a:lnTo>
-                <a:lnTo>
-                  <a:pt x="6815" y="15191"/>
-                </a:lnTo>
-                <a:lnTo>
-                  <a:pt x="7059" y="15484"/>
-                </a:lnTo>
-                <a:lnTo>
-                  <a:pt x="7328" y="15777"/>
-                </a:lnTo>
-                <a:lnTo>
-                  <a:pt x="7474" y="15899"/>
-                </a:lnTo>
-                <a:lnTo>
-                  <a:pt x="7670" y="15997"/>
-                </a:lnTo>
-                <a:lnTo>
-                  <a:pt x="7841" y="16046"/>
-                </a:lnTo>
-                <a:lnTo>
-                  <a:pt x="8036" y="16070"/>
-                </a:lnTo>
-                <a:lnTo>
-                  <a:pt x="8134" y="16046"/>
-                </a:lnTo>
-                <a:lnTo>
-                  <a:pt x="8280" y="15973"/>
-                </a:lnTo>
-                <a:lnTo>
-                  <a:pt x="8744" y="15704"/>
-                </a:lnTo>
-                <a:lnTo>
-                  <a:pt x="9013" y="15533"/>
-                </a:lnTo>
-                <a:lnTo>
-                  <a:pt x="9306" y="15313"/>
-                </a:lnTo>
-                <a:lnTo>
-                  <a:pt x="9623" y="15094"/>
-                </a:lnTo>
-                <a:lnTo>
-                  <a:pt x="9917" y="14825"/>
-                </a:lnTo>
-                <a:lnTo>
-                  <a:pt x="10185" y="14556"/>
-                </a:lnTo>
-                <a:lnTo>
-                  <a:pt x="10429" y="14263"/>
-                </a:lnTo>
-                <a:lnTo>
-                  <a:pt x="10625" y="13970"/>
-                </a:lnTo>
-                <a:lnTo>
-                  <a:pt x="10698" y="13824"/>
-                </a:lnTo>
-                <a:lnTo>
-                  <a:pt x="10747" y="13653"/>
-                </a:lnTo>
-                <a:lnTo>
-                  <a:pt x="10796" y="13506"/>
-                </a:lnTo>
-                <a:lnTo>
-                  <a:pt x="10820" y="13359"/>
-                </a:lnTo>
-                <a:lnTo>
-                  <a:pt x="10820" y="13213"/>
-                </a:lnTo>
-                <a:lnTo>
-                  <a:pt x="10796" y="13042"/>
-                </a:lnTo>
-                <a:lnTo>
-                  <a:pt x="10747" y="12895"/>
-                </a:lnTo>
-                <a:lnTo>
-                  <a:pt x="10674" y="12749"/>
-                </a:lnTo>
-                <a:lnTo>
-                  <a:pt x="10576" y="12602"/>
-                </a:lnTo>
-                <a:lnTo>
-                  <a:pt x="10454" y="12456"/>
-                </a:lnTo>
-                <a:lnTo>
-                  <a:pt x="10258" y="12309"/>
-                </a:lnTo>
-                <a:lnTo>
-                  <a:pt x="10063" y="12212"/>
-                </a:lnTo>
-                <a:lnTo>
-                  <a:pt x="9868" y="12138"/>
-                </a:lnTo>
-                <a:lnTo>
-                  <a:pt x="9648" y="12065"/>
-                </a:lnTo>
-                <a:lnTo>
-                  <a:pt x="9428" y="12016"/>
-                </a:lnTo>
-                <a:lnTo>
-                  <a:pt x="9208" y="11919"/>
-                </a:lnTo>
-                <a:lnTo>
-                  <a:pt x="9013" y="11821"/>
-                </a:lnTo>
-                <a:lnTo>
-                  <a:pt x="8818" y="11650"/>
-                </a:lnTo>
-                <a:lnTo>
-                  <a:pt x="8647" y="11454"/>
-                </a:lnTo>
-                <a:lnTo>
-                  <a:pt x="8549" y="11235"/>
-                </a:lnTo>
-                <a:lnTo>
-                  <a:pt x="8476" y="10990"/>
-                </a:lnTo>
-                <a:lnTo>
-                  <a:pt x="8451" y="10697"/>
-                </a:lnTo>
-                <a:lnTo>
-                  <a:pt x="8476" y="10502"/>
-                </a:lnTo>
-                <a:lnTo>
-                  <a:pt x="8500" y="10282"/>
-                </a:lnTo>
-                <a:lnTo>
-                  <a:pt x="8573" y="10087"/>
-                </a:lnTo>
-                <a:lnTo>
-                  <a:pt x="8647" y="9891"/>
-                </a:lnTo>
-                <a:lnTo>
-                  <a:pt x="8744" y="9696"/>
-                </a:lnTo>
-                <a:lnTo>
-                  <a:pt x="8866" y="9501"/>
-                </a:lnTo>
-                <a:lnTo>
-                  <a:pt x="9013" y="9330"/>
-                </a:lnTo>
-                <a:lnTo>
-                  <a:pt x="9159" y="9159"/>
-                </a:lnTo>
-                <a:lnTo>
-                  <a:pt x="9330" y="9012"/>
-                </a:lnTo>
-                <a:lnTo>
-                  <a:pt x="9501" y="8890"/>
-                </a:lnTo>
-                <a:lnTo>
-                  <a:pt x="9672" y="8768"/>
-                </a:lnTo>
-                <a:lnTo>
-                  <a:pt x="9868" y="8646"/>
-                </a:lnTo>
-                <a:lnTo>
-                  <a:pt x="10063" y="8573"/>
-                </a:lnTo>
-                <a:lnTo>
-                  <a:pt x="10283" y="8499"/>
-                </a:lnTo>
-                <a:lnTo>
-                  <a:pt x="10503" y="8475"/>
-                </a:lnTo>
-                <a:lnTo>
-                  <a:pt x="10698" y="8450"/>
-                </a:lnTo>
-                <a:lnTo>
-                  <a:pt x="10967" y="8475"/>
-                </a:lnTo>
-                <a:lnTo>
-                  <a:pt x="11211" y="8548"/>
-                </a:lnTo>
-                <a:lnTo>
-                  <a:pt x="11455" y="8646"/>
-                </a:lnTo>
-                <a:lnTo>
-                  <a:pt x="11651" y="8817"/>
-                </a:lnTo>
-                <a:lnTo>
-                  <a:pt x="11822" y="9012"/>
-                </a:lnTo>
-                <a:lnTo>
-                  <a:pt x="11944" y="9232"/>
-                </a:lnTo>
-                <a:lnTo>
-                  <a:pt x="12017" y="9452"/>
-                </a:lnTo>
-                <a:lnTo>
-                  <a:pt x="12090" y="9672"/>
-                </a:lnTo>
-                <a:lnTo>
-                  <a:pt x="12139" y="9867"/>
-                </a:lnTo>
-                <a:lnTo>
-                  <a:pt x="12212" y="10062"/>
-                </a:lnTo>
-                <a:lnTo>
-                  <a:pt x="12310" y="10258"/>
-                </a:lnTo>
-                <a:lnTo>
-                  <a:pt x="12457" y="10453"/>
-                </a:lnTo>
-                <a:lnTo>
-                  <a:pt x="12603" y="10575"/>
-                </a:lnTo>
-                <a:lnTo>
-                  <a:pt x="12750" y="10673"/>
-                </a:lnTo>
-                <a:lnTo>
-                  <a:pt x="12896" y="10746"/>
-                </a:lnTo>
-                <a:lnTo>
-                  <a:pt x="13043" y="10795"/>
-                </a:lnTo>
-                <a:lnTo>
-                  <a:pt x="13214" y="10819"/>
-                </a:lnTo>
-                <a:lnTo>
-                  <a:pt x="13360" y="10819"/>
-                </a:lnTo>
-                <a:lnTo>
-                  <a:pt x="13507" y="10795"/>
-                </a:lnTo>
-                <a:lnTo>
-                  <a:pt x="13653" y="10746"/>
-                </a:lnTo>
-                <a:lnTo>
-                  <a:pt x="13824" y="10697"/>
-                </a:lnTo>
-                <a:lnTo>
-                  <a:pt x="13971" y="10624"/>
-                </a:lnTo>
-                <a:lnTo>
-                  <a:pt x="14264" y="10429"/>
-                </a:lnTo>
-                <a:lnTo>
-                  <a:pt x="14557" y="10184"/>
-                </a:lnTo>
-                <a:lnTo>
-                  <a:pt x="14826" y="9916"/>
-                </a:lnTo>
-                <a:lnTo>
-                  <a:pt x="15094" y="9623"/>
-                </a:lnTo>
-                <a:lnTo>
-                  <a:pt x="15314" y="9305"/>
-                </a:lnTo>
-                <a:lnTo>
-                  <a:pt x="15534" y="9012"/>
-                </a:lnTo>
-                <a:lnTo>
-                  <a:pt x="15705" y="8744"/>
-                </a:lnTo>
-                <a:lnTo>
-                  <a:pt x="15973" y="8279"/>
-                </a:lnTo>
-                <a:lnTo>
-                  <a:pt x="16047" y="8133"/>
-                </a:lnTo>
-                <a:lnTo>
-                  <a:pt x="16071" y="8035"/>
-                </a:lnTo>
-                <a:lnTo>
-                  <a:pt x="16047" y="7840"/>
-                </a:lnTo>
-                <a:lnTo>
-                  <a:pt x="15998" y="7669"/>
-                </a:lnTo>
-                <a:lnTo>
-                  <a:pt x="15900" y="7474"/>
-                </a:lnTo>
-                <a:lnTo>
-                  <a:pt x="15778" y="7327"/>
-                </a:lnTo>
-                <a:lnTo>
-                  <a:pt x="15485" y="7058"/>
-                </a:lnTo>
-                <a:lnTo>
-                  <a:pt x="15192" y="6814"/>
-                </a:lnTo>
-                <a:lnTo>
-                  <a:pt x="14655" y="6374"/>
-                </a:lnTo>
-                <a:lnTo>
-                  <a:pt x="14166" y="6008"/>
-                </a:lnTo>
-                <a:lnTo>
-                  <a:pt x="13971" y="5837"/>
-                </a:lnTo>
-                <a:lnTo>
-                  <a:pt x="13775" y="5666"/>
-                </a:lnTo>
-                <a:lnTo>
-                  <a:pt x="13653" y="5495"/>
-                </a:lnTo>
-                <a:lnTo>
-                  <a:pt x="13531" y="5324"/>
-                </a:lnTo>
-                <a:lnTo>
-                  <a:pt x="13482" y="5153"/>
-                </a:lnTo>
-                <a:lnTo>
-                  <a:pt x="13482" y="4958"/>
-                </a:lnTo>
-                <a:lnTo>
-                  <a:pt x="13531" y="4763"/>
-                </a:lnTo>
-                <a:lnTo>
-                  <a:pt x="13629" y="4543"/>
-                </a:lnTo>
-                <a:lnTo>
-                  <a:pt x="13800" y="4299"/>
-                </a:lnTo>
-                <a:lnTo>
-                  <a:pt x="14068" y="4030"/>
-                </a:lnTo>
-                <a:lnTo>
-                  <a:pt x="14239" y="3859"/>
-                </a:lnTo>
-                <a:lnTo>
-                  <a:pt x="14435" y="3761"/>
-                </a:lnTo>
-                <a:lnTo>
-                  <a:pt x="14655" y="3688"/>
-                </a:lnTo>
-                <a:lnTo>
-                  <a:pt x="14850" y="3639"/>
-                </a:lnTo>
-                <a:lnTo>
-                  <a:pt x="15070" y="3590"/>
-                </a:lnTo>
-                <a:lnTo>
-                  <a:pt x="15290" y="3493"/>
-                </a:lnTo>
-                <a:lnTo>
-                  <a:pt x="15485" y="3370"/>
-                </a:lnTo>
-                <a:lnTo>
-                  <a:pt x="15705" y="3199"/>
-                </a:lnTo>
-                <a:lnTo>
-                  <a:pt x="15876" y="3004"/>
-                </a:lnTo>
-                <a:lnTo>
-                  <a:pt x="15973" y="2784"/>
-                </a:lnTo>
-                <a:lnTo>
-                  <a:pt x="16047" y="2540"/>
-                </a:lnTo>
-                <a:lnTo>
-                  <a:pt x="16071" y="2271"/>
-                </a:lnTo>
-                <a:lnTo>
-                  <a:pt x="16047" y="2052"/>
-                </a:lnTo>
-                <a:lnTo>
-                  <a:pt x="16022" y="1832"/>
-                </a:lnTo>
-                <a:lnTo>
-                  <a:pt x="15949" y="1636"/>
-                </a:lnTo>
-                <a:lnTo>
-                  <a:pt x="15851" y="1417"/>
-                </a:lnTo>
-                <a:lnTo>
-                  <a:pt x="15754" y="1246"/>
-                </a:lnTo>
-                <a:lnTo>
-                  <a:pt x="15632" y="1050"/>
-                </a:lnTo>
-                <a:lnTo>
-                  <a:pt x="15509" y="879"/>
-                </a:lnTo>
-                <a:lnTo>
-                  <a:pt x="15363" y="708"/>
-                </a:lnTo>
-                <a:lnTo>
-                  <a:pt x="15192" y="562"/>
-                </a:lnTo>
-                <a:lnTo>
-                  <a:pt x="15021" y="440"/>
-                </a:lnTo>
-                <a:lnTo>
-                  <a:pt x="14826" y="318"/>
-                </a:lnTo>
-                <a:lnTo>
-                  <a:pt x="14630" y="195"/>
-                </a:lnTo>
-                <a:lnTo>
-                  <a:pt x="14435" y="122"/>
-                </a:lnTo>
-                <a:lnTo>
-                  <a:pt x="14215" y="49"/>
-                </a:lnTo>
-                <a:lnTo>
-                  <a:pt x="14020" y="24"/>
-                </a:lnTo>
-                <a:lnTo>
-                  <a:pt x="13800" y="0"/>
-                </a:lnTo>
-                <a:lnTo>
-                  <a:pt x="13531" y="24"/>
-                </a:lnTo>
-                <a:lnTo>
-                  <a:pt x="13287" y="98"/>
-                </a:lnTo>
-                <a:lnTo>
-                  <a:pt x="13067" y="195"/>
-                </a:lnTo>
-                <a:lnTo>
-                  <a:pt x="12872" y="366"/>
-                </a:lnTo>
-                <a:lnTo>
-                  <a:pt x="12701" y="562"/>
-                </a:lnTo>
-                <a:lnTo>
-                  <a:pt x="12579" y="782"/>
-                </a:lnTo>
-                <a:lnTo>
-                  <a:pt x="12505" y="977"/>
-                </a:lnTo>
-                <a:lnTo>
-                  <a:pt x="12457" y="1197"/>
-                </a:lnTo>
-                <a:lnTo>
-                  <a:pt x="12383" y="1417"/>
-                </a:lnTo>
-                <a:lnTo>
-                  <a:pt x="12310" y="1612"/>
-                </a:lnTo>
-                <a:lnTo>
-                  <a:pt x="12212" y="1832"/>
-                </a:lnTo>
-                <a:lnTo>
-                  <a:pt x="12041" y="2003"/>
-                </a:lnTo>
-                <a:lnTo>
-                  <a:pt x="11773" y="2271"/>
-                </a:lnTo>
-                <a:lnTo>
-                  <a:pt x="11528" y="2442"/>
-                </a:lnTo>
-                <a:lnTo>
-                  <a:pt x="11309" y="2540"/>
-                </a:lnTo>
-                <a:lnTo>
-                  <a:pt x="11113" y="2589"/>
-                </a:lnTo>
-                <a:lnTo>
-                  <a:pt x="10918" y="2589"/>
-                </a:lnTo>
-                <a:lnTo>
-                  <a:pt x="10747" y="2540"/>
-                </a:lnTo>
-                <a:lnTo>
-                  <a:pt x="10576" y="2418"/>
-                </a:lnTo>
-                <a:lnTo>
-                  <a:pt x="10405" y="2296"/>
-                </a:lnTo>
-                <a:lnTo>
-                  <a:pt x="10234" y="2100"/>
-                </a:lnTo>
-                <a:lnTo>
-                  <a:pt x="10063" y="1905"/>
-                </a:lnTo>
-                <a:lnTo>
-                  <a:pt x="9697" y="1417"/>
-                </a:lnTo>
-                <a:lnTo>
-                  <a:pt x="9257" y="879"/>
-                </a:lnTo>
-                <a:lnTo>
-                  <a:pt x="9013" y="586"/>
-                </a:lnTo>
-                <a:lnTo>
-                  <a:pt x="8744" y="293"/>
-                </a:lnTo>
-                <a:lnTo>
-                  <a:pt x="8598" y="171"/>
-                </a:lnTo>
-                <a:lnTo>
-                  <a:pt x="8402" y="73"/>
-                </a:lnTo>
-                <a:lnTo>
-                  <a:pt x="8231" y="24"/>
-                </a:lnTo>
-                <a:lnTo>
-                  <a:pt x="8036" y="0"/>
-                </a:lnTo>
-                <a:close/>
-              </a:path>
-            </a:pathLst>
-          </a:custGeom>
-          <a:solidFill>
-            <a:schemeClr val="accent1"/>
-          </a:solidFill>
-          <a:ln>
-            <a:noFill/>
-          </a:ln>
-        </p:spPr>
-        <p:txBody>
-          <a:bodyPr spcFirstLastPara="1" wrap="square" lIns="91425" tIns="91425" rIns="91425" bIns="91425" anchor="ctr" anchorCtr="0">
-            <a:noAutofit/>
-          </a:bodyPr>
-          <a:lstStyle/>
-          <a:p>
-            <a:pPr marL="0" lvl="0" indent="0" algn="l" rtl="0">
-              <a:spcBef>
-                <a:spcPts val="0"/>
-              </a:spcBef>
-              <a:spcAft>
-                <a:spcPts val="0"/>
-              </a:spcAft>
-              <a:buNone/>
-            </a:pPr>
-            <a:endParaRPr/>
-          </a:p>
-        </p:txBody>
-      </p:sp>
       <p:pic>
         <p:nvPicPr>
           <p:cNvPr id="2" name="Imagem 1">
@@ -15348,6 +13316,46 @@
           </a:prstGeom>
         </p:spPr>
       </p:pic>
+      <p:sp>
+        <p:nvSpPr>
+          <p:cNvPr id="9" name="CaixaDeTexto 8">
+            <a:extLst>
+              <a:ext uri="{FF2B5EF4-FFF2-40B4-BE49-F238E27FC236}">
+                <a16:creationId xmlns:a16="http://schemas.microsoft.com/office/drawing/2014/main" id="{59A231A4-7FE7-47E2-8F55-68A06BD8BA00}"/>
+              </a:ext>
+            </a:extLst>
+          </p:cNvPr>
+          <p:cNvSpPr txBox="1"/>
+          <p:nvPr/>
+        </p:nvSpPr>
+        <p:spPr>
+          <a:xfrm>
+            <a:off x="8725685" y="4370294"/>
+            <a:ext cx="443753" cy="369332"/>
+          </a:xfrm>
+          <a:prstGeom prst="rect">
+            <a:avLst/>
+          </a:prstGeom>
+          <a:noFill/>
+        </p:spPr>
+        <p:txBody>
+          <a:bodyPr wrap="square" rtlCol="0">
+            <a:spAutoFit/>
+          </a:bodyPr>
+          <a:lstStyle/>
+          <a:p>
+            <a:pPr algn="ctr"/>
+            <a:r>
+              <a:rPr lang="pt-BR" sz="1800" dirty="0">
+                <a:solidFill>
+                  <a:schemeClr val="bg1"/>
+                </a:solidFill>
+              </a:rPr>
+              <a:t>13</a:t>
+            </a:r>
+          </a:p>
+        </p:txBody>
+      </p:sp>
     </p:spTree>
     <p:extLst>
       <p:ext uri="{BB962C8B-B14F-4D97-AF65-F5344CB8AC3E}">
@@ -15671,653 +13679,6 @@
           </a:p>
         </p:txBody>
       </p:sp>
-      <p:grpSp>
-        <p:nvGrpSpPr>
-          <p:cNvPr id="165" name="Google Shape;165;p21"/>
-          <p:cNvGrpSpPr/>
-          <p:nvPr/>
-        </p:nvGrpSpPr>
-        <p:grpSpPr>
-          <a:xfrm>
-            <a:off x="8247163" y="629034"/>
-            <a:ext cx="205851" cy="335576"/>
-            <a:chOff x="6730350" y="2315900"/>
-            <a:chExt cx="257700" cy="420100"/>
-          </a:xfrm>
-        </p:grpSpPr>
-        <p:sp>
-          <p:nvSpPr>
-            <p:cNvPr id="166" name="Google Shape;166;p21"/>
-            <p:cNvSpPr/>
-            <p:nvPr/>
-          </p:nvSpPr>
-          <p:spPr>
-            <a:xfrm>
-              <a:off x="6807900" y="2671250"/>
-              <a:ext cx="102600" cy="22625"/>
-            </a:xfrm>
-            <a:custGeom>
-              <a:avLst/>
-              <a:gdLst/>
-              <a:ahLst/>
-              <a:cxnLst/>
-              <a:rect l="l" t="t" r="r" b="b"/>
-              <a:pathLst>
-                <a:path w="4104" h="905" extrusionOk="0">
-                  <a:moveTo>
-                    <a:pt x="1" y="1"/>
-                  </a:moveTo>
-                  <a:lnTo>
-                    <a:pt x="1" y="905"/>
-                  </a:lnTo>
-                  <a:lnTo>
-                    <a:pt x="4104" y="905"/>
-                  </a:lnTo>
-                  <a:lnTo>
-                    <a:pt x="4104" y="1"/>
-                  </a:lnTo>
-                  <a:close/>
-                </a:path>
-              </a:pathLst>
-            </a:custGeom>
-            <a:solidFill>
-              <a:schemeClr val="accent1"/>
-            </a:solidFill>
-            <a:ln>
-              <a:noFill/>
-            </a:ln>
-          </p:spPr>
-          <p:txBody>
-            <a:bodyPr spcFirstLastPara="1" wrap="square" lIns="91425" tIns="91425" rIns="91425" bIns="91425" anchor="ctr" anchorCtr="0">
-              <a:noAutofit/>
-            </a:bodyPr>
-            <a:lstStyle/>
-            <a:p>
-              <a:pPr marL="0" lvl="0" indent="0" algn="l" rtl="0">
-                <a:spcBef>
-                  <a:spcPts val="0"/>
-                </a:spcBef>
-                <a:spcAft>
-                  <a:spcPts val="0"/>
-                </a:spcAft>
-                <a:buNone/>
-              </a:pPr>
-              <a:endParaRPr/>
-            </a:p>
-          </p:txBody>
-        </p:sp>
-        <p:sp>
-          <p:nvSpPr>
-            <p:cNvPr id="167" name="Google Shape;167;p21"/>
-            <p:cNvSpPr/>
-            <p:nvPr/>
-          </p:nvSpPr>
-          <p:spPr>
-            <a:xfrm>
-              <a:off x="6807900" y="2636450"/>
-              <a:ext cx="102600" cy="22625"/>
-            </a:xfrm>
-            <a:custGeom>
-              <a:avLst/>
-              <a:gdLst/>
-              <a:ahLst/>
-              <a:cxnLst/>
-              <a:rect l="l" t="t" r="r" b="b"/>
-              <a:pathLst>
-                <a:path w="4104" h="905" extrusionOk="0">
-                  <a:moveTo>
-                    <a:pt x="1" y="1"/>
-                  </a:moveTo>
-                  <a:lnTo>
-                    <a:pt x="1" y="905"/>
-                  </a:lnTo>
-                  <a:lnTo>
-                    <a:pt x="4104" y="905"/>
-                  </a:lnTo>
-                  <a:lnTo>
-                    <a:pt x="4104" y="1"/>
-                  </a:lnTo>
-                  <a:close/>
-                </a:path>
-              </a:pathLst>
-            </a:custGeom>
-            <a:solidFill>
-              <a:schemeClr val="accent1"/>
-            </a:solidFill>
-            <a:ln>
-              <a:noFill/>
-            </a:ln>
-          </p:spPr>
-          <p:txBody>
-            <a:bodyPr spcFirstLastPara="1" wrap="square" lIns="91425" tIns="91425" rIns="91425" bIns="91425" anchor="ctr" anchorCtr="0">
-              <a:noAutofit/>
-            </a:bodyPr>
-            <a:lstStyle/>
-            <a:p>
-              <a:pPr marL="0" lvl="0" indent="0" algn="l" rtl="0">
-                <a:spcBef>
-                  <a:spcPts val="0"/>
-                </a:spcBef>
-                <a:spcAft>
-                  <a:spcPts val="0"/>
-                </a:spcAft>
-                <a:buNone/>
-              </a:pPr>
-              <a:endParaRPr/>
-            </a:p>
-          </p:txBody>
-        </p:sp>
-        <p:sp>
-          <p:nvSpPr>
-            <p:cNvPr id="168" name="Google Shape;168;p21"/>
-            <p:cNvSpPr/>
-            <p:nvPr/>
-          </p:nvSpPr>
-          <p:spPr>
-            <a:xfrm>
-              <a:off x="6807900" y="2706075"/>
-              <a:ext cx="102600" cy="29925"/>
-            </a:xfrm>
-            <a:custGeom>
-              <a:avLst/>
-              <a:gdLst/>
-              <a:ahLst/>
-              <a:cxnLst/>
-              <a:rect l="l" t="t" r="r" b="b"/>
-              <a:pathLst>
-                <a:path w="4104" h="1197" extrusionOk="0">
-                  <a:moveTo>
-                    <a:pt x="1" y="0"/>
-                  </a:moveTo>
-                  <a:lnTo>
-                    <a:pt x="1" y="171"/>
-                  </a:lnTo>
-                  <a:lnTo>
-                    <a:pt x="25" y="318"/>
-                  </a:lnTo>
-                  <a:lnTo>
-                    <a:pt x="98" y="464"/>
-                  </a:lnTo>
-                  <a:lnTo>
-                    <a:pt x="196" y="586"/>
-                  </a:lnTo>
-                  <a:lnTo>
-                    <a:pt x="343" y="660"/>
-                  </a:lnTo>
-                  <a:lnTo>
-                    <a:pt x="1881" y="1172"/>
-                  </a:lnTo>
-                  <a:lnTo>
-                    <a:pt x="2052" y="1197"/>
-                  </a:lnTo>
-                  <a:lnTo>
-                    <a:pt x="2223" y="1172"/>
-                  </a:lnTo>
-                  <a:lnTo>
-                    <a:pt x="3762" y="660"/>
-                  </a:lnTo>
-                  <a:lnTo>
-                    <a:pt x="3908" y="586"/>
-                  </a:lnTo>
-                  <a:lnTo>
-                    <a:pt x="4006" y="464"/>
-                  </a:lnTo>
-                  <a:lnTo>
-                    <a:pt x="4079" y="318"/>
-                  </a:lnTo>
-                  <a:lnTo>
-                    <a:pt x="4104" y="171"/>
-                  </a:lnTo>
-                  <a:lnTo>
-                    <a:pt x="4104" y="0"/>
-                  </a:lnTo>
-                  <a:close/>
-                </a:path>
-              </a:pathLst>
-            </a:custGeom>
-            <a:solidFill>
-              <a:schemeClr val="accent1"/>
-            </a:solidFill>
-            <a:ln>
-              <a:noFill/>
-            </a:ln>
-          </p:spPr>
-          <p:txBody>
-            <a:bodyPr spcFirstLastPara="1" wrap="square" lIns="91425" tIns="91425" rIns="91425" bIns="91425" anchor="ctr" anchorCtr="0">
-              <a:noAutofit/>
-            </a:bodyPr>
-            <a:lstStyle/>
-            <a:p>
-              <a:pPr marL="0" lvl="0" indent="0" algn="l" rtl="0">
-                <a:spcBef>
-                  <a:spcPts val="0"/>
-                </a:spcBef>
-                <a:spcAft>
-                  <a:spcPts val="0"/>
-                </a:spcAft>
-                <a:buNone/>
-              </a:pPr>
-              <a:endParaRPr/>
-            </a:p>
-          </p:txBody>
-        </p:sp>
-        <p:sp>
-          <p:nvSpPr>
-            <p:cNvPr id="169" name="Google Shape;169;p21"/>
-            <p:cNvSpPr/>
-            <p:nvPr/>
-          </p:nvSpPr>
-          <p:spPr>
-            <a:xfrm>
-              <a:off x="6811575" y="2463675"/>
-              <a:ext cx="95275" cy="160600"/>
-            </a:xfrm>
-            <a:custGeom>
-              <a:avLst/>
-              <a:gdLst/>
-              <a:ahLst/>
-              <a:cxnLst/>
-              <a:rect l="l" t="t" r="r" b="b"/>
-              <a:pathLst>
-                <a:path w="3811" h="6424" extrusionOk="0">
-                  <a:moveTo>
-                    <a:pt x="1905" y="0"/>
-                  </a:moveTo>
-                  <a:lnTo>
-                    <a:pt x="928" y="831"/>
-                  </a:lnTo>
-                  <a:lnTo>
-                    <a:pt x="855" y="879"/>
-                  </a:lnTo>
-                  <a:lnTo>
-                    <a:pt x="782" y="904"/>
-                  </a:lnTo>
-                  <a:lnTo>
-                    <a:pt x="684" y="879"/>
-                  </a:lnTo>
-                  <a:lnTo>
-                    <a:pt x="611" y="831"/>
-                  </a:lnTo>
-                  <a:lnTo>
-                    <a:pt x="0" y="318"/>
-                  </a:lnTo>
-                  <a:lnTo>
-                    <a:pt x="1319" y="6423"/>
-                  </a:lnTo>
-                  <a:lnTo>
-                    <a:pt x="2491" y="6423"/>
-                  </a:lnTo>
-                  <a:lnTo>
-                    <a:pt x="3810" y="318"/>
-                  </a:lnTo>
-                  <a:lnTo>
-                    <a:pt x="3200" y="831"/>
-                  </a:lnTo>
-                  <a:lnTo>
-                    <a:pt x="3126" y="879"/>
-                  </a:lnTo>
-                  <a:lnTo>
-                    <a:pt x="3029" y="904"/>
-                  </a:lnTo>
-                  <a:lnTo>
-                    <a:pt x="2955" y="879"/>
-                  </a:lnTo>
-                  <a:lnTo>
-                    <a:pt x="2882" y="831"/>
-                  </a:lnTo>
-                  <a:lnTo>
-                    <a:pt x="1905" y="0"/>
-                  </a:lnTo>
-                  <a:close/>
-                </a:path>
-              </a:pathLst>
-            </a:custGeom>
-            <a:solidFill>
-              <a:schemeClr val="accent1"/>
-            </a:solidFill>
-            <a:ln>
-              <a:noFill/>
-            </a:ln>
-          </p:spPr>
-          <p:txBody>
-            <a:bodyPr spcFirstLastPara="1" wrap="square" lIns="91425" tIns="91425" rIns="91425" bIns="91425" anchor="ctr" anchorCtr="0">
-              <a:noAutofit/>
-            </a:bodyPr>
-            <a:lstStyle/>
-            <a:p>
-              <a:pPr marL="0" lvl="0" indent="0" algn="l" rtl="0">
-                <a:spcBef>
-                  <a:spcPts val="0"/>
-                </a:spcBef>
-                <a:spcAft>
-                  <a:spcPts val="0"/>
-                </a:spcAft>
-                <a:buNone/>
-              </a:pPr>
-              <a:endParaRPr/>
-            </a:p>
-          </p:txBody>
-        </p:sp>
-        <p:sp>
-          <p:nvSpPr>
-            <p:cNvPr id="170" name="Google Shape;170;p21"/>
-            <p:cNvSpPr/>
-            <p:nvPr/>
-          </p:nvSpPr>
-          <p:spPr>
-            <a:xfrm>
-              <a:off x="6730350" y="2315900"/>
-              <a:ext cx="257700" cy="308375"/>
-            </a:xfrm>
-            <a:custGeom>
-              <a:avLst/>
-              <a:gdLst/>
-              <a:ahLst/>
-              <a:cxnLst/>
-              <a:rect l="l" t="t" r="r" b="b"/>
-              <a:pathLst>
-                <a:path w="10308" h="12335" extrusionOk="0">
-                  <a:moveTo>
-                    <a:pt x="5154" y="1"/>
-                  </a:moveTo>
-                  <a:lnTo>
-                    <a:pt x="4617" y="25"/>
-                  </a:lnTo>
-                  <a:lnTo>
-                    <a:pt x="4128" y="98"/>
-                  </a:lnTo>
-                  <a:lnTo>
-                    <a:pt x="3615" y="245"/>
-                  </a:lnTo>
-                  <a:lnTo>
-                    <a:pt x="3151" y="416"/>
-                  </a:lnTo>
-                  <a:lnTo>
-                    <a:pt x="2712" y="636"/>
-                  </a:lnTo>
-                  <a:lnTo>
-                    <a:pt x="2272" y="880"/>
-                  </a:lnTo>
-                  <a:lnTo>
-                    <a:pt x="1881" y="1173"/>
-                  </a:lnTo>
-                  <a:lnTo>
-                    <a:pt x="1515" y="1515"/>
-                  </a:lnTo>
-                  <a:lnTo>
-                    <a:pt x="1198" y="1881"/>
-                  </a:lnTo>
-                  <a:lnTo>
-                    <a:pt x="880" y="2272"/>
-                  </a:lnTo>
-                  <a:lnTo>
-                    <a:pt x="636" y="2687"/>
-                  </a:lnTo>
-                  <a:lnTo>
-                    <a:pt x="416" y="3151"/>
-                  </a:lnTo>
-                  <a:lnTo>
-                    <a:pt x="245" y="3615"/>
-                  </a:lnTo>
-                  <a:lnTo>
-                    <a:pt x="123" y="4104"/>
-                  </a:lnTo>
-                  <a:lnTo>
-                    <a:pt x="50" y="4617"/>
-                  </a:lnTo>
-                  <a:lnTo>
-                    <a:pt x="1" y="5154"/>
-                  </a:lnTo>
-                  <a:lnTo>
-                    <a:pt x="25" y="5423"/>
-                  </a:lnTo>
-                  <a:lnTo>
-                    <a:pt x="50" y="5691"/>
-                  </a:lnTo>
-                  <a:lnTo>
-                    <a:pt x="123" y="6204"/>
-                  </a:lnTo>
-                  <a:lnTo>
-                    <a:pt x="245" y="6693"/>
-                  </a:lnTo>
-                  <a:lnTo>
-                    <a:pt x="416" y="7132"/>
-                  </a:lnTo>
-                  <a:lnTo>
-                    <a:pt x="636" y="7572"/>
-                  </a:lnTo>
-                  <a:lnTo>
-                    <a:pt x="856" y="7963"/>
-                  </a:lnTo>
-                  <a:lnTo>
-                    <a:pt x="1100" y="8353"/>
-                  </a:lnTo>
-                  <a:lnTo>
-                    <a:pt x="1369" y="8744"/>
-                  </a:lnTo>
-                  <a:lnTo>
-                    <a:pt x="1906" y="9526"/>
-                  </a:lnTo>
-                  <a:lnTo>
-                    <a:pt x="2150" y="9941"/>
-                  </a:lnTo>
-                  <a:lnTo>
-                    <a:pt x="2394" y="10356"/>
-                  </a:lnTo>
-                  <a:lnTo>
-                    <a:pt x="2614" y="10796"/>
-                  </a:lnTo>
-                  <a:lnTo>
-                    <a:pt x="2810" y="11284"/>
-                  </a:lnTo>
-                  <a:lnTo>
-                    <a:pt x="2980" y="11797"/>
-                  </a:lnTo>
-                  <a:lnTo>
-                    <a:pt x="3103" y="12334"/>
-                  </a:lnTo>
-                  <a:lnTo>
-                    <a:pt x="4079" y="12334"/>
-                  </a:lnTo>
-                  <a:lnTo>
-                    <a:pt x="3249" y="8500"/>
-                  </a:lnTo>
-                  <a:lnTo>
-                    <a:pt x="2663" y="5642"/>
-                  </a:lnTo>
-                  <a:lnTo>
-                    <a:pt x="2663" y="5520"/>
-                  </a:lnTo>
-                  <a:lnTo>
-                    <a:pt x="2712" y="5423"/>
-                  </a:lnTo>
-                  <a:lnTo>
-                    <a:pt x="2785" y="5374"/>
-                  </a:lnTo>
-                  <a:lnTo>
-                    <a:pt x="2883" y="5349"/>
-                  </a:lnTo>
-                  <a:lnTo>
-                    <a:pt x="2956" y="5349"/>
-                  </a:lnTo>
-                  <a:lnTo>
-                    <a:pt x="3054" y="5398"/>
-                  </a:lnTo>
-                  <a:lnTo>
-                    <a:pt x="4031" y="6253"/>
-                  </a:lnTo>
-                  <a:lnTo>
-                    <a:pt x="4983" y="5398"/>
-                  </a:lnTo>
-                  <a:lnTo>
-                    <a:pt x="5081" y="5349"/>
-                  </a:lnTo>
-                  <a:lnTo>
-                    <a:pt x="5227" y="5349"/>
-                  </a:lnTo>
-                  <a:lnTo>
-                    <a:pt x="5325" y="5398"/>
-                  </a:lnTo>
-                  <a:lnTo>
-                    <a:pt x="6278" y="6253"/>
-                  </a:lnTo>
-                  <a:lnTo>
-                    <a:pt x="7254" y="5398"/>
-                  </a:lnTo>
-                  <a:lnTo>
-                    <a:pt x="7352" y="5349"/>
-                  </a:lnTo>
-                  <a:lnTo>
-                    <a:pt x="7425" y="5349"/>
-                  </a:lnTo>
-                  <a:lnTo>
-                    <a:pt x="7523" y="5374"/>
-                  </a:lnTo>
-                  <a:lnTo>
-                    <a:pt x="7596" y="5423"/>
-                  </a:lnTo>
-                  <a:lnTo>
-                    <a:pt x="7645" y="5520"/>
-                  </a:lnTo>
-                  <a:lnTo>
-                    <a:pt x="7645" y="5642"/>
-                  </a:lnTo>
-                  <a:lnTo>
-                    <a:pt x="7059" y="8500"/>
-                  </a:lnTo>
-                  <a:lnTo>
-                    <a:pt x="6229" y="12334"/>
-                  </a:lnTo>
-                  <a:lnTo>
-                    <a:pt x="7206" y="12334"/>
-                  </a:lnTo>
-                  <a:lnTo>
-                    <a:pt x="7328" y="11797"/>
-                  </a:lnTo>
-                  <a:lnTo>
-                    <a:pt x="7499" y="11284"/>
-                  </a:lnTo>
-                  <a:lnTo>
-                    <a:pt x="7694" y="10796"/>
-                  </a:lnTo>
-                  <a:lnTo>
-                    <a:pt x="7914" y="10356"/>
-                  </a:lnTo>
-                  <a:lnTo>
-                    <a:pt x="8158" y="9941"/>
-                  </a:lnTo>
-                  <a:lnTo>
-                    <a:pt x="8402" y="9526"/>
-                  </a:lnTo>
-                  <a:lnTo>
-                    <a:pt x="8940" y="8744"/>
-                  </a:lnTo>
-                  <a:lnTo>
-                    <a:pt x="9208" y="8353"/>
-                  </a:lnTo>
-                  <a:lnTo>
-                    <a:pt x="9453" y="7963"/>
-                  </a:lnTo>
-                  <a:lnTo>
-                    <a:pt x="9672" y="7572"/>
-                  </a:lnTo>
-                  <a:lnTo>
-                    <a:pt x="9892" y="7132"/>
-                  </a:lnTo>
-                  <a:lnTo>
-                    <a:pt x="10063" y="6693"/>
-                  </a:lnTo>
-                  <a:lnTo>
-                    <a:pt x="10185" y="6204"/>
-                  </a:lnTo>
-                  <a:lnTo>
-                    <a:pt x="10259" y="5691"/>
-                  </a:lnTo>
-                  <a:lnTo>
-                    <a:pt x="10283" y="5423"/>
-                  </a:lnTo>
-                  <a:lnTo>
-                    <a:pt x="10307" y="5154"/>
-                  </a:lnTo>
-                  <a:lnTo>
-                    <a:pt x="10259" y="4617"/>
-                  </a:lnTo>
-                  <a:lnTo>
-                    <a:pt x="10185" y="4104"/>
-                  </a:lnTo>
-                  <a:lnTo>
-                    <a:pt x="10063" y="3615"/>
-                  </a:lnTo>
-                  <a:lnTo>
-                    <a:pt x="9892" y="3151"/>
-                  </a:lnTo>
-                  <a:lnTo>
-                    <a:pt x="9672" y="2687"/>
-                  </a:lnTo>
-                  <a:lnTo>
-                    <a:pt x="9428" y="2272"/>
-                  </a:lnTo>
-                  <a:lnTo>
-                    <a:pt x="9111" y="1881"/>
-                  </a:lnTo>
-                  <a:lnTo>
-                    <a:pt x="8793" y="1515"/>
-                  </a:lnTo>
-                  <a:lnTo>
-                    <a:pt x="8427" y="1173"/>
-                  </a:lnTo>
-                  <a:lnTo>
-                    <a:pt x="8036" y="880"/>
-                  </a:lnTo>
-                  <a:lnTo>
-                    <a:pt x="7596" y="636"/>
-                  </a:lnTo>
-                  <a:lnTo>
-                    <a:pt x="7157" y="416"/>
-                  </a:lnTo>
-                  <a:lnTo>
-                    <a:pt x="6693" y="245"/>
-                  </a:lnTo>
-                  <a:lnTo>
-                    <a:pt x="6180" y="98"/>
-                  </a:lnTo>
-                  <a:lnTo>
-                    <a:pt x="5691" y="25"/>
-                  </a:lnTo>
-                  <a:lnTo>
-                    <a:pt x="5154" y="1"/>
-                  </a:lnTo>
-                  <a:close/>
-                </a:path>
-              </a:pathLst>
-            </a:custGeom>
-            <a:solidFill>
-              <a:schemeClr val="accent1"/>
-            </a:solidFill>
-            <a:ln>
-              <a:noFill/>
-            </a:ln>
-          </p:spPr>
-          <p:txBody>
-            <a:bodyPr spcFirstLastPara="1" wrap="square" lIns="91425" tIns="91425" rIns="91425" bIns="91425" anchor="ctr" anchorCtr="0">
-              <a:noAutofit/>
-            </a:bodyPr>
-            <a:lstStyle/>
-            <a:p>
-              <a:pPr marL="0" lvl="0" indent="0" algn="l" rtl="0">
-                <a:spcBef>
-                  <a:spcPts val="0"/>
-                </a:spcBef>
-                <a:spcAft>
-                  <a:spcPts val="0"/>
-                </a:spcAft>
-                <a:buNone/>
-              </a:pPr>
-              <a:endParaRPr/>
-            </a:p>
-          </p:txBody>
-        </p:sp>
-      </p:grpSp>
       <p:pic>
         <p:nvPicPr>
           <p:cNvPr id="7" name="Imagem 6">
@@ -16466,6 +13827,46 @@
           </a:effectLst>
         </p:spPr>
       </p:pic>
+      <p:sp>
+        <p:nvSpPr>
+          <p:cNvPr id="13" name="CaixaDeTexto 12">
+            <a:extLst>
+              <a:ext uri="{FF2B5EF4-FFF2-40B4-BE49-F238E27FC236}">
+                <a16:creationId xmlns:a16="http://schemas.microsoft.com/office/drawing/2014/main" id="{1C08B15B-419E-4333-825E-589D63D302E8}"/>
+              </a:ext>
+            </a:extLst>
+          </p:cNvPr>
+          <p:cNvSpPr txBox="1"/>
+          <p:nvPr/>
+        </p:nvSpPr>
+        <p:spPr>
+          <a:xfrm>
+            <a:off x="8725685" y="4370294"/>
+            <a:ext cx="443753" cy="369332"/>
+          </a:xfrm>
+          <a:prstGeom prst="rect">
+            <a:avLst/>
+          </a:prstGeom>
+          <a:noFill/>
+        </p:spPr>
+        <p:txBody>
+          <a:bodyPr wrap="square" rtlCol="0">
+            <a:spAutoFit/>
+          </a:bodyPr>
+          <a:lstStyle/>
+          <a:p>
+            <a:pPr algn="ctr"/>
+            <a:r>
+              <a:rPr lang="pt-BR" sz="1800" dirty="0">
+                <a:solidFill>
+                  <a:schemeClr val="bg1"/>
+                </a:solidFill>
+              </a:rPr>
+              <a:t>15</a:t>
+            </a:r>
+          </a:p>
+        </p:txBody>
+      </p:sp>
     </p:spTree>
   </p:cSld>
   <p:clrMapOvr>
@@ -17084,6 +14485,46 @@
           </a:extLst>
         </p:spPr>
       </p:pic>
+      <p:sp>
+        <p:nvSpPr>
+          <p:cNvPr id="11" name="CaixaDeTexto 10">
+            <a:extLst>
+              <a:ext uri="{FF2B5EF4-FFF2-40B4-BE49-F238E27FC236}">
+                <a16:creationId xmlns:a16="http://schemas.microsoft.com/office/drawing/2014/main" id="{1158D3C8-EA50-41B3-BED2-4727CFBEF141}"/>
+              </a:ext>
+            </a:extLst>
+          </p:cNvPr>
+          <p:cNvSpPr txBox="1"/>
+          <p:nvPr/>
+        </p:nvSpPr>
+        <p:spPr>
+          <a:xfrm>
+            <a:off x="8725685" y="4370294"/>
+            <a:ext cx="443753" cy="369332"/>
+          </a:xfrm>
+          <a:prstGeom prst="rect">
+            <a:avLst/>
+          </a:prstGeom>
+          <a:noFill/>
+        </p:spPr>
+        <p:txBody>
+          <a:bodyPr wrap="square" rtlCol="0">
+            <a:spAutoFit/>
+          </a:bodyPr>
+          <a:lstStyle/>
+          <a:p>
+            <a:pPr algn="ctr"/>
+            <a:r>
+              <a:rPr lang="pt-BR" sz="1800" dirty="0">
+                <a:solidFill>
+                  <a:schemeClr val="bg1"/>
+                </a:solidFill>
+              </a:rPr>
+              <a:t>17</a:t>
+            </a:r>
+          </a:p>
+        </p:txBody>
+      </p:sp>
     </p:spTree>
   </p:cSld>
   <p:clrMapOvr>
@@ -17347,6 +14788,46 @@
           </a:effectLst>
         </p:spPr>
       </p:pic>
+      <p:sp>
+        <p:nvSpPr>
+          <p:cNvPr id="7" name="CaixaDeTexto 6">
+            <a:extLst>
+              <a:ext uri="{FF2B5EF4-FFF2-40B4-BE49-F238E27FC236}">
+                <a16:creationId xmlns:a16="http://schemas.microsoft.com/office/drawing/2014/main" id="{1DD1203E-9D42-4436-8956-89283916261C}"/>
+              </a:ext>
+            </a:extLst>
+          </p:cNvPr>
+          <p:cNvSpPr txBox="1"/>
+          <p:nvPr/>
+        </p:nvSpPr>
+        <p:spPr>
+          <a:xfrm>
+            <a:off x="8725685" y="4370294"/>
+            <a:ext cx="443753" cy="369332"/>
+          </a:xfrm>
+          <a:prstGeom prst="rect">
+            <a:avLst/>
+          </a:prstGeom>
+          <a:noFill/>
+        </p:spPr>
+        <p:txBody>
+          <a:bodyPr wrap="square" rtlCol="0">
+            <a:spAutoFit/>
+          </a:bodyPr>
+          <a:lstStyle/>
+          <a:p>
+            <a:pPr algn="ctr"/>
+            <a:r>
+              <a:rPr lang="pt-BR" sz="1800" dirty="0">
+                <a:solidFill>
+                  <a:schemeClr val="bg1"/>
+                </a:solidFill>
+              </a:rPr>
+              <a:t>19</a:t>
+            </a:r>
+          </a:p>
+        </p:txBody>
+      </p:sp>
     </p:spTree>
     <p:extLst>
       <p:ext uri="{BB962C8B-B14F-4D97-AF65-F5344CB8AC3E}">
@@ -17787,44 +15268,6 @@
           <a:chExt cx="0" cy="0"/>
         </a:xfrm>
       </p:grpSpPr>
-      <p:sp>
-        <p:nvSpPr>
-          <p:cNvPr id="6" name="Espaço Reservado para Número de Slide 5">
-            <a:extLst>
-              <a:ext uri="{FF2B5EF4-FFF2-40B4-BE49-F238E27FC236}">
-                <a16:creationId xmlns:a16="http://schemas.microsoft.com/office/drawing/2014/main" id="{D4D5735F-AAED-44F4-9FF3-275D906F3300}"/>
-              </a:ext>
-            </a:extLst>
-          </p:cNvPr>
-          <p:cNvSpPr>
-            <a:spLocks noGrp="1"/>
-          </p:cNvSpPr>
-          <p:nvPr>
-            <p:ph type="sldNum" idx="12"/>
-          </p:nvPr>
-        </p:nvSpPr>
-        <p:spPr/>
-        <p:txBody>
-          <a:bodyPr/>
-          <a:lstStyle/>
-          <a:p>
-            <a:pPr marL="0" lvl="0" indent="0" algn="ctr" rtl="0">
-              <a:spcBef>
-                <a:spcPts val="0"/>
-              </a:spcBef>
-              <a:spcAft>
-                <a:spcPts val="0"/>
-              </a:spcAft>
-              <a:buNone/>
-            </a:pPr>
-            <a:fld id="{00000000-1234-1234-1234-123412341234}" type="slidenum">
-              <a:rPr lang="pt-BR" smtClean="0"/>
-              <a:t>21</a:t>
-            </a:fld>
-            <a:endParaRPr lang="pt-BR"/>
-          </a:p>
-        </p:txBody>
-      </p:sp>
       <p:pic>
         <p:nvPicPr>
           <p:cNvPr id="9" name="Imagem 8" descr="Uma imagem contendo texto, mapa&#10;&#10;Descrição gerada automaticamente">
@@ -17895,6 +15338,46 @@
           </a:effectLst>
         </p:spPr>
       </p:pic>
+      <p:sp>
+        <p:nvSpPr>
+          <p:cNvPr id="8" name="CaixaDeTexto 7">
+            <a:extLst>
+              <a:ext uri="{FF2B5EF4-FFF2-40B4-BE49-F238E27FC236}">
+                <a16:creationId xmlns:a16="http://schemas.microsoft.com/office/drawing/2014/main" id="{1CA40FE3-7303-48BD-B30A-28DAC3CC6FB1}"/>
+              </a:ext>
+            </a:extLst>
+          </p:cNvPr>
+          <p:cNvSpPr txBox="1"/>
+          <p:nvPr/>
+        </p:nvSpPr>
+        <p:spPr>
+          <a:xfrm>
+            <a:off x="8725685" y="4370294"/>
+            <a:ext cx="443753" cy="369332"/>
+          </a:xfrm>
+          <a:prstGeom prst="rect">
+            <a:avLst/>
+          </a:prstGeom>
+          <a:noFill/>
+        </p:spPr>
+        <p:txBody>
+          <a:bodyPr wrap="square" rtlCol="0">
+            <a:spAutoFit/>
+          </a:bodyPr>
+          <a:lstStyle/>
+          <a:p>
+            <a:pPr algn="ctr"/>
+            <a:r>
+              <a:rPr lang="pt-BR" sz="1800" dirty="0">
+                <a:solidFill>
+                  <a:schemeClr val="bg1"/>
+                </a:solidFill>
+              </a:rPr>
+              <a:t>21</a:t>
+            </a:r>
+          </a:p>
+        </p:txBody>
+      </p:sp>
     </p:spTree>
     <p:extLst>
       <p:ext uri="{BB962C8B-B14F-4D97-AF65-F5344CB8AC3E}">
@@ -18118,994 +15601,6 @@
           </a:p>
         </p:txBody>
       </p:sp>
-      <p:sp>
-        <p:nvSpPr>
-          <p:cNvPr id="180" name="Google Shape;180;p22"/>
-          <p:cNvSpPr/>
-          <p:nvPr/>
-        </p:nvSpPr>
-        <p:spPr>
-          <a:xfrm>
-            <a:off x="8191382" y="636358"/>
-            <a:ext cx="320958" cy="320938"/>
-          </a:xfrm>
-          <a:custGeom>
-            <a:avLst/>
-            <a:gdLst/>
-            <a:ahLst/>
-            <a:cxnLst/>
-            <a:rect l="l" t="t" r="r" b="b"/>
-            <a:pathLst>
-              <a:path w="16072" h="16071" extrusionOk="0">
-                <a:moveTo>
-                  <a:pt x="8036" y="0"/>
-                </a:moveTo>
-                <a:lnTo>
-                  <a:pt x="7938" y="24"/>
-                </a:lnTo>
-                <a:lnTo>
-                  <a:pt x="7792" y="98"/>
-                </a:lnTo>
-                <a:lnTo>
-                  <a:pt x="7328" y="366"/>
-                </a:lnTo>
-                <a:lnTo>
-                  <a:pt x="7059" y="537"/>
-                </a:lnTo>
-                <a:lnTo>
-                  <a:pt x="6766" y="757"/>
-                </a:lnTo>
-                <a:lnTo>
-                  <a:pt x="6448" y="977"/>
-                </a:lnTo>
-                <a:lnTo>
-                  <a:pt x="6155" y="1246"/>
-                </a:lnTo>
-                <a:lnTo>
-                  <a:pt x="5887" y="1514"/>
-                </a:lnTo>
-                <a:lnTo>
-                  <a:pt x="5643" y="1807"/>
-                </a:lnTo>
-                <a:lnTo>
-                  <a:pt x="5447" y="2100"/>
-                </a:lnTo>
-                <a:lnTo>
-                  <a:pt x="5374" y="2247"/>
-                </a:lnTo>
-                <a:lnTo>
-                  <a:pt x="5325" y="2418"/>
-                </a:lnTo>
-                <a:lnTo>
-                  <a:pt x="5276" y="2564"/>
-                </a:lnTo>
-                <a:lnTo>
-                  <a:pt x="5252" y="2711"/>
-                </a:lnTo>
-                <a:lnTo>
-                  <a:pt x="5252" y="2858"/>
-                </a:lnTo>
-                <a:lnTo>
-                  <a:pt x="5276" y="3029"/>
-                </a:lnTo>
-                <a:lnTo>
-                  <a:pt x="5325" y="3175"/>
-                </a:lnTo>
-                <a:lnTo>
-                  <a:pt x="5398" y="3322"/>
-                </a:lnTo>
-                <a:lnTo>
-                  <a:pt x="5496" y="3468"/>
-                </a:lnTo>
-                <a:lnTo>
-                  <a:pt x="5618" y="3615"/>
-                </a:lnTo>
-                <a:lnTo>
-                  <a:pt x="5814" y="3761"/>
-                </a:lnTo>
-                <a:lnTo>
-                  <a:pt x="6009" y="3859"/>
-                </a:lnTo>
-                <a:lnTo>
-                  <a:pt x="6204" y="3957"/>
-                </a:lnTo>
-                <a:lnTo>
-                  <a:pt x="6424" y="4005"/>
-                </a:lnTo>
-                <a:lnTo>
-                  <a:pt x="6644" y="4054"/>
-                </a:lnTo>
-                <a:lnTo>
-                  <a:pt x="6864" y="4152"/>
-                </a:lnTo>
-                <a:lnTo>
-                  <a:pt x="7059" y="4250"/>
-                </a:lnTo>
-                <a:lnTo>
-                  <a:pt x="7254" y="4421"/>
-                </a:lnTo>
-                <a:lnTo>
-                  <a:pt x="7425" y="4616"/>
-                </a:lnTo>
-                <a:lnTo>
-                  <a:pt x="7523" y="4836"/>
-                </a:lnTo>
-                <a:lnTo>
-                  <a:pt x="7596" y="5080"/>
-                </a:lnTo>
-                <a:lnTo>
-                  <a:pt x="7621" y="5373"/>
-                </a:lnTo>
-                <a:lnTo>
-                  <a:pt x="7596" y="5569"/>
-                </a:lnTo>
-                <a:lnTo>
-                  <a:pt x="7572" y="5788"/>
-                </a:lnTo>
-                <a:lnTo>
-                  <a:pt x="7499" y="5984"/>
-                </a:lnTo>
-                <a:lnTo>
-                  <a:pt x="7425" y="6179"/>
-                </a:lnTo>
-                <a:lnTo>
-                  <a:pt x="7328" y="6374"/>
-                </a:lnTo>
-                <a:lnTo>
-                  <a:pt x="7206" y="6570"/>
-                </a:lnTo>
-                <a:lnTo>
-                  <a:pt x="7059" y="6741"/>
-                </a:lnTo>
-                <a:lnTo>
-                  <a:pt x="6913" y="6912"/>
-                </a:lnTo>
-                <a:lnTo>
-                  <a:pt x="6742" y="7058"/>
-                </a:lnTo>
-                <a:lnTo>
-                  <a:pt x="6571" y="7205"/>
-                </a:lnTo>
-                <a:lnTo>
-                  <a:pt x="6400" y="7303"/>
-                </a:lnTo>
-                <a:lnTo>
-                  <a:pt x="6204" y="7425"/>
-                </a:lnTo>
-                <a:lnTo>
-                  <a:pt x="6009" y="7498"/>
-                </a:lnTo>
-                <a:lnTo>
-                  <a:pt x="5789" y="7571"/>
-                </a:lnTo>
-                <a:lnTo>
-                  <a:pt x="5569" y="7596"/>
-                </a:lnTo>
-                <a:lnTo>
-                  <a:pt x="5374" y="7620"/>
-                </a:lnTo>
-                <a:lnTo>
-                  <a:pt x="5105" y="7596"/>
-                </a:lnTo>
-                <a:lnTo>
-                  <a:pt x="4861" y="7522"/>
-                </a:lnTo>
-                <a:lnTo>
-                  <a:pt x="4617" y="7425"/>
-                </a:lnTo>
-                <a:lnTo>
-                  <a:pt x="4421" y="7254"/>
-                </a:lnTo>
-                <a:lnTo>
-                  <a:pt x="4250" y="7058"/>
-                </a:lnTo>
-                <a:lnTo>
-                  <a:pt x="4128" y="6839"/>
-                </a:lnTo>
-                <a:lnTo>
-                  <a:pt x="4055" y="6619"/>
-                </a:lnTo>
-                <a:lnTo>
-                  <a:pt x="3982" y="6399"/>
-                </a:lnTo>
-                <a:lnTo>
-                  <a:pt x="3933" y="6204"/>
-                </a:lnTo>
-                <a:lnTo>
-                  <a:pt x="3860" y="6008"/>
-                </a:lnTo>
-                <a:lnTo>
-                  <a:pt x="3762" y="5813"/>
-                </a:lnTo>
-                <a:lnTo>
-                  <a:pt x="3615" y="5617"/>
-                </a:lnTo>
-                <a:lnTo>
-                  <a:pt x="3469" y="5495"/>
-                </a:lnTo>
-                <a:lnTo>
-                  <a:pt x="3322" y="5398"/>
-                </a:lnTo>
-                <a:lnTo>
-                  <a:pt x="3176" y="5324"/>
-                </a:lnTo>
-                <a:lnTo>
-                  <a:pt x="3029" y="5275"/>
-                </a:lnTo>
-                <a:lnTo>
-                  <a:pt x="2858" y="5251"/>
-                </a:lnTo>
-                <a:lnTo>
-                  <a:pt x="2712" y="5251"/>
-                </a:lnTo>
-                <a:lnTo>
-                  <a:pt x="2565" y="5275"/>
-                </a:lnTo>
-                <a:lnTo>
-                  <a:pt x="2419" y="5324"/>
-                </a:lnTo>
-                <a:lnTo>
-                  <a:pt x="2248" y="5373"/>
-                </a:lnTo>
-                <a:lnTo>
-                  <a:pt x="2101" y="5446"/>
-                </a:lnTo>
-                <a:lnTo>
-                  <a:pt x="1808" y="5642"/>
-                </a:lnTo>
-                <a:lnTo>
-                  <a:pt x="1515" y="5886"/>
-                </a:lnTo>
-                <a:lnTo>
-                  <a:pt x="1246" y="6155"/>
-                </a:lnTo>
-                <a:lnTo>
-                  <a:pt x="978" y="6448"/>
-                </a:lnTo>
-                <a:lnTo>
-                  <a:pt x="758" y="6765"/>
-                </a:lnTo>
-                <a:lnTo>
-                  <a:pt x="538" y="7058"/>
-                </a:lnTo>
-                <a:lnTo>
-                  <a:pt x="367" y="7327"/>
-                </a:lnTo>
-                <a:lnTo>
-                  <a:pt x="99" y="7791"/>
-                </a:lnTo>
-                <a:lnTo>
-                  <a:pt x="25" y="7938"/>
-                </a:lnTo>
-                <a:lnTo>
-                  <a:pt x="1" y="8035"/>
-                </a:lnTo>
-                <a:lnTo>
-                  <a:pt x="25" y="8231"/>
-                </a:lnTo>
-                <a:lnTo>
-                  <a:pt x="74" y="8402"/>
-                </a:lnTo>
-                <a:lnTo>
-                  <a:pt x="172" y="8597"/>
-                </a:lnTo>
-                <a:lnTo>
-                  <a:pt x="294" y="8744"/>
-                </a:lnTo>
-                <a:lnTo>
-                  <a:pt x="587" y="9012"/>
-                </a:lnTo>
-                <a:lnTo>
-                  <a:pt x="880" y="9256"/>
-                </a:lnTo>
-                <a:lnTo>
-                  <a:pt x="1417" y="9696"/>
-                </a:lnTo>
-                <a:lnTo>
-                  <a:pt x="1906" y="10062"/>
-                </a:lnTo>
-                <a:lnTo>
-                  <a:pt x="2101" y="10233"/>
-                </a:lnTo>
-                <a:lnTo>
-                  <a:pt x="2297" y="10404"/>
-                </a:lnTo>
-                <a:lnTo>
-                  <a:pt x="2419" y="10575"/>
-                </a:lnTo>
-                <a:lnTo>
-                  <a:pt x="2541" y="10746"/>
-                </a:lnTo>
-                <a:lnTo>
-                  <a:pt x="2590" y="10917"/>
-                </a:lnTo>
-                <a:lnTo>
-                  <a:pt x="2590" y="11113"/>
-                </a:lnTo>
-                <a:lnTo>
-                  <a:pt x="2541" y="11308"/>
-                </a:lnTo>
-                <a:lnTo>
-                  <a:pt x="2443" y="11528"/>
-                </a:lnTo>
-                <a:lnTo>
-                  <a:pt x="2272" y="11772"/>
-                </a:lnTo>
-                <a:lnTo>
-                  <a:pt x="2004" y="12041"/>
-                </a:lnTo>
-                <a:lnTo>
-                  <a:pt x="1833" y="12212"/>
-                </a:lnTo>
-                <a:lnTo>
-                  <a:pt x="1637" y="12309"/>
-                </a:lnTo>
-                <a:lnTo>
-                  <a:pt x="1417" y="12383"/>
-                </a:lnTo>
-                <a:lnTo>
-                  <a:pt x="1222" y="12431"/>
-                </a:lnTo>
-                <a:lnTo>
-                  <a:pt x="1002" y="12480"/>
-                </a:lnTo>
-                <a:lnTo>
-                  <a:pt x="782" y="12578"/>
-                </a:lnTo>
-                <a:lnTo>
-                  <a:pt x="587" y="12700"/>
-                </a:lnTo>
-                <a:lnTo>
-                  <a:pt x="367" y="12871"/>
-                </a:lnTo>
-                <a:lnTo>
-                  <a:pt x="196" y="13066"/>
-                </a:lnTo>
-                <a:lnTo>
-                  <a:pt x="99" y="13286"/>
-                </a:lnTo>
-                <a:lnTo>
-                  <a:pt x="25" y="13530"/>
-                </a:lnTo>
-                <a:lnTo>
-                  <a:pt x="1" y="13799"/>
-                </a:lnTo>
-                <a:lnTo>
-                  <a:pt x="25" y="14019"/>
-                </a:lnTo>
-                <a:lnTo>
-                  <a:pt x="50" y="14239"/>
-                </a:lnTo>
-                <a:lnTo>
-                  <a:pt x="123" y="14434"/>
-                </a:lnTo>
-                <a:lnTo>
-                  <a:pt x="221" y="14654"/>
-                </a:lnTo>
-                <a:lnTo>
-                  <a:pt x="318" y="14825"/>
-                </a:lnTo>
-                <a:lnTo>
-                  <a:pt x="440" y="15020"/>
-                </a:lnTo>
-                <a:lnTo>
-                  <a:pt x="563" y="15191"/>
-                </a:lnTo>
-                <a:lnTo>
-                  <a:pt x="709" y="15362"/>
-                </a:lnTo>
-                <a:lnTo>
-                  <a:pt x="880" y="15509"/>
-                </a:lnTo>
-                <a:lnTo>
-                  <a:pt x="1051" y="15631"/>
-                </a:lnTo>
-                <a:lnTo>
-                  <a:pt x="1246" y="15753"/>
-                </a:lnTo>
-                <a:lnTo>
-                  <a:pt x="1442" y="15875"/>
-                </a:lnTo>
-                <a:lnTo>
-                  <a:pt x="1637" y="15948"/>
-                </a:lnTo>
-                <a:lnTo>
-                  <a:pt x="1857" y="16022"/>
-                </a:lnTo>
-                <a:lnTo>
-                  <a:pt x="2052" y="16046"/>
-                </a:lnTo>
-                <a:lnTo>
-                  <a:pt x="2272" y="16070"/>
-                </a:lnTo>
-                <a:lnTo>
-                  <a:pt x="2541" y="16046"/>
-                </a:lnTo>
-                <a:lnTo>
-                  <a:pt x="2785" y="15973"/>
-                </a:lnTo>
-                <a:lnTo>
-                  <a:pt x="3005" y="15875"/>
-                </a:lnTo>
-                <a:lnTo>
-                  <a:pt x="3200" y="15704"/>
-                </a:lnTo>
-                <a:lnTo>
-                  <a:pt x="3371" y="15509"/>
-                </a:lnTo>
-                <a:lnTo>
-                  <a:pt x="3493" y="15289"/>
-                </a:lnTo>
-                <a:lnTo>
-                  <a:pt x="3567" y="15094"/>
-                </a:lnTo>
-                <a:lnTo>
-                  <a:pt x="3615" y="14874"/>
-                </a:lnTo>
-                <a:lnTo>
-                  <a:pt x="3689" y="14654"/>
-                </a:lnTo>
-                <a:lnTo>
-                  <a:pt x="3762" y="14459"/>
-                </a:lnTo>
-                <a:lnTo>
-                  <a:pt x="3860" y="14239"/>
-                </a:lnTo>
-                <a:lnTo>
-                  <a:pt x="4031" y="14068"/>
-                </a:lnTo>
-                <a:lnTo>
-                  <a:pt x="4299" y="13824"/>
-                </a:lnTo>
-                <a:lnTo>
-                  <a:pt x="4544" y="13628"/>
-                </a:lnTo>
-                <a:lnTo>
-                  <a:pt x="4763" y="13530"/>
-                </a:lnTo>
-                <a:lnTo>
-                  <a:pt x="4959" y="13482"/>
-                </a:lnTo>
-                <a:lnTo>
-                  <a:pt x="5154" y="13482"/>
-                </a:lnTo>
-                <a:lnTo>
-                  <a:pt x="5325" y="13530"/>
-                </a:lnTo>
-                <a:lnTo>
-                  <a:pt x="5496" y="13653"/>
-                </a:lnTo>
-                <a:lnTo>
-                  <a:pt x="5667" y="13775"/>
-                </a:lnTo>
-                <a:lnTo>
-                  <a:pt x="5838" y="13970"/>
-                </a:lnTo>
-                <a:lnTo>
-                  <a:pt x="6009" y="14165"/>
-                </a:lnTo>
-                <a:lnTo>
-                  <a:pt x="6375" y="14654"/>
-                </a:lnTo>
-                <a:lnTo>
-                  <a:pt x="6815" y="15191"/>
-                </a:lnTo>
-                <a:lnTo>
-                  <a:pt x="7059" y="15484"/>
-                </a:lnTo>
-                <a:lnTo>
-                  <a:pt x="7328" y="15777"/>
-                </a:lnTo>
-                <a:lnTo>
-                  <a:pt x="7474" y="15899"/>
-                </a:lnTo>
-                <a:lnTo>
-                  <a:pt x="7670" y="15997"/>
-                </a:lnTo>
-                <a:lnTo>
-                  <a:pt x="7841" y="16046"/>
-                </a:lnTo>
-                <a:lnTo>
-                  <a:pt x="8036" y="16070"/>
-                </a:lnTo>
-                <a:lnTo>
-                  <a:pt x="8134" y="16046"/>
-                </a:lnTo>
-                <a:lnTo>
-                  <a:pt x="8280" y="15973"/>
-                </a:lnTo>
-                <a:lnTo>
-                  <a:pt x="8744" y="15704"/>
-                </a:lnTo>
-                <a:lnTo>
-                  <a:pt x="9013" y="15533"/>
-                </a:lnTo>
-                <a:lnTo>
-                  <a:pt x="9306" y="15313"/>
-                </a:lnTo>
-                <a:lnTo>
-                  <a:pt x="9623" y="15094"/>
-                </a:lnTo>
-                <a:lnTo>
-                  <a:pt x="9917" y="14825"/>
-                </a:lnTo>
-                <a:lnTo>
-                  <a:pt x="10185" y="14556"/>
-                </a:lnTo>
-                <a:lnTo>
-                  <a:pt x="10429" y="14263"/>
-                </a:lnTo>
-                <a:lnTo>
-                  <a:pt x="10625" y="13970"/>
-                </a:lnTo>
-                <a:lnTo>
-                  <a:pt x="10698" y="13824"/>
-                </a:lnTo>
-                <a:lnTo>
-                  <a:pt x="10747" y="13653"/>
-                </a:lnTo>
-                <a:lnTo>
-                  <a:pt x="10796" y="13506"/>
-                </a:lnTo>
-                <a:lnTo>
-                  <a:pt x="10820" y="13359"/>
-                </a:lnTo>
-                <a:lnTo>
-                  <a:pt x="10820" y="13213"/>
-                </a:lnTo>
-                <a:lnTo>
-                  <a:pt x="10796" y="13042"/>
-                </a:lnTo>
-                <a:lnTo>
-                  <a:pt x="10747" y="12895"/>
-                </a:lnTo>
-                <a:lnTo>
-                  <a:pt x="10674" y="12749"/>
-                </a:lnTo>
-                <a:lnTo>
-                  <a:pt x="10576" y="12602"/>
-                </a:lnTo>
-                <a:lnTo>
-                  <a:pt x="10454" y="12456"/>
-                </a:lnTo>
-                <a:lnTo>
-                  <a:pt x="10258" y="12309"/>
-                </a:lnTo>
-                <a:lnTo>
-                  <a:pt x="10063" y="12212"/>
-                </a:lnTo>
-                <a:lnTo>
-                  <a:pt x="9868" y="12138"/>
-                </a:lnTo>
-                <a:lnTo>
-                  <a:pt x="9648" y="12065"/>
-                </a:lnTo>
-                <a:lnTo>
-                  <a:pt x="9428" y="12016"/>
-                </a:lnTo>
-                <a:lnTo>
-                  <a:pt x="9208" y="11919"/>
-                </a:lnTo>
-                <a:lnTo>
-                  <a:pt x="9013" y="11821"/>
-                </a:lnTo>
-                <a:lnTo>
-                  <a:pt x="8818" y="11650"/>
-                </a:lnTo>
-                <a:lnTo>
-                  <a:pt x="8647" y="11454"/>
-                </a:lnTo>
-                <a:lnTo>
-                  <a:pt x="8549" y="11235"/>
-                </a:lnTo>
-                <a:lnTo>
-                  <a:pt x="8476" y="10990"/>
-                </a:lnTo>
-                <a:lnTo>
-                  <a:pt x="8451" y="10697"/>
-                </a:lnTo>
-                <a:lnTo>
-                  <a:pt x="8476" y="10502"/>
-                </a:lnTo>
-                <a:lnTo>
-                  <a:pt x="8500" y="10282"/>
-                </a:lnTo>
-                <a:lnTo>
-                  <a:pt x="8573" y="10087"/>
-                </a:lnTo>
-                <a:lnTo>
-                  <a:pt x="8647" y="9891"/>
-                </a:lnTo>
-                <a:lnTo>
-                  <a:pt x="8744" y="9696"/>
-                </a:lnTo>
-                <a:lnTo>
-                  <a:pt x="8866" y="9501"/>
-                </a:lnTo>
-                <a:lnTo>
-                  <a:pt x="9013" y="9330"/>
-                </a:lnTo>
-                <a:lnTo>
-                  <a:pt x="9159" y="9159"/>
-                </a:lnTo>
-                <a:lnTo>
-                  <a:pt x="9330" y="9012"/>
-                </a:lnTo>
-                <a:lnTo>
-                  <a:pt x="9501" y="8890"/>
-                </a:lnTo>
-                <a:lnTo>
-                  <a:pt x="9672" y="8768"/>
-                </a:lnTo>
-                <a:lnTo>
-                  <a:pt x="9868" y="8646"/>
-                </a:lnTo>
-                <a:lnTo>
-                  <a:pt x="10063" y="8573"/>
-                </a:lnTo>
-                <a:lnTo>
-                  <a:pt x="10283" y="8499"/>
-                </a:lnTo>
-                <a:lnTo>
-                  <a:pt x="10503" y="8475"/>
-                </a:lnTo>
-                <a:lnTo>
-                  <a:pt x="10698" y="8450"/>
-                </a:lnTo>
-                <a:lnTo>
-                  <a:pt x="10967" y="8475"/>
-                </a:lnTo>
-                <a:lnTo>
-                  <a:pt x="11211" y="8548"/>
-                </a:lnTo>
-                <a:lnTo>
-                  <a:pt x="11455" y="8646"/>
-                </a:lnTo>
-                <a:lnTo>
-                  <a:pt x="11651" y="8817"/>
-                </a:lnTo>
-                <a:lnTo>
-                  <a:pt x="11822" y="9012"/>
-                </a:lnTo>
-                <a:lnTo>
-                  <a:pt x="11944" y="9232"/>
-                </a:lnTo>
-                <a:lnTo>
-                  <a:pt x="12017" y="9452"/>
-                </a:lnTo>
-                <a:lnTo>
-                  <a:pt x="12090" y="9672"/>
-                </a:lnTo>
-                <a:lnTo>
-                  <a:pt x="12139" y="9867"/>
-                </a:lnTo>
-                <a:lnTo>
-                  <a:pt x="12212" y="10062"/>
-                </a:lnTo>
-                <a:lnTo>
-                  <a:pt x="12310" y="10258"/>
-                </a:lnTo>
-                <a:lnTo>
-                  <a:pt x="12457" y="10453"/>
-                </a:lnTo>
-                <a:lnTo>
-                  <a:pt x="12603" y="10575"/>
-                </a:lnTo>
-                <a:lnTo>
-                  <a:pt x="12750" y="10673"/>
-                </a:lnTo>
-                <a:lnTo>
-                  <a:pt x="12896" y="10746"/>
-                </a:lnTo>
-                <a:lnTo>
-                  <a:pt x="13043" y="10795"/>
-                </a:lnTo>
-                <a:lnTo>
-                  <a:pt x="13214" y="10819"/>
-                </a:lnTo>
-                <a:lnTo>
-                  <a:pt x="13360" y="10819"/>
-                </a:lnTo>
-                <a:lnTo>
-                  <a:pt x="13507" y="10795"/>
-                </a:lnTo>
-                <a:lnTo>
-                  <a:pt x="13653" y="10746"/>
-                </a:lnTo>
-                <a:lnTo>
-                  <a:pt x="13824" y="10697"/>
-                </a:lnTo>
-                <a:lnTo>
-                  <a:pt x="13971" y="10624"/>
-                </a:lnTo>
-                <a:lnTo>
-                  <a:pt x="14264" y="10429"/>
-                </a:lnTo>
-                <a:lnTo>
-                  <a:pt x="14557" y="10184"/>
-                </a:lnTo>
-                <a:lnTo>
-                  <a:pt x="14826" y="9916"/>
-                </a:lnTo>
-                <a:lnTo>
-                  <a:pt x="15094" y="9623"/>
-                </a:lnTo>
-                <a:lnTo>
-                  <a:pt x="15314" y="9305"/>
-                </a:lnTo>
-                <a:lnTo>
-                  <a:pt x="15534" y="9012"/>
-                </a:lnTo>
-                <a:lnTo>
-                  <a:pt x="15705" y="8744"/>
-                </a:lnTo>
-                <a:lnTo>
-                  <a:pt x="15973" y="8279"/>
-                </a:lnTo>
-                <a:lnTo>
-                  <a:pt x="16047" y="8133"/>
-                </a:lnTo>
-                <a:lnTo>
-                  <a:pt x="16071" y="8035"/>
-                </a:lnTo>
-                <a:lnTo>
-                  <a:pt x="16047" y="7840"/>
-                </a:lnTo>
-                <a:lnTo>
-                  <a:pt x="15998" y="7669"/>
-                </a:lnTo>
-                <a:lnTo>
-                  <a:pt x="15900" y="7474"/>
-                </a:lnTo>
-                <a:lnTo>
-                  <a:pt x="15778" y="7327"/>
-                </a:lnTo>
-                <a:lnTo>
-                  <a:pt x="15485" y="7058"/>
-                </a:lnTo>
-                <a:lnTo>
-                  <a:pt x="15192" y="6814"/>
-                </a:lnTo>
-                <a:lnTo>
-                  <a:pt x="14655" y="6374"/>
-                </a:lnTo>
-                <a:lnTo>
-                  <a:pt x="14166" y="6008"/>
-                </a:lnTo>
-                <a:lnTo>
-                  <a:pt x="13971" y="5837"/>
-                </a:lnTo>
-                <a:lnTo>
-                  <a:pt x="13775" y="5666"/>
-                </a:lnTo>
-                <a:lnTo>
-                  <a:pt x="13653" y="5495"/>
-                </a:lnTo>
-                <a:lnTo>
-                  <a:pt x="13531" y="5324"/>
-                </a:lnTo>
-                <a:lnTo>
-                  <a:pt x="13482" y="5153"/>
-                </a:lnTo>
-                <a:lnTo>
-                  <a:pt x="13482" y="4958"/>
-                </a:lnTo>
-                <a:lnTo>
-                  <a:pt x="13531" y="4763"/>
-                </a:lnTo>
-                <a:lnTo>
-                  <a:pt x="13629" y="4543"/>
-                </a:lnTo>
-                <a:lnTo>
-                  <a:pt x="13800" y="4299"/>
-                </a:lnTo>
-                <a:lnTo>
-                  <a:pt x="14068" y="4030"/>
-                </a:lnTo>
-                <a:lnTo>
-                  <a:pt x="14239" y="3859"/>
-                </a:lnTo>
-                <a:lnTo>
-                  <a:pt x="14435" y="3761"/>
-                </a:lnTo>
-                <a:lnTo>
-                  <a:pt x="14655" y="3688"/>
-                </a:lnTo>
-                <a:lnTo>
-                  <a:pt x="14850" y="3639"/>
-                </a:lnTo>
-                <a:lnTo>
-                  <a:pt x="15070" y="3590"/>
-                </a:lnTo>
-                <a:lnTo>
-                  <a:pt x="15290" y="3493"/>
-                </a:lnTo>
-                <a:lnTo>
-                  <a:pt x="15485" y="3370"/>
-                </a:lnTo>
-                <a:lnTo>
-                  <a:pt x="15705" y="3199"/>
-                </a:lnTo>
-                <a:lnTo>
-                  <a:pt x="15876" y="3004"/>
-                </a:lnTo>
-                <a:lnTo>
-                  <a:pt x="15973" y="2784"/>
-                </a:lnTo>
-                <a:lnTo>
-                  <a:pt x="16047" y="2540"/>
-                </a:lnTo>
-                <a:lnTo>
-                  <a:pt x="16071" y="2271"/>
-                </a:lnTo>
-                <a:lnTo>
-                  <a:pt x="16047" y="2052"/>
-                </a:lnTo>
-                <a:lnTo>
-                  <a:pt x="16022" y="1832"/>
-                </a:lnTo>
-                <a:lnTo>
-                  <a:pt x="15949" y="1636"/>
-                </a:lnTo>
-                <a:lnTo>
-                  <a:pt x="15851" y="1417"/>
-                </a:lnTo>
-                <a:lnTo>
-                  <a:pt x="15754" y="1246"/>
-                </a:lnTo>
-                <a:lnTo>
-                  <a:pt x="15632" y="1050"/>
-                </a:lnTo>
-                <a:lnTo>
-                  <a:pt x="15509" y="879"/>
-                </a:lnTo>
-                <a:lnTo>
-                  <a:pt x="15363" y="708"/>
-                </a:lnTo>
-                <a:lnTo>
-                  <a:pt x="15192" y="562"/>
-                </a:lnTo>
-                <a:lnTo>
-                  <a:pt x="15021" y="440"/>
-                </a:lnTo>
-                <a:lnTo>
-                  <a:pt x="14826" y="318"/>
-                </a:lnTo>
-                <a:lnTo>
-                  <a:pt x="14630" y="195"/>
-                </a:lnTo>
-                <a:lnTo>
-                  <a:pt x="14435" y="122"/>
-                </a:lnTo>
-                <a:lnTo>
-                  <a:pt x="14215" y="49"/>
-                </a:lnTo>
-                <a:lnTo>
-                  <a:pt x="14020" y="24"/>
-                </a:lnTo>
-                <a:lnTo>
-                  <a:pt x="13800" y="0"/>
-                </a:lnTo>
-                <a:lnTo>
-                  <a:pt x="13531" y="24"/>
-                </a:lnTo>
-                <a:lnTo>
-                  <a:pt x="13287" y="98"/>
-                </a:lnTo>
-                <a:lnTo>
-                  <a:pt x="13067" y="195"/>
-                </a:lnTo>
-                <a:lnTo>
-                  <a:pt x="12872" y="366"/>
-                </a:lnTo>
-                <a:lnTo>
-                  <a:pt x="12701" y="562"/>
-                </a:lnTo>
-                <a:lnTo>
-                  <a:pt x="12579" y="782"/>
-                </a:lnTo>
-                <a:lnTo>
-                  <a:pt x="12505" y="977"/>
-                </a:lnTo>
-                <a:lnTo>
-                  <a:pt x="12457" y="1197"/>
-                </a:lnTo>
-                <a:lnTo>
-                  <a:pt x="12383" y="1417"/>
-                </a:lnTo>
-                <a:lnTo>
-                  <a:pt x="12310" y="1612"/>
-                </a:lnTo>
-                <a:lnTo>
-                  <a:pt x="12212" y="1832"/>
-                </a:lnTo>
-                <a:lnTo>
-                  <a:pt x="12041" y="2003"/>
-                </a:lnTo>
-                <a:lnTo>
-                  <a:pt x="11773" y="2271"/>
-                </a:lnTo>
-                <a:lnTo>
-                  <a:pt x="11528" y="2442"/>
-                </a:lnTo>
-                <a:lnTo>
-                  <a:pt x="11309" y="2540"/>
-                </a:lnTo>
-                <a:lnTo>
-                  <a:pt x="11113" y="2589"/>
-                </a:lnTo>
-                <a:lnTo>
-                  <a:pt x="10918" y="2589"/>
-                </a:lnTo>
-                <a:lnTo>
-                  <a:pt x="10747" y="2540"/>
-                </a:lnTo>
-                <a:lnTo>
-                  <a:pt x="10576" y="2418"/>
-                </a:lnTo>
-                <a:lnTo>
-                  <a:pt x="10405" y="2296"/>
-                </a:lnTo>
-                <a:lnTo>
-                  <a:pt x="10234" y="2100"/>
-                </a:lnTo>
-                <a:lnTo>
-                  <a:pt x="10063" y="1905"/>
-                </a:lnTo>
-                <a:lnTo>
-                  <a:pt x="9697" y="1417"/>
-                </a:lnTo>
-                <a:lnTo>
-                  <a:pt x="9257" y="879"/>
-                </a:lnTo>
-                <a:lnTo>
-                  <a:pt x="9013" y="586"/>
-                </a:lnTo>
-                <a:lnTo>
-                  <a:pt x="8744" y="293"/>
-                </a:lnTo>
-                <a:lnTo>
-                  <a:pt x="8598" y="171"/>
-                </a:lnTo>
-                <a:lnTo>
-                  <a:pt x="8402" y="73"/>
-                </a:lnTo>
-                <a:lnTo>
-                  <a:pt x="8231" y="24"/>
-                </a:lnTo>
-                <a:lnTo>
-                  <a:pt x="8036" y="0"/>
-                </a:lnTo>
-                <a:close/>
-              </a:path>
-            </a:pathLst>
-          </a:custGeom>
-          <a:solidFill>
-            <a:schemeClr val="accent1"/>
-          </a:solidFill>
-          <a:ln>
-            <a:noFill/>
-          </a:ln>
-        </p:spPr>
-        <p:txBody>
-          <a:bodyPr spcFirstLastPara="1" wrap="square" lIns="91425" tIns="91425" rIns="91425" bIns="91425" anchor="ctr" anchorCtr="0">
-            <a:noAutofit/>
-          </a:bodyPr>
-          <a:lstStyle/>
-          <a:p>
-            <a:pPr marL="0" lvl="0" indent="0" algn="l" rtl="0">
-              <a:spcBef>
-                <a:spcPts val="0"/>
-              </a:spcBef>
-              <a:spcAft>
-                <a:spcPts val="0"/>
-              </a:spcAft>
-              <a:buNone/>
-            </a:pPr>
-            <a:endParaRPr/>
-          </a:p>
-        </p:txBody>
-      </p:sp>
       <p:pic>
         <p:nvPicPr>
           <p:cNvPr id="5" name="Imagem 4">
@@ -19226,6 +15721,46 @@
           </a:prstGeom>
         </p:spPr>
       </p:pic>
+      <p:sp>
+        <p:nvSpPr>
+          <p:cNvPr id="10" name="CaixaDeTexto 9">
+            <a:extLst>
+              <a:ext uri="{FF2B5EF4-FFF2-40B4-BE49-F238E27FC236}">
+                <a16:creationId xmlns:a16="http://schemas.microsoft.com/office/drawing/2014/main" id="{B6A16C69-150F-4D9B-A1BB-8FD87C1675A8}"/>
+              </a:ext>
+            </a:extLst>
+          </p:cNvPr>
+          <p:cNvSpPr txBox="1"/>
+          <p:nvPr/>
+        </p:nvSpPr>
+        <p:spPr>
+          <a:xfrm>
+            <a:off x="8725685" y="4370294"/>
+            <a:ext cx="443753" cy="369332"/>
+          </a:xfrm>
+          <a:prstGeom prst="rect">
+            <a:avLst/>
+          </a:prstGeom>
+          <a:noFill/>
+        </p:spPr>
+        <p:txBody>
+          <a:bodyPr wrap="square" rtlCol="0">
+            <a:spAutoFit/>
+          </a:bodyPr>
+          <a:lstStyle/>
+          <a:p>
+            <a:pPr algn="ctr"/>
+            <a:r>
+              <a:rPr lang="pt-BR" sz="1800" dirty="0">
+                <a:solidFill>
+                  <a:schemeClr val="bg1"/>
+                </a:solidFill>
+              </a:rPr>
+              <a:t>23</a:t>
+            </a:r>
+          </a:p>
+        </p:txBody>
+      </p:sp>
     </p:spTree>
     <p:extLst>
       <p:ext uri="{BB962C8B-B14F-4D97-AF65-F5344CB8AC3E}">
@@ -19742,6 +16277,46 @@
           </a:effectLst>
         </p:spPr>
       </p:pic>
+      <p:sp>
+        <p:nvSpPr>
+          <p:cNvPr id="7" name="CaixaDeTexto 6">
+            <a:extLst>
+              <a:ext uri="{FF2B5EF4-FFF2-40B4-BE49-F238E27FC236}">
+                <a16:creationId xmlns:a16="http://schemas.microsoft.com/office/drawing/2014/main" id="{2AA88024-2387-4AE1-B1B9-20069C23FF6F}"/>
+              </a:ext>
+            </a:extLst>
+          </p:cNvPr>
+          <p:cNvSpPr txBox="1"/>
+          <p:nvPr/>
+        </p:nvSpPr>
+        <p:spPr>
+          <a:xfrm>
+            <a:off x="8725685" y="4370294"/>
+            <a:ext cx="443753" cy="369332"/>
+          </a:xfrm>
+          <a:prstGeom prst="rect">
+            <a:avLst/>
+          </a:prstGeom>
+          <a:noFill/>
+        </p:spPr>
+        <p:txBody>
+          <a:bodyPr wrap="square" rtlCol="0">
+            <a:spAutoFit/>
+          </a:bodyPr>
+          <a:lstStyle/>
+          <a:p>
+            <a:pPr algn="ctr"/>
+            <a:r>
+              <a:rPr lang="pt-BR" sz="1800" dirty="0">
+                <a:solidFill>
+                  <a:schemeClr val="bg1"/>
+                </a:solidFill>
+              </a:rPr>
+              <a:t>25</a:t>
+            </a:r>
+          </a:p>
+        </p:txBody>
+      </p:sp>
     </p:spTree>
     <p:extLst>
       <p:ext uri="{BB962C8B-B14F-4D97-AF65-F5344CB8AC3E}">
@@ -20228,790 +16803,46 @@
           </a:p>
         </p:txBody>
       </p:sp>
-      <p:grpSp>
-        <p:nvGrpSpPr>
-          <p:cNvPr id="6" name="Google Shape;131;p19"/>
-          <p:cNvGrpSpPr/>
+      <p:sp>
+        <p:nvSpPr>
+          <p:cNvPr id="13" name="CaixaDeTexto 12">
+            <a:extLst>
+              <a:ext uri="{FF2B5EF4-FFF2-40B4-BE49-F238E27FC236}">
+                <a16:creationId xmlns:a16="http://schemas.microsoft.com/office/drawing/2014/main" id="{65894581-0DC1-45E3-BD30-4A08C008B456}"/>
+              </a:ext>
+            </a:extLst>
+          </p:cNvPr>
+          <p:cNvSpPr txBox="1"/>
           <p:nvPr/>
-        </p:nvGrpSpPr>
-        <p:grpSpPr>
+        </p:nvSpPr>
+        <p:spPr>
           <a:xfrm>
-            <a:off x="8180944" y="637329"/>
-            <a:ext cx="336534" cy="318981"/>
-            <a:chOff x="5300400" y="3670175"/>
-            <a:chExt cx="421300" cy="399325"/>
+            <a:off x="8725685" y="4370294"/>
+            <a:ext cx="443753" cy="369332"/>
           </a:xfrm>
-        </p:grpSpPr>
-        <p:sp>
-          <p:nvSpPr>
-            <p:cNvPr id="7" name="Google Shape;132;p19"/>
-            <p:cNvSpPr/>
-            <p:nvPr/>
-          </p:nvSpPr>
-          <p:spPr>
-            <a:xfrm>
-              <a:off x="5300400" y="3708025"/>
-              <a:ext cx="421300" cy="267450"/>
-            </a:xfrm>
-            <a:custGeom>
-              <a:avLst/>
-              <a:gdLst/>
-              <a:ahLst/>
-              <a:cxnLst/>
-              <a:rect l="l" t="t" r="r" b="b"/>
-              <a:pathLst>
-                <a:path w="16852" h="10698" extrusionOk="0">
-                  <a:moveTo>
-                    <a:pt x="16364" y="489"/>
-                  </a:moveTo>
-                  <a:lnTo>
-                    <a:pt x="16364" y="10209"/>
-                  </a:lnTo>
-                  <a:lnTo>
-                    <a:pt x="489" y="10209"/>
-                  </a:lnTo>
-                  <a:lnTo>
-                    <a:pt x="489" y="489"/>
-                  </a:lnTo>
-                  <a:close/>
-                  <a:moveTo>
-                    <a:pt x="391" y="0"/>
-                  </a:moveTo>
-                  <a:lnTo>
-                    <a:pt x="293" y="25"/>
-                  </a:lnTo>
-                  <a:lnTo>
-                    <a:pt x="196" y="74"/>
-                  </a:lnTo>
-                  <a:lnTo>
-                    <a:pt x="122" y="147"/>
-                  </a:lnTo>
-                  <a:lnTo>
-                    <a:pt x="73" y="220"/>
-                  </a:lnTo>
-                  <a:lnTo>
-                    <a:pt x="25" y="293"/>
-                  </a:lnTo>
-                  <a:lnTo>
-                    <a:pt x="0" y="391"/>
-                  </a:lnTo>
-                  <a:lnTo>
-                    <a:pt x="0" y="489"/>
-                  </a:lnTo>
-                  <a:lnTo>
-                    <a:pt x="0" y="10209"/>
-                  </a:lnTo>
-                  <a:lnTo>
-                    <a:pt x="0" y="10307"/>
-                  </a:lnTo>
-                  <a:lnTo>
-                    <a:pt x="25" y="10405"/>
-                  </a:lnTo>
-                  <a:lnTo>
-                    <a:pt x="73" y="10478"/>
-                  </a:lnTo>
-                  <a:lnTo>
-                    <a:pt x="122" y="10551"/>
-                  </a:lnTo>
-                  <a:lnTo>
-                    <a:pt x="196" y="10600"/>
-                  </a:lnTo>
-                  <a:lnTo>
-                    <a:pt x="293" y="10649"/>
-                  </a:lnTo>
-                  <a:lnTo>
-                    <a:pt x="391" y="10673"/>
-                  </a:lnTo>
-                  <a:lnTo>
-                    <a:pt x="489" y="10698"/>
-                  </a:lnTo>
-                  <a:lnTo>
-                    <a:pt x="16364" y="10698"/>
-                  </a:lnTo>
-                  <a:lnTo>
-                    <a:pt x="16461" y="10673"/>
-                  </a:lnTo>
-                  <a:lnTo>
-                    <a:pt x="16559" y="10649"/>
-                  </a:lnTo>
-                  <a:lnTo>
-                    <a:pt x="16657" y="10600"/>
-                  </a:lnTo>
-                  <a:lnTo>
-                    <a:pt x="16730" y="10551"/>
-                  </a:lnTo>
-                  <a:lnTo>
-                    <a:pt x="16779" y="10478"/>
-                  </a:lnTo>
-                  <a:lnTo>
-                    <a:pt x="16828" y="10405"/>
-                  </a:lnTo>
-                  <a:lnTo>
-                    <a:pt x="16852" y="10307"/>
-                  </a:lnTo>
-                  <a:lnTo>
-                    <a:pt x="16852" y="10209"/>
-                  </a:lnTo>
-                  <a:lnTo>
-                    <a:pt x="16852" y="489"/>
-                  </a:lnTo>
-                  <a:lnTo>
-                    <a:pt x="16852" y="391"/>
-                  </a:lnTo>
-                  <a:lnTo>
-                    <a:pt x="16828" y="293"/>
-                  </a:lnTo>
-                  <a:lnTo>
-                    <a:pt x="16779" y="220"/>
-                  </a:lnTo>
-                  <a:lnTo>
-                    <a:pt x="16730" y="147"/>
-                  </a:lnTo>
-                  <a:lnTo>
-                    <a:pt x="16657" y="74"/>
-                  </a:lnTo>
-                  <a:lnTo>
-                    <a:pt x="16559" y="25"/>
-                  </a:lnTo>
-                  <a:lnTo>
-                    <a:pt x="16461" y="0"/>
-                  </a:lnTo>
-                  <a:close/>
-                </a:path>
-              </a:pathLst>
-            </a:custGeom>
-            <a:solidFill>
-              <a:schemeClr val="accent1"/>
-            </a:solidFill>
-            <a:ln>
-              <a:noFill/>
-            </a:ln>
-          </p:spPr>
-          <p:txBody>
-            <a:bodyPr spcFirstLastPara="1" wrap="square" lIns="91425" tIns="91425" rIns="91425" bIns="91425" anchor="ctr" anchorCtr="0">
-              <a:noAutofit/>
-            </a:bodyPr>
-            <a:lstStyle/>
-            <a:p>
-              <a:pPr marL="0" lvl="0" indent="0" algn="l" rtl="0">
-                <a:spcBef>
-                  <a:spcPts val="0"/>
-                </a:spcBef>
-                <a:spcAft>
-                  <a:spcPts val="0"/>
-                </a:spcAft>
-                <a:buNone/>
-              </a:pPr>
-              <a:endParaRPr/>
-            </a:p>
-          </p:txBody>
-        </p:sp>
-        <p:sp>
-          <p:nvSpPr>
-            <p:cNvPr id="8" name="Google Shape;133;p19"/>
-            <p:cNvSpPr/>
-            <p:nvPr/>
-          </p:nvSpPr>
-          <p:spPr>
-            <a:xfrm>
-              <a:off x="5498825" y="3670175"/>
-              <a:ext cx="24450" cy="25650"/>
-            </a:xfrm>
-            <a:custGeom>
-              <a:avLst/>
-              <a:gdLst/>
-              <a:ahLst/>
-              <a:cxnLst/>
-              <a:rect l="l" t="t" r="r" b="b"/>
-              <a:pathLst>
-                <a:path w="978" h="1026" extrusionOk="0">
-                  <a:moveTo>
-                    <a:pt x="489" y="0"/>
-                  </a:moveTo>
-                  <a:lnTo>
-                    <a:pt x="391" y="25"/>
-                  </a:lnTo>
-                  <a:lnTo>
-                    <a:pt x="294" y="49"/>
-                  </a:lnTo>
-                  <a:lnTo>
-                    <a:pt x="220" y="98"/>
-                  </a:lnTo>
-                  <a:lnTo>
-                    <a:pt x="147" y="147"/>
-                  </a:lnTo>
-                  <a:lnTo>
-                    <a:pt x="74" y="220"/>
-                  </a:lnTo>
-                  <a:lnTo>
-                    <a:pt x="49" y="318"/>
-                  </a:lnTo>
-                  <a:lnTo>
-                    <a:pt x="1" y="391"/>
-                  </a:lnTo>
-                  <a:lnTo>
-                    <a:pt x="1" y="489"/>
-                  </a:lnTo>
-                  <a:lnTo>
-                    <a:pt x="1" y="1026"/>
-                  </a:lnTo>
-                  <a:lnTo>
-                    <a:pt x="978" y="1026"/>
-                  </a:lnTo>
-                  <a:lnTo>
-                    <a:pt x="978" y="489"/>
-                  </a:lnTo>
-                  <a:lnTo>
-                    <a:pt x="978" y="391"/>
-                  </a:lnTo>
-                  <a:lnTo>
-                    <a:pt x="929" y="318"/>
-                  </a:lnTo>
-                  <a:lnTo>
-                    <a:pt x="904" y="220"/>
-                  </a:lnTo>
-                  <a:lnTo>
-                    <a:pt x="831" y="147"/>
-                  </a:lnTo>
-                  <a:lnTo>
-                    <a:pt x="758" y="98"/>
-                  </a:lnTo>
-                  <a:lnTo>
-                    <a:pt x="684" y="49"/>
-                  </a:lnTo>
-                  <a:lnTo>
-                    <a:pt x="587" y="25"/>
-                  </a:lnTo>
-                  <a:lnTo>
-                    <a:pt x="489" y="0"/>
-                  </a:lnTo>
-                  <a:close/>
-                </a:path>
-              </a:pathLst>
-            </a:custGeom>
-            <a:solidFill>
-              <a:schemeClr val="accent1"/>
-            </a:solidFill>
-            <a:ln>
-              <a:noFill/>
-            </a:ln>
-          </p:spPr>
-          <p:txBody>
-            <a:bodyPr spcFirstLastPara="1" wrap="square" lIns="91425" tIns="91425" rIns="91425" bIns="91425" anchor="ctr" anchorCtr="0">
-              <a:noAutofit/>
-            </a:bodyPr>
-            <a:lstStyle/>
-            <a:p>
-              <a:pPr marL="0" lvl="0" indent="0" algn="l" rtl="0">
-                <a:spcBef>
-                  <a:spcPts val="0"/>
-                </a:spcBef>
-                <a:spcAft>
-                  <a:spcPts val="0"/>
-                </a:spcAft>
-                <a:buNone/>
-              </a:pPr>
-              <a:endParaRPr/>
-            </a:p>
-          </p:txBody>
-        </p:sp>
-        <p:sp>
-          <p:nvSpPr>
-            <p:cNvPr id="9" name="Google Shape;134;p19"/>
-            <p:cNvSpPr/>
-            <p:nvPr/>
-          </p:nvSpPr>
-          <p:spPr>
-            <a:xfrm>
-              <a:off x="5366325" y="3987675"/>
-              <a:ext cx="61100" cy="81825"/>
-            </a:xfrm>
-            <a:custGeom>
-              <a:avLst/>
-              <a:gdLst/>
-              <a:ahLst/>
-              <a:cxnLst/>
-              <a:rect l="l" t="t" r="r" b="b"/>
-              <a:pathLst>
-                <a:path w="2444" h="3273" extrusionOk="0">
-                  <a:moveTo>
-                    <a:pt x="1344" y="0"/>
-                  </a:moveTo>
-                  <a:lnTo>
-                    <a:pt x="50" y="2565"/>
-                  </a:lnTo>
-                  <a:lnTo>
-                    <a:pt x="25" y="2638"/>
-                  </a:lnTo>
-                  <a:lnTo>
-                    <a:pt x="1" y="2736"/>
-                  </a:lnTo>
-                  <a:lnTo>
-                    <a:pt x="1" y="2833"/>
-                  </a:lnTo>
-                  <a:lnTo>
-                    <a:pt x="25" y="2931"/>
-                  </a:lnTo>
-                  <a:lnTo>
-                    <a:pt x="74" y="3004"/>
-                  </a:lnTo>
-                  <a:lnTo>
-                    <a:pt x="123" y="3102"/>
-                  </a:lnTo>
-                  <a:lnTo>
-                    <a:pt x="196" y="3151"/>
-                  </a:lnTo>
-                  <a:lnTo>
-                    <a:pt x="269" y="3224"/>
-                  </a:lnTo>
-                  <a:lnTo>
-                    <a:pt x="392" y="3248"/>
-                  </a:lnTo>
-                  <a:lnTo>
-                    <a:pt x="489" y="3273"/>
-                  </a:lnTo>
-                  <a:lnTo>
-                    <a:pt x="636" y="3248"/>
-                  </a:lnTo>
-                  <a:lnTo>
-                    <a:pt x="758" y="3200"/>
-                  </a:lnTo>
-                  <a:lnTo>
-                    <a:pt x="856" y="3102"/>
-                  </a:lnTo>
-                  <a:lnTo>
-                    <a:pt x="929" y="3004"/>
-                  </a:lnTo>
-                  <a:lnTo>
-                    <a:pt x="2443" y="0"/>
-                  </a:lnTo>
-                  <a:close/>
-                </a:path>
-              </a:pathLst>
-            </a:custGeom>
-            <a:solidFill>
-              <a:schemeClr val="accent1"/>
-            </a:solidFill>
-            <a:ln>
-              <a:noFill/>
-            </a:ln>
-          </p:spPr>
-          <p:txBody>
-            <a:bodyPr spcFirstLastPara="1" wrap="square" lIns="91425" tIns="91425" rIns="91425" bIns="91425" anchor="ctr" anchorCtr="0">
-              <a:noAutofit/>
-            </a:bodyPr>
-            <a:lstStyle/>
-            <a:p>
-              <a:pPr marL="0" lvl="0" indent="0" algn="l" rtl="0">
-                <a:spcBef>
-                  <a:spcPts val="0"/>
-                </a:spcBef>
-                <a:spcAft>
-                  <a:spcPts val="0"/>
-                </a:spcAft>
-                <a:buNone/>
-              </a:pPr>
-              <a:endParaRPr/>
-            </a:p>
-          </p:txBody>
-        </p:sp>
-        <p:sp>
-          <p:nvSpPr>
-            <p:cNvPr id="10" name="Google Shape;135;p19"/>
-            <p:cNvSpPr/>
-            <p:nvPr/>
-          </p:nvSpPr>
-          <p:spPr>
-            <a:xfrm>
-              <a:off x="5594700" y="3987675"/>
-              <a:ext cx="61075" cy="81825"/>
-            </a:xfrm>
-            <a:custGeom>
-              <a:avLst/>
-              <a:gdLst/>
-              <a:ahLst/>
-              <a:cxnLst/>
-              <a:rect l="l" t="t" r="r" b="b"/>
-              <a:pathLst>
-                <a:path w="2443" h="3273" extrusionOk="0">
-                  <a:moveTo>
-                    <a:pt x="0" y="0"/>
-                  </a:moveTo>
-                  <a:lnTo>
-                    <a:pt x="1514" y="3004"/>
-                  </a:lnTo>
-                  <a:lnTo>
-                    <a:pt x="1588" y="3102"/>
-                  </a:lnTo>
-                  <a:lnTo>
-                    <a:pt x="1685" y="3200"/>
-                  </a:lnTo>
-                  <a:lnTo>
-                    <a:pt x="1807" y="3248"/>
-                  </a:lnTo>
-                  <a:lnTo>
-                    <a:pt x="1954" y="3273"/>
-                  </a:lnTo>
-                  <a:lnTo>
-                    <a:pt x="2052" y="3248"/>
-                  </a:lnTo>
-                  <a:lnTo>
-                    <a:pt x="2174" y="3224"/>
-                  </a:lnTo>
-                  <a:lnTo>
-                    <a:pt x="2247" y="3151"/>
-                  </a:lnTo>
-                  <a:lnTo>
-                    <a:pt x="2320" y="3102"/>
-                  </a:lnTo>
-                  <a:lnTo>
-                    <a:pt x="2369" y="3004"/>
-                  </a:lnTo>
-                  <a:lnTo>
-                    <a:pt x="2418" y="2931"/>
-                  </a:lnTo>
-                  <a:lnTo>
-                    <a:pt x="2442" y="2833"/>
-                  </a:lnTo>
-                  <a:lnTo>
-                    <a:pt x="2442" y="2736"/>
-                  </a:lnTo>
-                  <a:lnTo>
-                    <a:pt x="2418" y="2638"/>
-                  </a:lnTo>
-                  <a:lnTo>
-                    <a:pt x="2393" y="2565"/>
-                  </a:lnTo>
-                  <a:lnTo>
-                    <a:pt x="1099" y="0"/>
-                  </a:lnTo>
-                  <a:close/>
-                </a:path>
-              </a:pathLst>
-            </a:custGeom>
-            <a:solidFill>
-              <a:schemeClr val="accent1"/>
-            </a:solidFill>
-            <a:ln>
-              <a:noFill/>
-            </a:ln>
-          </p:spPr>
-          <p:txBody>
-            <a:bodyPr spcFirstLastPara="1" wrap="square" lIns="91425" tIns="91425" rIns="91425" bIns="91425" anchor="ctr" anchorCtr="0">
-              <a:noAutofit/>
-            </a:bodyPr>
-            <a:lstStyle/>
-            <a:p>
-              <a:pPr marL="0" lvl="0" indent="0" algn="l" rtl="0">
-                <a:spcBef>
-                  <a:spcPts val="0"/>
-                </a:spcBef>
-                <a:spcAft>
-                  <a:spcPts val="0"/>
-                </a:spcAft>
-                <a:buNone/>
-              </a:pPr>
-              <a:endParaRPr/>
-            </a:p>
-          </p:txBody>
-        </p:sp>
-        <p:sp>
-          <p:nvSpPr>
-            <p:cNvPr id="11" name="Google Shape;136;p19"/>
-            <p:cNvSpPr/>
-            <p:nvPr/>
-          </p:nvSpPr>
-          <p:spPr>
-            <a:xfrm>
-              <a:off x="5324825" y="3732450"/>
-              <a:ext cx="372475" cy="218600"/>
-            </a:xfrm>
-            <a:custGeom>
-              <a:avLst/>
-              <a:gdLst/>
-              <a:ahLst/>
-              <a:cxnLst/>
-              <a:rect l="l" t="t" r="r" b="b"/>
-              <a:pathLst>
-                <a:path w="14899" h="8744" extrusionOk="0">
-                  <a:moveTo>
-                    <a:pt x="12578" y="1319"/>
-                  </a:moveTo>
-                  <a:lnTo>
-                    <a:pt x="12676" y="1344"/>
-                  </a:lnTo>
-                  <a:lnTo>
-                    <a:pt x="12749" y="1392"/>
-                  </a:lnTo>
-                  <a:lnTo>
-                    <a:pt x="12822" y="1441"/>
-                  </a:lnTo>
-                  <a:lnTo>
-                    <a:pt x="12895" y="1515"/>
-                  </a:lnTo>
-                  <a:lnTo>
-                    <a:pt x="12920" y="1612"/>
-                  </a:lnTo>
-                  <a:lnTo>
-                    <a:pt x="12969" y="1710"/>
-                  </a:lnTo>
-                  <a:lnTo>
-                    <a:pt x="12969" y="1808"/>
-                  </a:lnTo>
-                  <a:lnTo>
-                    <a:pt x="12969" y="4079"/>
-                  </a:lnTo>
-                  <a:lnTo>
-                    <a:pt x="12969" y="4177"/>
-                  </a:lnTo>
-                  <a:lnTo>
-                    <a:pt x="12920" y="4274"/>
-                  </a:lnTo>
-                  <a:lnTo>
-                    <a:pt x="12895" y="4348"/>
-                  </a:lnTo>
-                  <a:lnTo>
-                    <a:pt x="12822" y="4421"/>
-                  </a:lnTo>
-                  <a:lnTo>
-                    <a:pt x="12749" y="4470"/>
-                  </a:lnTo>
-                  <a:lnTo>
-                    <a:pt x="12676" y="4519"/>
-                  </a:lnTo>
-                  <a:lnTo>
-                    <a:pt x="12578" y="4543"/>
-                  </a:lnTo>
-                  <a:lnTo>
-                    <a:pt x="12480" y="4567"/>
-                  </a:lnTo>
-                  <a:lnTo>
-                    <a:pt x="12383" y="4543"/>
-                  </a:lnTo>
-                  <a:lnTo>
-                    <a:pt x="12285" y="4519"/>
-                  </a:lnTo>
-                  <a:lnTo>
-                    <a:pt x="12212" y="4470"/>
-                  </a:lnTo>
-                  <a:lnTo>
-                    <a:pt x="12138" y="4421"/>
-                  </a:lnTo>
-                  <a:lnTo>
-                    <a:pt x="12065" y="4348"/>
-                  </a:lnTo>
-                  <a:lnTo>
-                    <a:pt x="12041" y="4274"/>
-                  </a:lnTo>
-                  <a:lnTo>
-                    <a:pt x="11992" y="4177"/>
-                  </a:lnTo>
-                  <a:lnTo>
-                    <a:pt x="11992" y="4079"/>
-                  </a:lnTo>
-                  <a:lnTo>
-                    <a:pt x="11992" y="3004"/>
-                  </a:lnTo>
-                  <a:lnTo>
-                    <a:pt x="7986" y="7010"/>
-                  </a:lnTo>
-                  <a:lnTo>
-                    <a:pt x="7913" y="7059"/>
-                  </a:lnTo>
-                  <a:lnTo>
-                    <a:pt x="7815" y="7107"/>
-                  </a:lnTo>
-                  <a:lnTo>
-                    <a:pt x="7742" y="7132"/>
-                  </a:lnTo>
-                  <a:lnTo>
-                    <a:pt x="7644" y="7156"/>
-                  </a:lnTo>
-                  <a:lnTo>
-                    <a:pt x="7547" y="7132"/>
-                  </a:lnTo>
-                  <a:lnTo>
-                    <a:pt x="7449" y="7107"/>
-                  </a:lnTo>
-                  <a:lnTo>
-                    <a:pt x="7376" y="7059"/>
-                  </a:lnTo>
-                  <a:lnTo>
-                    <a:pt x="7303" y="7010"/>
-                  </a:lnTo>
-                  <a:lnTo>
-                    <a:pt x="5349" y="5056"/>
-                  </a:lnTo>
-                  <a:lnTo>
-                    <a:pt x="2760" y="7620"/>
-                  </a:lnTo>
-                  <a:lnTo>
-                    <a:pt x="2687" y="7694"/>
-                  </a:lnTo>
-                  <a:lnTo>
-                    <a:pt x="2613" y="7742"/>
-                  </a:lnTo>
-                  <a:lnTo>
-                    <a:pt x="2516" y="7767"/>
-                  </a:lnTo>
-                  <a:lnTo>
-                    <a:pt x="2320" y="7767"/>
-                  </a:lnTo>
-                  <a:lnTo>
-                    <a:pt x="2247" y="7742"/>
-                  </a:lnTo>
-                  <a:lnTo>
-                    <a:pt x="2149" y="7694"/>
-                  </a:lnTo>
-                  <a:lnTo>
-                    <a:pt x="2076" y="7620"/>
-                  </a:lnTo>
-                  <a:lnTo>
-                    <a:pt x="2003" y="7547"/>
-                  </a:lnTo>
-                  <a:lnTo>
-                    <a:pt x="1978" y="7474"/>
-                  </a:lnTo>
-                  <a:lnTo>
-                    <a:pt x="1929" y="7376"/>
-                  </a:lnTo>
-                  <a:lnTo>
-                    <a:pt x="1929" y="7278"/>
-                  </a:lnTo>
-                  <a:lnTo>
-                    <a:pt x="1929" y="7205"/>
-                  </a:lnTo>
-                  <a:lnTo>
-                    <a:pt x="1978" y="7107"/>
-                  </a:lnTo>
-                  <a:lnTo>
-                    <a:pt x="2003" y="7010"/>
-                  </a:lnTo>
-                  <a:lnTo>
-                    <a:pt x="2076" y="6936"/>
-                  </a:lnTo>
-                  <a:lnTo>
-                    <a:pt x="5007" y="4006"/>
-                  </a:lnTo>
-                  <a:lnTo>
-                    <a:pt x="5080" y="3957"/>
-                  </a:lnTo>
-                  <a:lnTo>
-                    <a:pt x="5153" y="3908"/>
-                  </a:lnTo>
-                  <a:lnTo>
-                    <a:pt x="5251" y="3884"/>
-                  </a:lnTo>
-                  <a:lnTo>
-                    <a:pt x="5446" y="3884"/>
-                  </a:lnTo>
-                  <a:lnTo>
-                    <a:pt x="5520" y="3908"/>
-                  </a:lnTo>
-                  <a:lnTo>
-                    <a:pt x="5617" y="3957"/>
-                  </a:lnTo>
-                  <a:lnTo>
-                    <a:pt x="5691" y="4006"/>
-                  </a:lnTo>
-                  <a:lnTo>
-                    <a:pt x="7644" y="5960"/>
-                  </a:lnTo>
-                  <a:lnTo>
-                    <a:pt x="11332" y="2296"/>
-                  </a:lnTo>
-                  <a:lnTo>
-                    <a:pt x="10209" y="2296"/>
-                  </a:lnTo>
-                  <a:lnTo>
-                    <a:pt x="10111" y="2272"/>
-                  </a:lnTo>
-                  <a:lnTo>
-                    <a:pt x="10013" y="2247"/>
-                  </a:lnTo>
-                  <a:lnTo>
-                    <a:pt x="9916" y="2198"/>
-                  </a:lnTo>
-                  <a:lnTo>
-                    <a:pt x="9843" y="2150"/>
-                  </a:lnTo>
-                  <a:lnTo>
-                    <a:pt x="9794" y="2076"/>
-                  </a:lnTo>
-                  <a:lnTo>
-                    <a:pt x="9745" y="1979"/>
-                  </a:lnTo>
-                  <a:lnTo>
-                    <a:pt x="9720" y="1905"/>
-                  </a:lnTo>
-                  <a:lnTo>
-                    <a:pt x="9720" y="1808"/>
-                  </a:lnTo>
-                  <a:lnTo>
-                    <a:pt x="9720" y="1710"/>
-                  </a:lnTo>
-                  <a:lnTo>
-                    <a:pt x="9745" y="1612"/>
-                  </a:lnTo>
-                  <a:lnTo>
-                    <a:pt x="9794" y="1515"/>
-                  </a:lnTo>
-                  <a:lnTo>
-                    <a:pt x="9843" y="1441"/>
-                  </a:lnTo>
-                  <a:lnTo>
-                    <a:pt x="9916" y="1392"/>
-                  </a:lnTo>
-                  <a:lnTo>
-                    <a:pt x="10013" y="1344"/>
-                  </a:lnTo>
-                  <a:lnTo>
-                    <a:pt x="10111" y="1319"/>
-                  </a:lnTo>
-                  <a:close/>
-                  <a:moveTo>
-                    <a:pt x="0" y="0"/>
-                  </a:moveTo>
-                  <a:lnTo>
-                    <a:pt x="0" y="8744"/>
-                  </a:lnTo>
-                  <a:lnTo>
-                    <a:pt x="14898" y="8744"/>
-                  </a:lnTo>
-                  <a:lnTo>
-                    <a:pt x="14898" y="0"/>
-                  </a:lnTo>
-                  <a:close/>
-                </a:path>
-              </a:pathLst>
-            </a:custGeom>
-            <a:solidFill>
-              <a:schemeClr val="accent1"/>
-            </a:solidFill>
-            <a:ln>
-              <a:noFill/>
-            </a:ln>
-          </p:spPr>
-          <p:txBody>
-            <a:bodyPr spcFirstLastPara="1" wrap="square" lIns="91425" tIns="91425" rIns="91425" bIns="91425" anchor="ctr" anchorCtr="0">
-              <a:noAutofit/>
-            </a:bodyPr>
-            <a:lstStyle/>
-            <a:p>
-              <a:pPr marL="0" lvl="0" indent="0" algn="l" rtl="0">
-                <a:spcBef>
-                  <a:spcPts val="0"/>
-                </a:spcBef>
-                <a:spcAft>
-                  <a:spcPts val="0"/>
-                </a:spcAft>
-                <a:buNone/>
-              </a:pPr>
-              <a:endParaRPr/>
-            </a:p>
-          </p:txBody>
-        </p:sp>
-      </p:grpSp>
+          <a:prstGeom prst="rect">
+            <a:avLst/>
+          </a:prstGeom>
+          <a:noFill/>
+        </p:spPr>
+        <p:txBody>
+          <a:bodyPr wrap="square" rtlCol="0">
+            <a:spAutoFit/>
+          </a:bodyPr>
+          <a:lstStyle/>
+          <a:p>
+            <a:pPr algn="ctr"/>
+            <a:r>
+              <a:rPr lang="pt-BR" sz="1800" dirty="0">
+                <a:solidFill>
+                  <a:schemeClr val="bg1"/>
+                </a:solidFill>
+              </a:rPr>
+              <a:t>27</a:t>
+            </a:r>
+          </a:p>
+        </p:txBody>
+      </p:sp>
     </p:spTree>
   </p:cSld>
   <p:clrMapOvr>
@@ -21200,8 +17031,8 @@
         </p:nvGrpSpPr>
         <p:grpSpPr>
           <a:xfrm>
-            <a:off x="0" y="831273"/>
-            <a:ext cx="4483099" cy="3678382"/>
+            <a:off x="154642" y="1326128"/>
+            <a:ext cx="4255994" cy="3413498"/>
             <a:chOff x="2583325" y="2972875"/>
             <a:chExt cx="462850" cy="445750"/>
           </a:xfrm>
@@ -21520,8 +17351,8 @@
         </p:blipFill>
         <p:spPr>
           <a:xfrm>
-            <a:off x="135949" y="924791"/>
-            <a:ext cx="4238624" cy="2576945"/>
+            <a:off x="474222" y="1527613"/>
+            <a:ext cx="3588549" cy="2143582"/>
           </a:xfrm>
           <a:prstGeom prst="rect">
             <a:avLst/>
@@ -21542,1431 +17373,46 @@
           </a:fontRef>
         </p:style>
       </p:pic>
-      <p:grpSp>
-        <p:nvGrpSpPr>
-          <p:cNvPr id="9" name="Google Shape;203;p25"/>
-          <p:cNvGrpSpPr/>
+      <p:sp>
+        <p:nvSpPr>
+          <p:cNvPr id="20" name="CaixaDeTexto 19">
+            <a:extLst>
+              <a:ext uri="{FF2B5EF4-FFF2-40B4-BE49-F238E27FC236}">
+                <a16:creationId xmlns:a16="http://schemas.microsoft.com/office/drawing/2014/main" id="{9B90DBE4-F46A-42AF-A5D0-8B9D30FED16B}"/>
+              </a:ext>
+            </a:extLst>
+          </p:cNvPr>
+          <p:cNvSpPr txBox="1"/>
           <p:nvPr/>
-        </p:nvGrpSpPr>
-        <p:grpSpPr>
+        </p:nvSpPr>
+        <p:spPr>
           <a:xfrm>
-            <a:off x="8141260" y="590035"/>
-            <a:ext cx="431172" cy="413599"/>
-            <a:chOff x="5241175" y="4959100"/>
-            <a:chExt cx="539775" cy="517775"/>
+            <a:off x="8725685" y="4370294"/>
+            <a:ext cx="443753" cy="369332"/>
           </a:xfrm>
-        </p:grpSpPr>
-        <p:sp>
-          <p:nvSpPr>
-            <p:cNvPr id="10" name="Google Shape;204;p25"/>
-            <p:cNvSpPr/>
-            <p:nvPr/>
-          </p:nvSpPr>
-          <p:spPr>
-            <a:xfrm>
-              <a:off x="5575150" y="4959100"/>
-              <a:ext cx="161225" cy="178300"/>
-            </a:xfrm>
-            <a:custGeom>
-              <a:avLst/>
-              <a:gdLst/>
-              <a:ahLst/>
-              <a:cxnLst/>
-              <a:rect l="l" t="t" r="r" b="b"/>
-              <a:pathLst>
-                <a:path w="6449" h="7132" extrusionOk="0">
-                  <a:moveTo>
-                    <a:pt x="4641" y="0"/>
-                  </a:moveTo>
-                  <a:lnTo>
-                    <a:pt x="4470" y="25"/>
-                  </a:lnTo>
-                  <a:lnTo>
-                    <a:pt x="4299" y="49"/>
-                  </a:lnTo>
-                  <a:lnTo>
-                    <a:pt x="4128" y="98"/>
-                  </a:lnTo>
-                  <a:lnTo>
-                    <a:pt x="3957" y="147"/>
-                  </a:lnTo>
-                  <a:lnTo>
-                    <a:pt x="3786" y="220"/>
-                  </a:lnTo>
-                  <a:lnTo>
-                    <a:pt x="3640" y="318"/>
-                  </a:lnTo>
-                  <a:lnTo>
-                    <a:pt x="3517" y="415"/>
-                  </a:lnTo>
-                  <a:lnTo>
-                    <a:pt x="3395" y="538"/>
-                  </a:lnTo>
-                  <a:lnTo>
-                    <a:pt x="3273" y="660"/>
-                  </a:lnTo>
-                  <a:lnTo>
-                    <a:pt x="3175" y="806"/>
-                  </a:lnTo>
-                  <a:lnTo>
-                    <a:pt x="3078" y="953"/>
-                  </a:lnTo>
-                  <a:lnTo>
-                    <a:pt x="3005" y="1099"/>
-                  </a:lnTo>
-                  <a:lnTo>
-                    <a:pt x="2931" y="1270"/>
-                  </a:lnTo>
-                  <a:lnTo>
-                    <a:pt x="2907" y="1441"/>
-                  </a:lnTo>
-                  <a:lnTo>
-                    <a:pt x="2882" y="1612"/>
-                  </a:lnTo>
-                  <a:lnTo>
-                    <a:pt x="2858" y="1808"/>
-                  </a:lnTo>
-                  <a:lnTo>
-                    <a:pt x="2882" y="2076"/>
-                  </a:lnTo>
-                  <a:lnTo>
-                    <a:pt x="2956" y="2345"/>
-                  </a:lnTo>
-                  <a:lnTo>
-                    <a:pt x="3053" y="2589"/>
-                  </a:lnTo>
-                  <a:lnTo>
-                    <a:pt x="3175" y="2809"/>
-                  </a:lnTo>
-                  <a:lnTo>
-                    <a:pt x="0" y="6546"/>
-                  </a:lnTo>
-                  <a:lnTo>
-                    <a:pt x="367" y="6814"/>
-                  </a:lnTo>
-                  <a:lnTo>
-                    <a:pt x="709" y="7132"/>
-                  </a:lnTo>
-                  <a:lnTo>
-                    <a:pt x="3884" y="3419"/>
-                  </a:lnTo>
-                  <a:lnTo>
-                    <a:pt x="4055" y="3493"/>
-                  </a:lnTo>
-                  <a:lnTo>
-                    <a:pt x="4250" y="3542"/>
-                  </a:lnTo>
-                  <a:lnTo>
-                    <a:pt x="4445" y="3566"/>
-                  </a:lnTo>
-                  <a:lnTo>
-                    <a:pt x="4641" y="3590"/>
-                  </a:lnTo>
-                  <a:lnTo>
-                    <a:pt x="4836" y="3566"/>
-                  </a:lnTo>
-                  <a:lnTo>
-                    <a:pt x="5007" y="3542"/>
-                  </a:lnTo>
-                  <a:lnTo>
-                    <a:pt x="5178" y="3517"/>
-                  </a:lnTo>
-                  <a:lnTo>
-                    <a:pt x="5349" y="3444"/>
-                  </a:lnTo>
-                  <a:lnTo>
-                    <a:pt x="5496" y="3371"/>
-                  </a:lnTo>
-                  <a:lnTo>
-                    <a:pt x="5642" y="3273"/>
-                  </a:lnTo>
-                  <a:lnTo>
-                    <a:pt x="5789" y="3175"/>
-                  </a:lnTo>
-                  <a:lnTo>
-                    <a:pt x="5911" y="3053"/>
-                  </a:lnTo>
-                  <a:lnTo>
-                    <a:pt x="6033" y="2931"/>
-                  </a:lnTo>
-                  <a:lnTo>
-                    <a:pt x="6131" y="2809"/>
-                  </a:lnTo>
-                  <a:lnTo>
-                    <a:pt x="6228" y="2638"/>
-                  </a:lnTo>
-                  <a:lnTo>
-                    <a:pt x="6302" y="2491"/>
-                  </a:lnTo>
-                  <a:lnTo>
-                    <a:pt x="6350" y="2320"/>
-                  </a:lnTo>
-                  <a:lnTo>
-                    <a:pt x="6399" y="2149"/>
-                  </a:lnTo>
-                  <a:lnTo>
-                    <a:pt x="6424" y="1979"/>
-                  </a:lnTo>
-                  <a:lnTo>
-                    <a:pt x="6448" y="1808"/>
-                  </a:lnTo>
-                  <a:lnTo>
-                    <a:pt x="6424" y="1612"/>
-                  </a:lnTo>
-                  <a:lnTo>
-                    <a:pt x="6399" y="1441"/>
-                  </a:lnTo>
-                  <a:lnTo>
-                    <a:pt x="6350" y="1270"/>
-                  </a:lnTo>
-                  <a:lnTo>
-                    <a:pt x="6302" y="1099"/>
-                  </a:lnTo>
-                  <a:lnTo>
-                    <a:pt x="6228" y="953"/>
-                  </a:lnTo>
-                  <a:lnTo>
-                    <a:pt x="6131" y="806"/>
-                  </a:lnTo>
-                  <a:lnTo>
-                    <a:pt x="6033" y="660"/>
-                  </a:lnTo>
-                  <a:lnTo>
-                    <a:pt x="5911" y="538"/>
-                  </a:lnTo>
-                  <a:lnTo>
-                    <a:pt x="5789" y="415"/>
-                  </a:lnTo>
-                  <a:lnTo>
-                    <a:pt x="5642" y="318"/>
-                  </a:lnTo>
-                  <a:lnTo>
-                    <a:pt x="5496" y="220"/>
-                  </a:lnTo>
-                  <a:lnTo>
-                    <a:pt x="5349" y="147"/>
-                  </a:lnTo>
-                  <a:lnTo>
-                    <a:pt x="5178" y="98"/>
-                  </a:lnTo>
-                  <a:lnTo>
-                    <a:pt x="5007" y="49"/>
-                  </a:lnTo>
-                  <a:lnTo>
-                    <a:pt x="4836" y="25"/>
-                  </a:lnTo>
-                  <a:lnTo>
-                    <a:pt x="4641" y="0"/>
-                  </a:lnTo>
-                  <a:close/>
-                </a:path>
-              </a:pathLst>
-            </a:custGeom>
-            <a:solidFill>
-              <a:schemeClr val="accent1"/>
-            </a:solidFill>
-            <a:ln>
-              <a:noFill/>
-            </a:ln>
-          </p:spPr>
-          <p:txBody>
-            <a:bodyPr spcFirstLastPara="1" wrap="square" lIns="91425" tIns="91425" rIns="91425" bIns="91425" anchor="ctr" anchorCtr="0">
-              <a:noAutofit/>
-            </a:bodyPr>
-            <a:lstStyle/>
-            <a:p>
-              <a:pPr marL="0" lvl="0" indent="0" algn="l" rtl="0">
-                <a:spcBef>
-                  <a:spcPts val="0"/>
-                </a:spcBef>
-                <a:spcAft>
-                  <a:spcPts val="0"/>
-                </a:spcAft>
-                <a:buNone/>
-              </a:pPr>
-              <a:endParaRPr/>
-            </a:p>
-          </p:txBody>
-        </p:sp>
-        <p:sp>
-          <p:nvSpPr>
-            <p:cNvPr id="11" name="Google Shape;205;p25"/>
-            <p:cNvSpPr/>
-            <p:nvPr/>
-          </p:nvSpPr>
-          <p:spPr>
-            <a:xfrm>
-              <a:off x="5330925" y="4985350"/>
-              <a:ext cx="128250" cy="148400"/>
-            </a:xfrm>
-            <a:custGeom>
-              <a:avLst/>
-              <a:gdLst/>
-              <a:ahLst/>
-              <a:cxnLst/>
-              <a:rect l="l" t="t" r="r" b="b"/>
-              <a:pathLst>
-                <a:path w="5130" h="5936" extrusionOk="0">
-                  <a:moveTo>
-                    <a:pt x="1563" y="0"/>
-                  </a:moveTo>
-                  <a:lnTo>
-                    <a:pt x="1392" y="25"/>
-                  </a:lnTo>
-                  <a:lnTo>
-                    <a:pt x="1221" y="74"/>
-                  </a:lnTo>
-                  <a:lnTo>
-                    <a:pt x="1075" y="147"/>
-                  </a:lnTo>
-                  <a:lnTo>
-                    <a:pt x="904" y="220"/>
-                  </a:lnTo>
-                  <a:lnTo>
-                    <a:pt x="757" y="318"/>
-                  </a:lnTo>
-                  <a:lnTo>
-                    <a:pt x="635" y="416"/>
-                  </a:lnTo>
-                  <a:lnTo>
-                    <a:pt x="513" y="538"/>
-                  </a:lnTo>
-                  <a:lnTo>
-                    <a:pt x="391" y="660"/>
-                  </a:lnTo>
-                  <a:lnTo>
-                    <a:pt x="293" y="806"/>
-                  </a:lnTo>
-                  <a:lnTo>
-                    <a:pt x="196" y="953"/>
-                  </a:lnTo>
-                  <a:lnTo>
-                    <a:pt x="122" y="1099"/>
-                  </a:lnTo>
-                  <a:lnTo>
-                    <a:pt x="74" y="1270"/>
-                  </a:lnTo>
-                  <a:lnTo>
-                    <a:pt x="25" y="1466"/>
-                  </a:lnTo>
-                  <a:lnTo>
-                    <a:pt x="0" y="1637"/>
-                  </a:lnTo>
-                  <a:lnTo>
-                    <a:pt x="0" y="1808"/>
-                  </a:lnTo>
-                  <a:lnTo>
-                    <a:pt x="0" y="2003"/>
-                  </a:lnTo>
-                  <a:lnTo>
-                    <a:pt x="25" y="2174"/>
-                  </a:lnTo>
-                  <a:lnTo>
-                    <a:pt x="74" y="2345"/>
-                  </a:lnTo>
-                  <a:lnTo>
-                    <a:pt x="147" y="2492"/>
-                  </a:lnTo>
-                  <a:lnTo>
-                    <a:pt x="220" y="2663"/>
-                  </a:lnTo>
-                  <a:lnTo>
-                    <a:pt x="318" y="2785"/>
-                  </a:lnTo>
-                  <a:lnTo>
-                    <a:pt x="415" y="2931"/>
-                  </a:lnTo>
-                  <a:lnTo>
-                    <a:pt x="538" y="3053"/>
-                  </a:lnTo>
-                  <a:lnTo>
-                    <a:pt x="660" y="3175"/>
-                  </a:lnTo>
-                  <a:lnTo>
-                    <a:pt x="806" y="3273"/>
-                  </a:lnTo>
-                  <a:lnTo>
-                    <a:pt x="953" y="3371"/>
-                  </a:lnTo>
-                  <a:lnTo>
-                    <a:pt x="1099" y="3444"/>
-                  </a:lnTo>
-                  <a:lnTo>
-                    <a:pt x="1270" y="3493"/>
-                  </a:lnTo>
-                  <a:lnTo>
-                    <a:pt x="1466" y="3542"/>
-                  </a:lnTo>
-                  <a:lnTo>
-                    <a:pt x="1710" y="3566"/>
-                  </a:lnTo>
-                  <a:lnTo>
-                    <a:pt x="1979" y="3566"/>
-                  </a:lnTo>
-                  <a:lnTo>
-                    <a:pt x="2223" y="3517"/>
-                  </a:lnTo>
-                  <a:lnTo>
-                    <a:pt x="2467" y="3444"/>
-                  </a:lnTo>
-                  <a:lnTo>
-                    <a:pt x="4396" y="5935"/>
-                  </a:lnTo>
-                  <a:lnTo>
-                    <a:pt x="4738" y="5642"/>
-                  </a:lnTo>
-                  <a:lnTo>
-                    <a:pt x="5129" y="5374"/>
-                  </a:lnTo>
-                  <a:lnTo>
-                    <a:pt x="3200" y="2858"/>
-                  </a:lnTo>
-                  <a:lnTo>
-                    <a:pt x="3322" y="2687"/>
-                  </a:lnTo>
-                  <a:lnTo>
-                    <a:pt x="3419" y="2516"/>
-                  </a:lnTo>
-                  <a:lnTo>
-                    <a:pt x="3493" y="2321"/>
-                  </a:lnTo>
-                  <a:lnTo>
-                    <a:pt x="3542" y="2101"/>
-                  </a:lnTo>
-                  <a:lnTo>
-                    <a:pt x="3566" y="1930"/>
-                  </a:lnTo>
-                  <a:lnTo>
-                    <a:pt x="3566" y="1734"/>
-                  </a:lnTo>
-                  <a:lnTo>
-                    <a:pt x="3566" y="1564"/>
-                  </a:lnTo>
-                  <a:lnTo>
-                    <a:pt x="3517" y="1393"/>
-                  </a:lnTo>
-                  <a:lnTo>
-                    <a:pt x="3468" y="1222"/>
-                  </a:lnTo>
-                  <a:lnTo>
-                    <a:pt x="3419" y="1075"/>
-                  </a:lnTo>
-                  <a:lnTo>
-                    <a:pt x="3346" y="904"/>
-                  </a:lnTo>
-                  <a:lnTo>
-                    <a:pt x="3249" y="758"/>
-                  </a:lnTo>
-                  <a:lnTo>
-                    <a:pt x="3151" y="635"/>
-                  </a:lnTo>
-                  <a:lnTo>
-                    <a:pt x="3029" y="513"/>
-                  </a:lnTo>
-                  <a:lnTo>
-                    <a:pt x="2907" y="391"/>
-                  </a:lnTo>
-                  <a:lnTo>
-                    <a:pt x="2760" y="294"/>
-                  </a:lnTo>
-                  <a:lnTo>
-                    <a:pt x="2614" y="196"/>
-                  </a:lnTo>
-                  <a:lnTo>
-                    <a:pt x="2443" y="123"/>
-                  </a:lnTo>
-                  <a:lnTo>
-                    <a:pt x="2272" y="74"/>
-                  </a:lnTo>
-                  <a:lnTo>
-                    <a:pt x="2101" y="25"/>
-                  </a:lnTo>
-                  <a:lnTo>
-                    <a:pt x="1930" y="0"/>
-                  </a:lnTo>
-                  <a:close/>
-                </a:path>
-              </a:pathLst>
-            </a:custGeom>
-            <a:solidFill>
-              <a:schemeClr val="accent1"/>
-            </a:solidFill>
-            <a:ln>
-              <a:noFill/>
-            </a:ln>
-          </p:spPr>
-          <p:txBody>
-            <a:bodyPr spcFirstLastPara="1" wrap="square" lIns="91425" tIns="91425" rIns="91425" bIns="91425" anchor="ctr" anchorCtr="0">
-              <a:noAutofit/>
-            </a:bodyPr>
-            <a:lstStyle/>
-            <a:p>
-              <a:pPr marL="0" lvl="0" indent="0" algn="l" rtl="0">
-                <a:spcBef>
-                  <a:spcPts val="0"/>
-                </a:spcBef>
-                <a:spcAft>
-                  <a:spcPts val="0"/>
-                </a:spcAft>
-                <a:buNone/>
-              </a:pPr>
-              <a:endParaRPr/>
-            </a:p>
-          </p:txBody>
-        </p:sp>
-        <p:sp>
-          <p:nvSpPr>
-            <p:cNvPr id="15" name="Google Shape;206;p25"/>
-            <p:cNvSpPr/>
-            <p:nvPr/>
-          </p:nvSpPr>
-          <p:spPr>
-            <a:xfrm>
-              <a:off x="5241175" y="5241175"/>
-              <a:ext cx="180125" cy="109325"/>
-            </a:xfrm>
-            <a:custGeom>
-              <a:avLst/>
-              <a:gdLst/>
-              <a:ahLst/>
-              <a:cxnLst/>
-              <a:rect l="l" t="t" r="r" b="b"/>
-              <a:pathLst>
-                <a:path w="7205" h="4373" extrusionOk="0">
-                  <a:moveTo>
-                    <a:pt x="6839" y="1"/>
-                  </a:moveTo>
-                  <a:lnTo>
-                    <a:pt x="3224" y="1491"/>
-                  </a:lnTo>
-                  <a:lnTo>
-                    <a:pt x="3102" y="1368"/>
-                  </a:lnTo>
-                  <a:lnTo>
-                    <a:pt x="2980" y="1246"/>
-                  </a:lnTo>
-                  <a:lnTo>
-                    <a:pt x="2858" y="1124"/>
-                  </a:lnTo>
-                  <a:lnTo>
-                    <a:pt x="2687" y="1026"/>
-                  </a:lnTo>
-                  <a:lnTo>
-                    <a:pt x="2540" y="953"/>
-                  </a:lnTo>
-                  <a:lnTo>
-                    <a:pt x="2369" y="880"/>
-                  </a:lnTo>
-                  <a:lnTo>
-                    <a:pt x="2198" y="831"/>
-                  </a:lnTo>
-                  <a:lnTo>
-                    <a:pt x="2027" y="807"/>
-                  </a:lnTo>
-                  <a:lnTo>
-                    <a:pt x="1856" y="782"/>
-                  </a:lnTo>
-                  <a:lnTo>
-                    <a:pt x="1685" y="807"/>
-                  </a:lnTo>
-                  <a:lnTo>
-                    <a:pt x="1514" y="807"/>
-                  </a:lnTo>
-                  <a:lnTo>
-                    <a:pt x="1343" y="856"/>
-                  </a:lnTo>
-                  <a:lnTo>
-                    <a:pt x="1172" y="904"/>
-                  </a:lnTo>
-                  <a:lnTo>
-                    <a:pt x="1026" y="978"/>
-                  </a:lnTo>
-                  <a:lnTo>
-                    <a:pt x="879" y="1051"/>
-                  </a:lnTo>
-                  <a:lnTo>
-                    <a:pt x="733" y="1149"/>
-                  </a:lnTo>
-                  <a:lnTo>
-                    <a:pt x="586" y="1271"/>
-                  </a:lnTo>
-                  <a:lnTo>
-                    <a:pt x="464" y="1393"/>
-                  </a:lnTo>
-                  <a:lnTo>
-                    <a:pt x="342" y="1515"/>
-                  </a:lnTo>
-                  <a:lnTo>
-                    <a:pt x="244" y="1686"/>
-                  </a:lnTo>
-                  <a:lnTo>
-                    <a:pt x="171" y="1832"/>
-                  </a:lnTo>
-                  <a:lnTo>
-                    <a:pt x="98" y="2003"/>
-                  </a:lnTo>
-                  <a:lnTo>
-                    <a:pt x="49" y="2174"/>
-                  </a:lnTo>
-                  <a:lnTo>
-                    <a:pt x="25" y="2345"/>
-                  </a:lnTo>
-                  <a:lnTo>
-                    <a:pt x="0" y="2516"/>
-                  </a:lnTo>
-                  <a:lnTo>
-                    <a:pt x="0" y="2687"/>
-                  </a:lnTo>
-                  <a:lnTo>
-                    <a:pt x="25" y="2858"/>
-                  </a:lnTo>
-                  <a:lnTo>
-                    <a:pt x="73" y="3029"/>
-                  </a:lnTo>
-                  <a:lnTo>
-                    <a:pt x="122" y="3200"/>
-                  </a:lnTo>
-                  <a:lnTo>
-                    <a:pt x="195" y="3347"/>
-                  </a:lnTo>
-                  <a:lnTo>
-                    <a:pt x="269" y="3518"/>
-                  </a:lnTo>
-                  <a:lnTo>
-                    <a:pt x="366" y="3640"/>
-                  </a:lnTo>
-                  <a:lnTo>
-                    <a:pt x="464" y="3786"/>
-                  </a:lnTo>
-                  <a:lnTo>
-                    <a:pt x="611" y="3908"/>
-                  </a:lnTo>
-                  <a:lnTo>
-                    <a:pt x="733" y="4031"/>
-                  </a:lnTo>
-                  <a:lnTo>
-                    <a:pt x="904" y="4128"/>
-                  </a:lnTo>
-                  <a:lnTo>
-                    <a:pt x="1050" y="4201"/>
-                  </a:lnTo>
-                  <a:lnTo>
-                    <a:pt x="1221" y="4275"/>
-                  </a:lnTo>
-                  <a:lnTo>
-                    <a:pt x="1392" y="4324"/>
-                  </a:lnTo>
-                  <a:lnTo>
-                    <a:pt x="1563" y="4348"/>
-                  </a:lnTo>
-                  <a:lnTo>
-                    <a:pt x="1734" y="4372"/>
-                  </a:lnTo>
-                  <a:lnTo>
-                    <a:pt x="1905" y="4372"/>
-                  </a:lnTo>
-                  <a:lnTo>
-                    <a:pt x="2076" y="4348"/>
-                  </a:lnTo>
-                  <a:lnTo>
-                    <a:pt x="2247" y="4299"/>
-                  </a:lnTo>
-                  <a:lnTo>
-                    <a:pt x="2418" y="4250"/>
-                  </a:lnTo>
-                  <a:lnTo>
-                    <a:pt x="2565" y="4201"/>
-                  </a:lnTo>
-                  <a:lnTo>
-                    <a:pt x="2711" y="4104"/>
-                  </a:lnTo>
-                  <a:lnTo>
-                    <a:pt x="2858" y="4006"/>
-                  </a:lnTo>
-                  <a:lnTo>
-                    <a:pt x="3004" y="3908"/>
-                  </a:lnTo>
-                  <a:lnTo>
-                    <a:pt x="3126" y="3786"/>
-                  </a:lnTo>
-                  <a:lnTo>
-                    <a:pt x="3248" y="3640"/>
-                  </a:lnTo>
-                  <a:lnTo>
-                    <a:pt x="3346" y="3493"/>
-                  </a:lnTo>
-                  <a:lnTo>
-                    <a:pt x="3468" y="3200"/>
-                  </a:lnTo>
-                  <a:lnTo>
-                    <a:pt x="3541" y="2931"/>
-                  </a:lnTo>
-                  <a:lnTo>
-                    <a:pt x="3590" y="2638"/>
-                  </a:lnTo>
-                  <a:lnTo>
-                    <a:pt x="3566" y="2345"/>
-                  </a:lnTo>
-                  <a:lnTo>
-                    <a:pt x="7205" y="856"/>
-                  </a:lnTo>
-                  <a:lnTo>
-                    <a:pt x="6985" y="440"/>
-                  </a:lnTo>
-                  <a:lnTo>
-                    <a:pt x="6839" y="1"/>
-                  </a:lnTo>
-                  <a:close/>
-                </a:path>
-              </a:pathLst>
-            </a:custGeom>
-            <a:solidFill>
-              <a:schemeClr val="accent1"/>
-            </a:solidFill>
-            <a:ln>
-              <a:noFill/>
-            </a:ln>
-          </p:spPr>
-          <p:txBody>
-            <a:bodyPr spcFirstLastPara="1" wrap="square" lIns="91425" tIns="91425" rIns="91425" bIns="91425" anchor="ctr" anchorCtr="0">
-              <a:noAutofit/>
-            </a:bodyPr>
-            <a:lstStyle/>
-            <a:p>
-              <a:pPr marL="0" lvl="0" indent="0" algn="l" rtl="0">
-                <a:spcBef>
-                  <a:spcPts val="0"/>
-                </a:spcBef>
-                <a:spcAft>
-                  <a:spcPts val="0"/>
-                </a:spcAft>
-                <a:buNone/>
-              </a:pPr>
-              <a:endParaRPr/>
-            </a:p>
-          </p:txBody>
-        </p:sp>
-        <p:sp>
-          <p:nvSpPr>
-            <p:cNvPr id="16" name="Google Shape;207;p25"/>
-            <p:cNvSpPr/>
-            <p:nvPr/>
-          </p:nvSpPr>
-          <p:spPr>
-            <a:xfrm>
-              <a:off x="5461575" y="5316900"/>
-              <a:ext cx="89175" cy="159975"/>
-            </a:xfrm>
-            <a:custGeom>
-              <a:avLst/>
-              <a:gdLst/>
-              <a:ahLst/>
-              <a:cxnLst/>
-              <a:rect l="l" t="t" r="r" b="b"/>
-              <a:pathLst>
-                <a:path w="3567" h="6399" extrusionOk="0">
-                  <a:moveTo>
-                    <a:pt x="1491" y="0"/>
-                  </a:moveTo>
-                  <a:lnTo>
-                    <a:pt x="1393" y="2858"/>
-                  </a:lnTo>
-                  <a:lnTo>
-                    <a:pt x="1198" y="2907"/>
-                  </a:lnTo>
-                  <a:lnTo>
-                    <a:pt x="1002" y="3004"/>
-                  </a:lnTo>
-                  <a:lnTo>
-                    <a:pt x="807" y="3102"/>
-                  </a:lnTo>
-                  <a:lnTo>
-                    <a:pt x="636" y="3224"/>
-                  </a:lnTo>
-                  <a:lnTo>
-                    <a:pt x="489" y="3346"/>
-                  </a:lnTo>
-                  <a:lnTo>
-                    <a:pt x="392" y="3493"/>
-                  </a:lnTo>
-                  <a:lnTo>
-                    <a:pt x="269" y="3639"/>
-                  </a:lnTo>
-                  <a:lnTo>
-                    <a:pt x="196" y="3786"/>
-                  </a:lnTo>
-                  <a:lnTo>
-                    <a:pt x="123" y="3932"/>
-                  </a:lnTo>
-                  <a:lnTo>
-                    <a:pt x="74" y="4103"/>
-                  </a:lnTo>
-                  <a:lnTo>
-                    <a:pt x="25" y="4274"/>
-                  </a:lnTo>
-                  <a:lnTo>
-                    <a:pt x="1" y="4445"/>
-                  </a:lnTo>
-                  <a:lnTo>
-                    <a:pt x="1" y="4616"/>
-                  </a:lnTo>
-                  <a:lnTo>
-                    <a:pt x="1" y="4787"/>
-                  </a:lnTo>
-                  <a:lnTo>
-                    <a:pt x="25" y="4958"/>
-                  </a:lnTo>
-                  <a:lnTo>
-                    <a:pt x="74" y="5129"/>
-                  </a:lnTo>
-                  <a:lnTo>
-                    <a:pt x="123" y="5276"/>
-                  </a:lnTo>
-                  <a:lnTo>
-                    <a:pt x="196" y="5447"/>
-                  </a:lnTo>
-                  <a:lnTo>
-                    <a:pt x="294" y="5593"/>
-                  </a:lnTo>
-                  <a:lnTo>
-                    <a:pt x="416" y="5740"/>
-                  </a:lnTo>
-                  <a:lnTo>
-                    <a:pt x="538" y="5886"/>
-                  </a:lnTo>
-                  <a:lnTo>
-                    <a:pt x="660" y="6008"/>
-                  </a:lnTo>
-                  <a:lnTo>
-                    <a:pt x="807" y="6106"/>
-                  </a:lnTo>
-                  <a:lnTo>
-                    <a:pt x="953" y="6179"/>
-                  </a:lnTo>
-                  <a:lnTo>
-                    <a:pt x="1124" y="6252"/>
-                  </a:lnTo>
-                  <a:lnTo>
-                    <a:pt x="1271" y="6326"/>
-                  </a:lnTo>
-                  <a:lnTo>
-                    <a:pt x="1442" y="6350"/>
-                  </a:lnTo>
-                  <a:lnTo>
-                    <a:pt x="1613" y="6375"/>
-                  </a:lnTo>
-                  <a:lnTo>
-                    <a:pt x="1784" y="6399"/>
-                  </a:lnTo>
-                  <a:lnTo>
-                    <a:pt x="1955" y="6375"/>
-                  </a:lnTo>
-                  <a:lnTo>
-                    <a:pt x="2126" y="6350"/>
-                  </a:lnTo>
-                  <a:lnTo>
-                    <a:pt x="2297" y="6301"/>
-                  </a:lnTo>
-                  <a:lnTo>
-                    <a:pt x="2468" y="6252"/>
-                  </a:lnTo>
-                  <a:lnTo>
-                    <a:pt x="2614" y="6179"/>
-                  </a:lnTo>
-                  <a:lnTo>
-                    <a:pt x="2785" y="6082"/>
-                  </a:lnTo>
-                  <a:lnTo>
-                    <a:pt x="2932" y="5984"/>
-                  </a:lnTo>
-                  <a:lnTo>
-                    <a:pt x="3054" y="5862"/>
-                  </a:lnTo>
-                  <a:lnTo>
-                    <a:pt x="3176" y="5715"/>
-                  </a:lnTo>
-                  <a:lnTo>
-                    <a:pt x="3273" y="5569"/>
-                  </a:lnTo>
-                  <a:lnTo>
-                    <a:pt x="3371" y="5422"/>
-                  </a:lnTo>
-                  <a:lnTo>
-                    <a:pt x="3444" y="5276"/>
-                  </a:lnTo>
-                  <a:lnTo>
-                    <a:pt x="3493" y="5105"/>
-                  </a:lnTo>
-                  <a:lnTo>
-                    <a:pt x="3542" y="4934"/>
-                  </a:lnTo>
-                  <a:lnTo>
-                    <a:pt x="3567" y="4763"/>
-                  </a:lnTo>
-                  <a:lnTo>
-                    <a:pt x="3567" y="4592"/>
-                  </a:lnTo>
-                  <a:lnTo>
-                    <a:pt x="3567" y="4421"/>
-                  </a:lnTo>
-                  <a:lnTo>
-                    <a:pt x="3542" y="4250"/>
-                  </a:lnTo>
-                  <a:lnTo>
-                    <a:pt x="3493" y="4079"/>
-                  </a:lnTo>
-                  <a:lnTo>
-                    <a:pt x="3420" y="3908"/>
-                  </a:lnTo>
-                  <a:lnTo>
-                    <a:pt x="3347" y="3761"/>
-                  </a:lnTo>
-                  <a:lnTo>
-                    <a:pt x="3273" y="3615"/>
-                  </a:lnTo>
-                  <a:lnTo>
-                    <a:pt x="3151" y="3468"/>
-                  </a:lnTo>
-                  <a:lnTo>
-                    <a:pt x="2980" y="3273"/>
-                  </a:lnTo>
-                  <a:lnTo>
-                    <a:pt x="2761" y="3102"/>
-                  </a:lnTo>
-                  <a:lnTo>
-                    <a:pt x="2541" y="2980"/>
-                  </a:lnTo>
-                  <a:lnTo>
-                    <a:pt x="2321" y="2907"/>
-                  </a:lnTo>
-                  <a:lnTo>
-                    <a:pt x="2419" y="25"/>
-                  </a:lnTo>
-                  <a:lnTo>
-                    <a:pt x="2419" y="25"/>
-                  </a:lnTo>
-                  <a:lnTo>
-                    <a:pt x="2126" y="49"/>
-                  </a:lnTo>
-                  <a:lnTo>
-                    <a:pt x="1808" y="25"/>
-                  </a:lnTo>
-                  <a:lnTo>
-                    <a:pt x="1491" y="0"/>
-                  </a:lnTo>
-                  <a:close/>
-                </a:path>
-              </a:pathLst>
-            </a:custGeom>
-            <a:solidFill>
-              <a:schemeClr val="accent1"/>
-            </a:solidFill>
-            <a:ln>
-              <a:noFill/>
-            </a:ln>
-          </p:spPr>
-          <p:txBody>
-            <a:bodyPr spcFirstLastPara="1" wrap="square" lIns="91425" tIns="91425" rIns="91425" bIns="91425" anchor="ctr" anchorCtr="0">
-              <a:noAutofit/>
-            </a:bodyPr>
-            <a:lstStyle/>
-            <a:p>
-              <a:pPr marL="0" lvl="0" indent="0" algn="l" rtl="0">
-                <a:spcBef>
-                  <a:spcPts val="0"/>
-                </a:spcBef>
-                <a:spcAft>
-                  <a:spcPts val="0"/>
-                </a:spcAft>
-                <a:buNone/>
-              </a:pPr>
-              <a:endParaRPr/>
-            </a:p>
-          </p:txBody>
-        </p:sp>
-        <p:sp>
-          <p:nvSpPr>
-            <p:cNvPr id="17" name="Google Shape;208;p25"/>
-            <p:cNvSpPr/>
-            <p:nvPr/>
-          </p:nvSpPr>
-          <p:spPr>
-            <a:xfrm>
-              <a:off x="5619100" y="5194175"/>
-              <a:ext cx="161850" cy="89775"/>
-            </a:xfrm>
-            <a:custGeom>
-              <a:avLst/>
-              <a:gdLst/>
-              <a:ahLst/>
-              <a:cxnLst/>
-              <a:rect l="l" t="t" r="r" b="b"/>
-              <a:pathLst>
-                <a:path w="6474" h="3591" extrusionOk="0">
-                  <a:moveTo>
-                    <a:pt x="4592" y="0"/>
-                  </a:moveTo>
-                  <a:lnTo>
-                    <a:pt x="4422" y="25"/>
-                  </a:lnTo>
-                  <a:lnTo>
-                    <a:pt x="4251" y="73"/>
-                  </a:lnTo>
-                  <a:lnTo>
-                    <a:pt x="4080" y="122"/>
-                  </a:lnTo>
-                  <a:lnTo>
-                    <a:pt x="3884" y="196"/>
-                  </a:lnTo>
-                  <a:lnTo>
-                    <a:pt x="3713" y="293"/>
-                  </a:lnTo>
-                  <a:lnTo>
-                    <a:pt x="3567" y="391"/>
-                  </a:lnTo>
-                  <a:lnTo>
-                    <a:pt x="3420" y="513"/>
-                  </a:lnTo>
-                  <a:lnTo>
-                    <a:pt x="3298" y="660"/>
-                  </a:lnTo>
-                  <a:lnTo>
-                    <a:pt x="3200" y="806"/>
-                  </a:lnTo>
-                  <a:lnTo>
-                    <a:pt x="3103" y="953"/>
-                  </a:lnTo>
-                  <a:lnTo>
-                    <a:pt x="3029" y="1124"/>
-                  </a:lnTo>
-                  <a:lnTo>
-                    <a:pt x="99" y="757"/>
-                  </a:lnTo>
-                  <a:lnTo>
-                    <a:pt x="74" y="1221"/>
-                  </a:lnTo>
-                  <a:lnTo>
-                    <a:pt x="1" y="1661"/>
-                  </a:lnTo>
-                  <a:lnTo>
-                    <a:pt x="2907" y="2027"/>
-                  </a:lnTo>
-                  <a:lnTo>
-                    <a:pt x="2932" y="2223"/>
-                  </a:lnTo>
-                  <a:lnTo>
-                    <a:pt x="3005" y="2418"/>
-                  </a:lnTo>
-                  <a:lnTo>
-                    <a:pt x="3078" y="2565"/>
-                  </a:lnTo>
-                  <a:lnTo>
-                    <a:pt x="3152" y="2736"/>
-                  </a:lnTo>
-                  <a:lnTo>
-                    <a:pt x="3249" y="2882"/>
-                  </a:lnTo>
-                  <a:lnTo>
-                    <a:pt x="3371" y="3004"/>
-                  </a:lnTo>
-                  <a:lnTo>
-                    <a:pt x="3493" y="3126"/>
-                  </a:lnTo>
-                  <a:lnTo>
-                    <a:pt x="3616" y="3248"/>
-                  </a:lnTo>
-                  <a:lnTo>
-                    <a:pt x="3762" y="3346"/>
-                  </a:lnTo>
-                  <a:lnTo>
-                    <a:pt x="3909" y="3419"/>
-                  </a:lnTo>
-                  <a:lnTo>
-                    <a:pt x="4080" y="3493"/>
-                  </a:lnTo>
-                  <a:lnTo>
-                    <a:pt x="4251" y="3541"/>
-                  </a:lnTo>
-                  <a:lnTo>
-                    <a:pt x="4422" y="3566"/>
-                  </a:lnTo>
-                  <a:lnTo>
-                    <a:pt x="4592" y="3590"/>
-                  </a:lnTo>
-                  <a:lnTo>
-                    <a:pt x="4763" y="3590"/>
-                  </a:lnTo>
-                  <a:lnTo>
-                    <a:pt x="4934" y="3566"/>
-                  </a:lnTo>
-                  <a:lnTo>
-                    <a:pt x="5105" y="3541"/>
-                  </a:lnTo>
-                  <a:lnTo>
-                    <a:pt x="5276" y="3468"/>
-                  </a:lnTo>
-                  <a:lnTo>
-                    <a:pt x="5447" y="3419"/>
-                  </a:lnTo>
-                  <a:lnTo>
-                    <a:pt x="5618" y="3322"/>
-                  </a:lnTo>
-                  <a:lnTo>
-                    <a:pt x="5765" y="3224"/>
-                  </a:lnTo>
-                  <a:lnTo>
-                    <a:pt x="5887" y="3102"/>
-                  </a:lnTo>
-                  <a:lnTo>
-                    <a:pt x="6009" y="2980"/>
-                  </a:lnTo>
-                  <a:lnTo>
-                    <a:pt x="6131" y="2858"/>
-                  </a:lnTo>
-                  <a:lnTo>
-                    <a:pt x="6204" y="2711"/>
-                  </a:lnTo>
-                  <a:lnTo>
-                    <a:pt x="6302" y="2565"/>
-                  </a:lnTo>
-                  <a:lnTo>
-                    <a:pt x="6351" y="2394"/>
-                  </a:lnTo>
-                  <a:lnTo>
-                    <a:pt x="6400" y="2223"/>
-                  </a:lnTo>
-                  <a:lnTo>
-                    <a:pt x="6449" y="2076"/>
-                  </a:lnTo>
-                  <a:lnTo>
-                    <a:pt x="6473" y="1881"/>
-                  </a:lnTo>
-                  <a:lnTo>
-                    <a:pt x="6473" y="1710"/>
-                  </a:lnTo>
-                  <a:lnTo>
-                    <a:pt x="6449" y="1539"/>
-                  </a:lnTo>
-                  <a:lnTo>
-                    <a:pt x="6424" y="1368"/>
-                  </a:lnTo>
-                  <a:lnTo>
-                    <a:pt x="6351" y="1197"/>
-                  </a:lnTo>
-                  <a:lnTo>
-                    <a:pt x="6278" y="1026"/>
-                  </a:lnTo>
-                  <a:lnTo>
-                    <a:pt x="6204" y="855"/>
-                  </a:lnTo>
-                  <a:lnTo>
-                    <a:pt x="6107" y="708"/>
-                  </a:lnTo>
-                  <a:lnTo>
-                    <a:pt x="5985" y="586"/>
-                  </a:lnTo>
-                  <a:lnTo>
-                    <a:pt x="5862" y="464"/>
-                  </a:lnTo>
-                  <a:lnTo>
-                    <a:pt x="5740" y="342"/>
-                  </a:lnTo>
-                  <a:lnTo>
-                    <a:pt x="5594" y="269"/>
-                  </a:lnTo>
-                  <a:lnTo>
-                    <a:pt x="5447" y="171"/>
-                  </a:lnTo>
-                  <a:lnTo>
-                    <a:pt x="5276" y="122"/>
-                  </a:lnTo>
-                  <a:lnTo>
-                    <a:pt x="5105" y="73"/>
-                  </a:lnTo>
-                  <a:lnTo>
-                    <a:pt x="4934" y="25"/>
-                  </a:lnTo>
-                  <a:lnTo>
-                    <a:pt x="4763" y="25"/>
-                  </a:lnTo>
-                  <a:lnTo>
-                    <a:pt x="4592" y="0"/>
-                  </a:lnTo>
-                  <a:close/>
-                </a:path>
-              </a:pathLst>
-            </a:custGeom>
-            <a:solidFill>
-              <a:schemeClr val="accent1"/>
-            </a:solidFill>
-            <a:ln>
-              <a:noFill/>
-            </a:ln>
-          </p:spPr>
-          <p:txBody>
-            <a:bodyPr spcFirstLastPara="1" wrap="square" lIns="91425" tIns="91425" rIns="91425" bIns="91425" anchor="ctr" anchorCtr="0">
-              <a:noAutofit/>
-            </a:bodyPr>
-            <a:lstStyle/>
-            <a:p>
-              <a:pPr marL="0" lvl="0" indent="0" algn="l" rtl="0">
-                <a:spcBef>
-                  <a:spcPts val="0"/>
-                </a:spcBef>
-                <a:spcAft>
-                  <a:spcPts val="0"/>
-                </a:spcAft>
-                <a:buNone/>
-              </a:pPr>
-              <a:endParaRPr/>
-            </a:p>
-          </p:txBody>
-        </p:sp>
-        <p:sp>
-          <p:nvSpPr>
-            <p:cNvPr id="18" name="Google Shape;209;p25"/>
-            <p:cNvSpPr/>
-            <p:nvPr/>
-          </p:nvSpPr>
-          <p:spPr>
-            <a:xfrm>
-              <a:off x="5420075" y="5116000"/>
-              <a:ext cx="189300" cy="189925"/>
-            </a:xfrm>
-            <a:custGeom>
-              <a:avLst/>
-              <a:gdLst/>
-              <a:ahLst/>
-              <a:cxnLst/>
-              <a:rect l="l" t="t" r="r" b="b"/>
-              <a:pathLst>
-                <a:path w="7572" h="7597" extrusionOk="0">
-                  <a:moveTo>
-                    <a:pt x="3786" y="1"/>
-                  </a:moveTo>
-                  <a:lnTo>
-                    <a:pt x="3395" y="25"/>
-                  </a:lnTo>
-                  <a:lnTo>
-                    <a:pt x="3028" y="74"/>
-                  </a:lnTo>
-                  <a:lnTo>
-                    <a:pt x="2662" y="172"/>
-                  </a:lnTo>
-                  <a:lnTo>
-                    <a:pt x="2320" y="294"/>
-                  </a:lnTo>
-                  <a:lnTo>
-                    <a:pt x="1978" y="465"/>
-                  </a:lnTo>
-                  <a:lnTo>
-                    <a:pt x="1661" y="660"/>
-                  </a:lnTo>
-                  <a:lnTo>
-                    <a:pt x="1392" y="880"/>
-                  </a:lnTo>
-                  <a:lnTo>
-                    <a:pt x="1123" y="1124"/>
-                  </a:lnTo>
-                  <a:lnTo>
-                    <a:pt x="879" y="1393"/>
-                  </a:lnTo>
-                  <a:lnTo>
-                    <a:pt x="659" y="1686"/>
-                  </a:lnTo>
-                  <a:lnTo>
-                    <a:pt x="464" y="1979"/>
-                  </a:lnTo>
-                  <a:lnTo>
-                    <a:pt x="293" y="2321"/>
-                  </a:lnTo>
-                  <a:lnTo>
-                    <a:pt x="171" y="2663"/>
-                  </a:lnTo>
-                  <a:lnTo>
-                    <a:pt x="73" y="3029"/>
-                  </a:lnTo>
-                  <a:lnTo>
-                    <a:pt x="24" y="3420"/>
-                  </a:lnTo>
-                  <a:lnTo>
-                    <a:pt x="0" y="3787"/>
-                  </a:lnTo>
-                  <a:lnTo>
-                    <a:pt x="24" y="4177"/>
-                  </a:lnTo>
-                  <a:lnTo>
-                    <a:pt x="73" y="4568"/>
-                  </a:lnTo>
-                  <a:lnTo>
-                    <a:pt x="171" y="4934"/>
-                  </a:lnTo>
-                  <a:lnTo>
-                    <a:pt x="293" y="5276"/>
-                  </a:lnTo>
-                  <a:lnTo>
-                    <a:pt x="464" y="5594"/>
-                  </a:lnTo>
-                  <a:lnTo>
-                    <a:pt x="659" y="5911"/>
-                  </a:lnTo>
-                  <a:lnTo>
-                    <a:pt x="879" y="6204"/>
-                  </a:lnTo>
-                  <a:lnTo>
-                    <a:pt x="1123" y="6473"/>
-                  </a:lnTo>
-                  <a:lnTo>
-                    <a:pt x="1392" y="6717"/>
-                  </a:lnTo>
-                  <a:lnTo>
-                    <a:pt x="1661" y="6937"/>
-                  </a:lnTo>
-                  <a:lnTo>
-                    <a:pt x="1978" y="7133"/>
-                  </a:lnTo>
-                  <a:lnTo>
-                    <a:pt x="2320" y="7279"/>
-                  </a:lnTo>
-                  <a:lnTo>
-                    <a:pt x="2662" y="7426"/>
-                  </a:lnTo>
-                  <a:lnTo>
-                    <a:pt x="3028" y="7499"/>
-                  </a:lnTo>
-                  <a:lnTo>
-                    <a:pt x="3395" y="7572"/>
-                  </a:lnTo>
-                  <a:lnTo>
-                    <a:pt x="3786" y="7597"/>
-                  </a:lnTo>
-                  <a:lnTo>
-                    <a:pt x="4176" y="7572"/>
-                  </a:lnTo>
-                  <a:lnTo>
-                    <a:pt x="4567" y="7499"/>
-                  </a:lnTo>
-                  <a:lnTo>
-                    <a:pt x="4909" y="7426"/>
-                  </a:lnTo>
-                  <a:lnTo>
-                    <a:pt x="5275" y="7279"/>
-                  </a:lnTo>
-                  <a:lnTo>
-                    <a:pt x="5593" y="7133"/>
-                  </a:lnTo>
-                  <a:lnTo>
-                    <a:pt x="5910" y="6937"/>
-                  </a:lnTo>
-                  <a:lnTo>
-                    <a:pt x="6203" y="6717"/>
-                  </a:lnTo>
-                  <a:lnTo>
-                    <a:pt x="6472" y="6473"/>
-                  </a:lnTo>
-                  <a:lnTo>
-                    <a:pt x="6716" y="6204"/>
-                  </a:lnTo>
-                  <a:lnTo>
-                    <a:pt x="6936" y="5911"/>
-                  </a:lnTo>
-                  <a:lnTo>
-                    <a:pt x="7132" y="5594"/>
-                  </a:lnTo>
-                  <a:lnTo>
-                    <a:pt x="7278" y="5276"/>
-                  </a:lnTo>
-                  <a:lnTo>
-                    <a:pt x="7425" y="4934"/>
-                  </a:lnTo>
-                  <a:lnTo>
-                    <a:pt x="7498" y="4568"/>
-                  </a:lnTo>
-                  <a:lnTo>
-                    <a:pt x="7571" y="4177"/>
-                  </a:lnTo>
-                  <a:lnTo>
-                    <a:pt x="7571" y="3787"/>
-                  </a:lnTo>
-                  <a:lnTo>
-                    <a:pt x="7571" y="3420"/>
-                  </a:lnTo>
-                  <a:lnTo>
-                    <a:pt x="7498" y="3029"/>
-                  </a:lnTo>
-                  <a:lnTo>
-                    <a:pt x="7425" y="2663"/>
-                  </a:lnTo>
-                  <a:lnTo>
-                    <a:pt x="7278" y="2321"/>
-                  </a:lnTo>
-                  <a:lnTo>
-                    <a:pt x="7132" y="1979"/>
-                  </a:lnTo>
-                  <a:lnTo>
-                    <a:pt x="6936" y="1686"/>
-                  </a:lnTo>
-                  <a:lnTo>
-                    <a:pt x="6716" y="1393"/>
-                  </a:lnTo>
-                  <a:lnTo>
-                    <a:pt x="6472" y="1124"/>
-                  </a:lnTo>
-                  <a:lnTo>
-                    <a:pt x="6203" y="880"/>
-                  </a:lnTo>
-                  <a:lnTo>
-                    <a:pt x="5910" y="660"/>
-                  </a:lnTo>
-                  <a:lnTo>
-                    <a:pt x="5593" y="465"/>
-                  </a:lnTo>
-                  <a:lnTo>
-                    <a:pt x="5275" y="294"/>
-                  </a:lnTo>
-                  <a:lnTo>
-                    <a:pt x="4909" y="172"/>
-                  </a:lnTo>
-                  <a:lnTo>
-                    <a:pt x="4567" y="74"/>
-                  </a:lnTo>
-                  <a:lnTo>
-                    <a:pt x="4176" y="25"/>
-                  </a:lnTo>
-                  <a:lnTo>
-                    <a:pt x="3786" y="1"/>
-                  </a:lnTo>
-                  <a:close/>
-                </a:path>
-              </a:pathLst>
-            </a:custGeom>
-            <a:solidFill>
-              <a:schemeClr val="accent1"/>
-            </a:solidFill>
-            <a:ln>
-              <a:noFill/>
-            </a:ln>
-          </p:spPr>
-          <p:txBody>
-            <a:bodyPr spcFirstLastPara="1" wrap="square" lIns="91425" tIns="91425" rIns="91425" bIns="91425" anchor="ctr" anchorCtr="0">
-              <a:noAutofit/>
-            </a:bodyPr>
-            <a:lstStyle/>
-            <a:p>
-              <a:pPr marL="0" lvl="0" indent="0" algn="l" rtl="0">
-                <a:spcBef>
-                  <a:spcPts val="0"/>
-                </a:spcBef>
-                <a:spcAft>
-                  <a:spcPts val="0"/>
-                </a:spcAft>
-                <a:buNone/>
-              </a:pPr>
-              <a:endParaRPr/>
-            </a:p>
-          </p:txBody>
-        </p:sp>
-      </p:grpSp>
+          <a:prstGeom prst="rect">
+            <a:avLst/>
+          </a:prstGeom>
+          <a:noFill/>
+        </p:spPr>
+        <p:txBody>
+          <a:bodyPr wrap="square" rtlCol="0">
+            <a:spAutoFit/>
+          </a:bodyPr>
+          <a:lstStyle/>
+          <a:p>
+            <a:pPr algn="ctr"/>
+            <a:r>
+              <a:rPr lang="pt-BR" sz="1800" dirty="0">
+                <a:solidFill>
+                  <a:schemeClr val="bg1"/>
+                </a:solidFill>
+              </a:rPr>
+              <a:t>28</a:t>
+            </a:r>
+          </a:p>
+        </p:txBody>
+      </p:sp>
     </p:spTree>
   </p:cSld>
   <p:clrMapOvr>
@@ -23144,6 +17590,46 @@
           </a:graphicData>
         </a:graphic>
       </p:graphicFrame>
+      <p:sp>
+        <p:nvSpPr>
+          <p:cNvPr id="4" name="CaixaDeTexto 3">
+            <a:extLst>
+              <a:ext uri="{FF2B5EF4-FFF2-40B4-BE49-F238E27FC236}">
+                <a16:creationId xmlns:a16="http://schemas.microsoft.com/office/drawing/2014/main" id="{F3FDD363-8222-4D62-ABE7-9787FB99EB23}"/>
+              </a:ext>
+            </a:extLst>
+          </p:cNvPr>
+          <p:cNvSpPr txBox="1"/>
+          <p:nvPr/>
+        </p:nvSpPr>
+        <p:spPr>
+          <a:xfrm>
+            <a:off x="8760759" y="4370294"/>
+            <a:ext cx="383241" cy="369332"/>
+          </a:xfrm>
+          <a:prstGeom prst="rect">
+            <a:avLst/>
+          </a:prstGeom>
+          <a:noFill/>
+        </p:spPr>
+        <p:txBody>
+          <a:bodyPr wrap="square" rtlCol="0">
+            <a:spAutoFit/>
+          </a:bodyPr>
+          <a:lstStyle/>
+          <a:p>
+            <a:pPr algn="ctr"/>
+            <a:r>
+              <a:rPr lang="pt-BR" sz="1800" dirty="0">
+                <a:solidFill>
+                  <a:schemeClr val="bg1"/>
+                </a:solidFill>
+              </a:rPr>
+              <a:t>3</a:t>
+            </a:r>
+          </a:p>
+        </p:txBody>
+      </p:sp>
     </p:spTree>
   </p:cSld>
   <p:clrMapOvr>
@@ -23257,44 +17743,6 @@
           <a:chExt cx="0" cy="0"/>
         </a:xfrm>
       </p:grpSpPr>
-      <p:sp>
-        <p:nvSpPr>
-          <p:cNvPr id="2" name="Espaço Reservado para Número de Slide 1">
-            <a:extLst>
-              <a:ext uri="{FF2B5EF4-FFF2-40B4-BE49-F238E27FC236}">
-                <a16:creationId xmlns:a16="http://schemas.microsoft.com/office/drawing/2014/main" id="{17C6DD8F-78FD-4D92-9BD3-4F6A4872621B}"/>
-              </a:ext>
-            </a:extLst>
-          </p:cNvPr>
-          <p:cNvSpPr>
-            <a:spLocks noGrp="1"/>
-          </p:cNvSpPr>
-          <p:nvPr>
-            <p:ph type="sldNum" idx="12"/>
-          </p:nvPr>
-        </p:nvSpPr>
-        <p:spPr/>
-        <p:txBody>
-          <a:bodyPr/>
-          <a:lstStyle/>
-          <a:p>
-            <a:pPr marL="0" lvl="0" indent="0" algn="ctr" rtl="0">
-              <a:spcBef>
-                <a:spcPts val="0"/>
-              </a:spcBef>
-              <a:spcAft>
-                <a:spcPts val="0"/>
-              </a:spcAft>
-              <a:buNone/>
-            </a:pPr>
-            <a:fld id="{00000000-1234-1234-1234-123412341234}" type="slidenum">
-              <a:rPr lang="pt-BR" smtClean="0"/>
-              <a:t>31</a:t>
-            </a:fld>
-            <a:endParaRPr lang="pt-BR"/>
-          </a:p>
-        </p:txBody>
-      </p:sp>
       <p:pic>
         <p:nvPicPr>
           <p:cNvPr id="2052" name="Picture 4" descr="Resultado de imagem para stefanini logo png">
@@ -23449,6 +17897,46 @@
           </a:extLst>
         </p:spPr>
       </p:pic>
+      <p:sp>
+        <p:nvSpPr>
+          <p:cNvPr id="7" name="CaixaDeTexto 6">
+            <a:extLst>
+              <a:ext uri="{FF2B5EF4-FFF2-40B4-BE49-F238E27FC236}">
+                <a16:creationId xmlns:a16="http://schemas.microsoft.com/office/drawing/2014/main" id="{81777023-AC0C-471D-93DC-EC693539B48D}"/>
+              </a:ext>
+            </a:extLst>
+          </p:cNvPr>
+          <p:cNvSpPr txBox="1"/>
+          <p:nvPr/>
+        </p:nvSpPr>
+        <p:spPr>
+          <a:xfrm>
+            <a:off x="8725685" y="4370294"/>
+            <a:ext cx="443753" cy="369332"/>
+          </a:xfrm>
+          <a:prstGeom prst="rect">
+            <a:avLst/>
+          </a:prstGeom>
+          <a:noFill/>
+        </p:spPr>
+        <p:txBody>
+          <a:bodyPr wrap="square" rtlCol="0">
+            <a:spAutoFit/>
+          </a:bodyPr>
+          <a:lstStyle/>
+          <a:p>
+            <a:pPr algn="ctr"/>
+            <a:r>
+              <a:rPr lang="pt-BR" sz="1800" dirty="0">
+                <a:solidFill>
+                  <a:schemeClr val="bg1"/>
+                </a:solidFill>
+              </a:rPr>
+              <a:t>31</a:t>
+            </a:r>
+          </a:p>
+        </p:txBody>
+      </p:sp>
     </p:spTree>
     <p:extLst>
       <p:ext uri="{BB962C8B-B14F-4D97-AF65-F5344CB8AC3E}">
@@ -23668,790 +18156,46 @@
           </a:p>
         </p:txBody>
       </p:sp>
-      <p:grpSp>
-        <p:nvGrpSpPr>
-          <p:cNvPr id="131" name="Google Shape;131;p19"/>
-          <p:cNvGrpSpPr/>
+      <p:sp>
+        <p:nvSpPr>
+          <p:cNvPr id="10" name="CaixaDeTexto 9">
+            <a:extLst>
+              <a:ext uri="{FF2B5EF4-FFF2-40B4-BE49-F238E27FC236}">
+                <a16:creationId xmlns:a16="http://schemas.microsoft.com/office/drawing/2014/main" id="{31617437-0001-4F13-88C4-703860BE196F}"/>
+              </a:ext>
+            </a:extLst>
+          </p:cNvPr>
+          <p:cNvSpPr txBox="1"/>
           <p:nvPr/>
-        </p:nvGrpSpPr>
-        <p:grpSpPr>
+        </p:nvSpPr>
+        <p:spPr>
           <a:xfrm>
-            <a:off x="8180944" y="637329"/>
-            <a:ext cx="336534" cy="318981"/>
-            <a:chOff x="5300400" y="3670175"/>
-            <a:chExt cx="421300" cy="399325"/>
+            <a:off x="8760759" y="4370294"/>
+            <a:ext cx="383241" cy="369332"/>
           </a:xfrm>
-        </p:grpSpPr>
-        <p:sp>
-          <p:nvSpPr>
-            <p:cNvPr id="132" name="Google Shape;132;p19"/>
-            <p:cNvSpPr/>
-            <p:nvPr/>
-          </p:nvSpPr>
-          <p:spPr>
-            <a:xfrm>
-              <a:off x="5300400" y="3708025"/>
-              <a:ext cx="421300" cy="267450"/>
-            </a:xfrm>
-            <a:custGeom>
-              <a:avLst/>
-              <a:gdLst/>
-              <a:ahLst/>
-              <a:cxnLst/>
-              <a:rect l="l" t="t" r="r" b="b"/>
-              <a:pathLst>
-                <a:path w="16852" h="10698" extrusionOk="0">
-                  <a:moveTo>
-                    <a:pt x="16364" y="489"/>
-                  </a:moveTo>
-                  <a:lnTo>
-                    <a:pt x="16364" y="10209"/>
-                  </a:lnTo>
-                  <a:lnTo>
-                    <a:pt x="489" y="10209"/>
-                  </a:lnTo>
-                  <a:lnTo>
-                    <a:pt x="489" y="489"/>
-                  </a:lnTo>
-                  <a:close/>
-                  <a:moveTo>
-                    <a:pt x="391" y="0"/>
-                  </a:moveTo>
-                  <a:lnTo>
-                    <a:pt x="293" y="25"/>
-                  </a:lnTo>
-                  <a:lnTo>
-                    <a:pt x="196" y="74"/>
-                  </a:lnTo>
-                  <a:lnTo>
-                    <a:pt x="122" y="147"/>
-                  </a:lnTo>
-                  <a:lnTo>
-                    <a:pt x="73" y="220"/>
-                  </a:lnTo>
-                  <a:lnTo>
-                    <a:pt x="25" y="293"/>
-                  </a:lnTo>
-                  <a:lnTo>
-                    <a:pt x="0" y="391"/>
-                  </a:lnTo>
-                  <a:lnTo>
-                    <a:pt x="0" y="489"/>
-                  </a:lnTo>
-                  <a:lnTo>
-                    <a:pt x="0" y="10209"/>
-                  </a:lnTo>
-                  <a:lnTo>
-                    <a:pt x="0" y="10307"/>
-                  </a:lnTo>
-                  <a:lnTo>
-                    <a:pt x="25" y="10405"/>
-                  </a:lnTo>
-                  <a:lnTo>
-                    <a:pt x="73" y="10478"/>
-                  </a:lnTo>
-                  <a:lnTo>
-                    <a:pt x="122" y="10551"/>
-                  </a:lnTo>
-                  <a:lnTo>
-                    <a:pt x="196" y="10600"/>
-                  </a:lnTo>
-                  <a:lnTo>
-                    <a:pt x="293" y="10649"/>
-                  </a:lnTo>
-                  <a:lnTo>
-                    <a:pt x="391" y="10673"/>
-                  </a:lnTo>
-                  <a:lnTo>
-                    <a:pt x="489" y="10698"/>
-                  </a:lnTo>
-                  <a:lnTo>
-                    <a:pt x="16364" y="10698"/>
-                  </a:lnTo>
-                  <a:lnTo>
-                    <a:pt x="16461" y="10673"/>
-                  </a:lnTo>
-                  <a:lnTo>
-                    <a:pt x="16559" y="10649"/>
-                  </a:lnTo>
-                  <a:lnTo>
-                    <a:pt x="16657" y="10600"/>
-                  </a:lnTo>
-                  <a:lnTo>
-                    <a:pt x="16730" y="10551"/>
-                  </a:lnTo>
-                  <a:lnTo>
-                    <a:pt x="16779" y="10478"/>
-                  </a:lnTo>
-                  <a:lnTo>
-                    <a:pt x="16828" y="10405"/>
-                  </a:lnTo>
-                  <a:lnTo>
-                    <a:pt x="16852" y="10307"/>
-                  </a:lnTo>
-                  <a:lnTo>
-                    <a:pt x="16852" y="10209"/>
-                  </a:lnTo>
-                  <a:lnTo>
-                    <a:pt x="16852" y="489"/>
-                  </a:lnTo>
-                  <a:lnTo>
-                    <a:pt x="16852" y="391"/>
-                  </a:lnTo>
-                  <a:lnTo>
-                    <a:pt x="16828" y="293"/>
-                  </a:lnTo>
-                  <a:lnTo>
-                    <a:pt x="16779" y="220"/>
-                  </a:lnTo>
-                  <a:lnTo>
-                    <a:pt x="16730" y="147"/>
-                  </a:lnTo>
-                  <a:lnTo>
-                    <a:pt x="16657" y="74"/>
-                  </a:lnTo>
-                  <a:lnTo>
-                    <a:pt x="16559" y="25"/>
-                  </a:lnTo>
-                  <a:lnTo>
-                    <a:pt x="16461" y="0"/>
-                  </a:lnTo>
-                  <a:close/>
-                </a:path>
-              </a:pathLst>
-            </a:custGeom>
-            <a:solidFill>
-              <a:schemeClr val="accent1"/>
-            </a:solidFill>
-            <a:ln>
-              <a:noFill/>
-            </a:ln>
-          </p:spPr>
-          <p:txBody>
-            <a:bodyPr spcFirstLastPara="1" wrap="square" lIns="91425" tIns="91425" rIns="91425" bIns="91425" anchor="ctr" anchorCtr="0">
-              <a:noAutofit/>
-            </a:bodyPr>
-            <a:lstStyle/>
-            <a:p>
-              <a:pPr marL="0" lvl="0" indent="0" algn="l" rtl="0">
-                <a:spcBef>
-                  <a:spcPts val="0"/>
-                </a:spcBef>
-                <a:spcAft>
-                  <a:spcPts val="0"/>
-                </a:spcAft>
-                <a:buNone/>
-              </a:pPr>
-              <a:endParaRPr/>
-            </a:p>
-          </p:txBody>
-        </p:sp>
-        <p:sp>
-          <p:nvSpPr>
-            <p:cNvPr id="133" name="Google Shape;133;p19"/>
-            <p:cNvSpPr/>
-            <p:nvPr/>
-          </p:nvSpPr>
-          <p:spPr>
-            <a:xfrm>
-              <a:off x="5498825" y="3670175"/>
-              <a:ext cx="24450" cy="25650"/>
-            </a:xfrm>
-            <a:custGeom>
-              <a:avLst/>
-              <a:gdLst/>
-              <a:ahLst/>
-              <a:cxnLst/>
-              <a:rect l="l" t="t" r="r" b="b"/>
-              <a:pathLst>
-                <a:path w="978" h="1026" extrusionOk="0">
-                  <a:moveTo>
-                    <a:pt x="489" y="0"/>
-                  </a:moveTo>
-                  <a:lnTo>
-                    <a:pt x="391" y="25"/>
-                  </a:lnTo>
-                  <a:lnTo>
-                    <a:pt x="294" y="49"/>
-                  </a:lnTo>
-                  <a:lnTo>
-                    <a:pt x="220" y="98"/>
-                  </a:lnTo>
-                  <a:lnTo>
-                    <a:pt x="147" y="147"/>
-                  </a:lnTo>
-                  <a:lnTo>
-                    <a:pt x="74" y="220"/>
-                  </a:lnTo>
-                  <a:lnTo>
-                    <a:pt x="49" y="318"/>
-                  </a:lnTo>
-                  <a:lnTo>
-                    <a:pt x="1" y="391"/>
-                  </a:lnTo>
-                  <a:lnTo>
-                    <a:pt x="1" y="489"/>
-                  </a:lnTo>
-                  <a:lnTo>
-                    <a:pt x="1" y="1026"/>
-                  </a:lnTo>
-                  <a:lnTo>
-                    <a:pt x="978" y="1026"/>
-                  </a:lnTo>
-                  <a:lnTo>
-                    <a:pt x="978" y="489"/>
-                  </a:lnTo>
-                  <a:lnTo>
-                    <a:pt x="978" y="391"/>
-                  </a:lnTo>
-                  <a:lnTo>
-                    <a:pt x="929" y="318"/>
-                  </a:lnTo>
-                  <a:lnTo>
-                    <a:pt x="904" y="220"/>
-                  </a:lnTo>
-                  <a:lnTo>
-                    <a:pt x="831" y="147"/>
-                  </a:lnTo>
-                  <a:lnTo>
-                    <a:pt x="758" y="98"/>
-                  </a:lnTo>
-                  <a:lnTo>
-                    <a:pt x="684" y="49"/>
-                  </a:lnTo>
-                  <a:lnTo>
-                    <a:pt x="587" y="25"/>
-                  </a:lnTo>
-                  <a:lnTo>
-                    <a:pt x="489" y="0"/>
-                  </a:lnTo>
-                  <a:close/>
-                </a:path>
-              </a:pathLst>
-            </a:custGeom>
-            <a:solidFill>
-              <a:schemeClr val="accent1"/>
-            </a:solidFill>
-            <a:ln>
-              <a:noFill/>
-            </a:ln>
-          </p:spPr>
-          <p:txBody>
-            <a:bodyPr spcFirstLastPara="1" wrap="square" lIns="91425" tIns="91425" rIns="91425" bIns="91425" anchor="ctr" anchorCtr="0">
-              <a:noAutofit/>
-            </a:bodyPr>
-            <a:lstStyle/>
-            <a:p>
-              <a:pPr marL="0" lvl="0" indent="0" algn="l" rtl="0">
-                <a:spcBef>
-                  <a:spcPts val="0"/>
-                </a:spcBef>
-                <a:spcAft>
-                  <a:spcPts val="0"/>
-                </a:spcAft>
-                <a:buNone/>
-              </a:pPr>
-              <a:endParaRPr/>
-            </a:p>
-          </p:txBody>
-        </p:sp>
-        <p:sp>
-          <p:nvSpPr>
-            <p:cNvPr id="134" name="Google Shape;134;p19"/>
-            <p:cNvSpPr/>
-            <p:nvPr/>
-          </p:nvSpPr>
-          <p:spPr>
-            <a:xfrm>
-              <a:off x="5366325" y="3987675"/>
-              <a:ext cx="61100" cy="81825"/>
-            </a:xfrm>
-            <a:custGeom>
-              <a:avLst/>
-              <a:gdLst/>
-              <a:ahLst/>
-              <a:cxnLst/>
-              <a:rect l="l" t="t" r="r" b="b"/>
-              <a:pathLst>
-                <a:path w="2444" h="3273" extrusionOk="0">
-                  <a:moveTo>
-                    <a:pt x="1344" y="0"/>
-                  </a:moveTo>
-                  <a:lnTo>
-                    <a:pt x="50" y="2565"/>
-                  </a:lnTo>
-                  <a:lnTo>
-                    <a:pt x="25" y="2638"/>
-                  </a:lnTo>
-                  <a:lnTo>
-                    <a:pt x="1" y="2736"/>
-                  </a:lnTo>
-                  <a:lnTo>
-                    <a:pt x="1" y="2833"/>
-                  </a:lnTo>
-                  <a:lnTo>
-                    <a:pt x="25" y="2931"/>
-                  </a:lnTo>
-                  <a:lnTo>
-                    <a:pt x="74" y="3004"/>
-                  </a:lnTo>
-                  <a:lnTo>
-                    <a:pt x="123" y="3102"/>
-                  </a:lnTo>
-                  <a:lnTo>
-                    <a:pt x="196" y="3151"/>
-                  </a:lnTo>
-                  <a:lnTo>
-                    <a:pt x="269" y="3224"/>
-                  </a:lnTo>
-                  <a:lnTo>
-                    <a:pt x="392" y="3248"/>
-                  </a:lnTo>
-                  <a:lnTo>
-                    <a:pt x="489" y="3273"/>
-                  </a:lnTo>
-                  <a:lnTo>
-                    <a:pt x="636" y="3248"/>
-                  </a:lnTo>
-                  <a:lnTo>
-                    <a:pt x="758" y="3200"/>
-                  </a:lnTo>
-                  <a:lnTo>
-                    <a:pt x="856" y="3102"/>
-                  </a:lnTo>
-                  <a:lnTo>
-                    <a:pt x="929" y="3004"/>
-                  </a:lnTo>
-                  <a:lnTo>
-                    <a:pt x="2443" y="0"/>
-                  </a:lnTo>
-                  <a:close/>
-                </a:path>
-              </a:pathLst>
-            </a:custGeom>
-            <a:solidFill>
-              <a:schemeClr val="accent1"/>
-            </a:solidFill>
-            <a:ln>
-              <a:noFill/>
-            </a:ln>
-          </p:spPr>
-          <p:txBody>
-            <a:bodyPr spcFirstLastPara="1" wrap="square" lIns="91425" tIns="91425" rIns="91425" bIns="91425" anchor="ctr" anchorCtr="0">
-              <a:noAutofit/>
-            </a:bodyPr>
-            <a:lstStyle/>
-            <a:p>
-              <a:pPr marL="0" lvl="0" indent="0" algn="l" rtl="0">
-                <a:spcBef>
-                  <a:spcPts val="0"/>
-                </a:spcBef>
-                <a:spcAft>
-                  <a:spcPts val="0"/>
-                </a:spcAft>
-                <a:buNone/>
-              </a:pPr>
-              <a:endParaRPr/>
-            </a:p>
-          </p:txBody>
-        </p:sp>
-        <p:sp>
-          <p:nvSpPr>
-            <p:cNvPr id="135" name="Google Shape;135;p19"/>
-            <p:cNvSpPr/>
-            <p:nvPr/>
-          </p:nvSpPr>
-          <p:spPr>
-            <a:xfrm>
-              <a:off x="5594700" y="3987675"/>
-              <a:ext cx="61075" cy="81825"/>
-            </a:xfrm>
-            <a:custGeom>
-              <a:avLst/>
-              <a:gdLst/>
-              <a:ahLst/>
-              <a:cxnLst/>
-              <a:rect l="l" t="t" r="r" b="b"/>
-              <a:pathLst>
-                <a:path w="2443" h="3273" extrusionOk="0">
-                  <a:moveTo>
-                    <a:pt x="0" y="0"/>
-                  </a:moveTo>
-                  <a:lnTo>
-                    <a:pt x="1514" y="3004"/>
-                  </a:lnTo>
-                  <a:lnTo>
-                    <a:pt x="1588" y="3102"/>
-                  </a:lnTo>
-                  <a:lnTo>
-                    <a:pt x="1685" y="3200"/>
-                  </a:lnTo>
-                  <a:lnTo>
-                    <a:pt x="1807" y="3248"/>
-                  </a:lnTo>
-                  <a:lnTo>
-                    <a:pt x="1954" y="3273"/>
-                  </a:lnTo>
-                  <a:lnTo>
-                    <a:pt x="2052" y="3248"/>
-                  </a:lnTo>
-                  <a:lnTo>
-                    <a:pt x="2174" y="3224"/>
-                  </a:lnTo>
-                  <a:lnTo>
-                    <a:pt x="2247" y="3151"/>
-                  </a:lnTo>
-                  <a:lnTo>
-                    <a:pt x="2320" y="3102"/>
-                  </a:lnTo>
-                  <a:lnTo>
-                    <a:pt x="2369" y="3004"/>
-                  </a:lnTo>
-                  <a:lnTo>
-                    <a:pt x="2418" y="2931"/>
-                  </a:lnTo>
-                  <a:lnTo>
-                    <a:pt x="2442" y="2833"/>
-                  </a:lnTo>
-                  <a:lnTo>
-                    <a:pt x="2442" y="2736"/>
-                  </a:lnTo>
-                  <a:lnTo>
-                    <a:pt x="2418" y="2638"/>
-                  </a:lnTo>
-                  <a:lnTo>
-                    <a:pt x="2393" y="2565"/>
-                  </a:lnTo>
-                  <a:lnTo>
-                    <a:pt x="1099" y="0"/>
-                  </a:lnTo>
-                  <a:close/>
-                </a:path>
-              </a:pathLst>
-            </a:custGeom>
-            <a:solidFill>
-              <a:schemeClr val="accent1"/>
-            </a:solidFill>
-            <a:ln>
-              <a:noFill/>
-            </a:ln>
-          </p:spPr>
-          <p:txBody>
-            <a:bodyPr spcFirstLastPara="1" wrap="square" lIns="91425" tIns="91425" rIns="91425" bIns="91425" anchor="ctr" anchorCtr="0">
-              <a:noAutofit/>
-            </a:bodyPr>
-            <a:lstStyle/>
-            <a:p>
-              <a:pPr marL="0" lvl="0" indent="0" algn="l" rtl="0">
-                <a:spcBef>
-                  <a:spcPts val="0"/>
-                </a:spcBef>
-                <a:spcAft>
-                  <a:spcPts val="0"/>
-                </a:spcAft>
-                <a:buNone/>
-              </a:pPr>
-              <a:endParaRPr/>
-            </a:p>
-          </p:txBody>
-        </p:sp>
-        <p:sp>
-          <p:nvSpPr>
-            <p:cNvPr id="136" name="Google Shape;136;p19"/>
-            <p:cNvSpPr/>
-            <p:nvPr/>
-          </p:nvSpPr>
-          <p:spPr>
-            <a:xfrm>
-              <a:off x="5324825" y="3732450"/>
-              <a:ext cx="372475" cy="218600"/>
-            </a:xfrm>
-            <a:custGeom>
-              <a:avLst/>
-              <a:gdLst/>
-              <a:ahLst/>
-              <a:cxnLst/>
-              <a:rect l="l" t="t" r="r" b="b"/>
-              <a:pathLst>
-                <a:path w="14899" h="8744" extrusionOk="0">
-                  <a:moveTo>
-                    <a:pt x="12578" y="1319"/>
-                  </a:moveTo>
-                  <a:lnTo>
-                    <a:pt x="12676" y="1344"/>
-                  </a:lnTo>
-                  <a:lnTo>
-                    <a:pt x="12749" y="1392"/>
-                  </a:lnTo>
-                  <a:lnTo>
-                    <a:pt x="12822" y="1441"/>
-                  </a:lnTo>
-                  <a:lnTo>
-                    <a:pt x="12895" y="1515"/>
-                  </a:lnTo>
-                  <a:lnTo>
-                    <a:pt x="12920" y="1612"/>
-                  </a:lnTo>
-                  <a:lnTo>
-                    <a:pt x="12969" y="1710"/>
-                  </a:lnTo>
-                  <a:lnTo>
-                    <a:pt x="12969" y="1808"/>
-                  </a:lnTo>
-                  <a:lnTo>
-                    <a:pt x="12969" y="4079"/>
-                  </a:lnTo>
-                  <a:lnTo>
-                    <a:pt x="12969" y="4177"/>
-                  </a:lnTo>
-                  <a:lnTo>
-                    <a:pt x="12920" y="4274"/>
-                  </a:lnTo>
-                  <a:lnTo>
-                    <a:pt x="12895" y="4348"/>
-                  </a:lnTo>
-                  <a:lnTo>
-                    <a:pt x="12822" y="4421"/>
-                  </a:lnTo>
-                  <a:lnTo>
-                    <a:pt x="12749" y="4470"/>
-                  </a:lnTo>
-                  <a:lnTo>
-                    <a:pt x="12676" y="4519"/>
-                  </a:lnTo>
-                  <a:lnTo>
-                    <a:pt x="12578" y="4543"/>
-                  </a:lnTo>
-                  <a:lnTo>
-                    <a:pt x="12480" y="4567"/>
-                  </a:lnTo>
-                  <a:lnTo>
-                    <a:pt x="12383" y="4543"/>
-                  </a:lnTo>
-                  <a:lnTo>
-                    <a:pt x="12285" y="4519"/>
-                  </a:lnTo>
-                  <a:lnTo>
-                    <a:pt x="12212" y="4470"/>
-                  </a:lnTo>
-                  <a:lnTo>
-                    <a:pt x="12138" y="4421"/>
-                  </a:lnTo>
-                  <a:lnTo>
-                    <a:pt x="12065" y="4348"/>
-                  </a:lnTo>
-                  <a:lnTo>
-                    <a:pt x="12041" y="4274"/>
-                  </a:lnTo>
-                  <a:lnTo>
-                    <a:pt x="11992" y="4177"/>
-                  </a:lnTo>
-                  <a:lnTo>
-                    <a:pt x="11992" y="4079"/>
-                  </a:lnTo>
-                  <a:lnTo>
-                    <a:pt x="11992" y="3004"/>
-                  </a:lnTo>
-                  <a:lnTo>
-                    <a:pt x="7986" y="7010"/>
-                  </a:lnTo>
-                  <a:lnTo>
-                    <a:pt x="7913" y="7059"/>
-                  </a:lnTo>
-                  <a:lnTo>
-                    <a:pt x="7815" y="7107"/>
-                  </a:lnTo>
-                  <a:lnTo>
-                    <a:pt x="7742" y="7132"/>
-                  </a:lnTo>
-                  <a:lnTo>
-                    <a:pt x="7644" y="7156"/>
-                  </a:lnTo>
-                  <a:lnTo>
-                    <a:pt x="7547" y="7132"/>
-                  </a:lnTo>
-                  <a:lnTo>
-                    <a:pt x="7449" y="7107"/>
-                  </a:lnTo>
-                  <a:lnTo>
-                    <a:pt x="7376" y="7059"/>
-                  </a:lnTo>
-                  <a:lnTo>
-                    <a:pt x="7303" y="7010"/>
-                  </a:lnTo>
-                  <a:lnTo>
-                    <a:pt x="5349" y="5056"/>
-                  </a:lnTo>
-                  <a:lnTo>
-                    <a:pt x="2760" y="7620"/>
-                  </a:lnTo>
-                  <a:lnTo>
-                    <a:pt x="2687" y="7694"/>
-                  </a:lnTo>
-                  <a:lnTo>
-                    <a:pt x="2613" y="7742"/>
-                  </a:lnTo>
-                  <a:lnTo>
-                    <a:pt x="2516" y="7767"/>
-                  </a:lnTo>
-                  <a:lnTo>
-                    <a:pt x="2320" y="7767"/>
-                  </a:lnTo>
-                  <a:lnTo>
-                    <a:pt x="2247" y="7742"/>
-                  </a:lnTo>
-                  <a:lnTo>
-                    <a:pt x="2149" y="7694"/>
-                  </a:lnTo>
-                  <a:lnTo>
-                    <a:pt x="2076" y="7620"/>
-                  </a:lnTo>
-                  <a:lnTo>
-                    <a:pt x="2003" y="7547"/>
-                  </a:lnTo>
-                  <a:lnTo>
-                    <a:pt x="1978" y="7474"/>
-                  </a:lnTo>
-                  <a:lnTo>
-                    <a:pt x="1929" y="7376"/>
-                  </a:lnTo>
-                  <a:lnTo>
-                    <a:pt x="1929" y="7278"/>
-                  </a:lnTo>
-                  <a:lnTo>
-                    <a:pt x="1929" y="7205"/>
-                  </a:lnTo>
-                  <a:lnTo>
-                    <a:pt x="1978" y="7107"/>
-                  </a:lnTo>
-                  <a:lnTo>
-                    <a:pt x="2003" y="7010"/>
-                  </a:lnTo>
-                  <a:lnTo>
-                    <a:pt x="2076" y="6936"/>
-                  </a:lnTo>
-                  <a:lnTo>
-                    <a:pt x="5007" y="4006"/>
-                  </a:lnTo>
-                  <a:lnTo>
-                    <a:pt x="5080" y="3957"/>
-                  </a:lnTo>
-                  <a:lnTo>
-                    <a:pt x="5153" y="3908"/>
-                  </a:lnTo>
-                  <a:lnTo>
-                    <a:pt x="5251" y="3884"/>
-                  </a:lnTo>
-                  <a:lnTo>
-                    <a:pt x="5446" y="3884"/>
-                  </a:lnTo>
-                  <a:lnTo>
-                    <a:pt x="5520" y="3908"/>
-                  </a:lnTo>
-                  <a:lnTo>
-                    <a:pt x="5617" y="3957"/>
-                  </a:lnTo>
-                  <a:lnTo>
-                    <a:pt x="5691" y="4006"/>
-                  </a:lnTo>
-                  <a:lnTo>
-                    <a:pt x="7644" y="5960"/>
-                  </a:lnTo>
-                  <a:lnTo>
-                    <a:pt x="11332" y="2296"/>
-                  </a:lnTo>
-                  <a:lnTo>
-                    <a:pt x="10209" y="2296"/>
-                  </a:lnTo>
-                  <a:lnTo>
-                    <a:pt x="10111" y="2272"/>
-                  </a:lnTo>
-                  <a:lnTo>
-                    <a:pt x="10013" y="2247"/>
-                  </a:lnTo>
-                  <a:lnTo>
-                    <a:pt x="9916" y="2198"/>
-                  </a:lnTo>
-                  <a:lnTo>
-                    <a:pt x="9843" y="2150"/>
-                  </a:lnTo>
-                  <a:lnTo>
-                    <a:pt x="9794" y="2076"/>
-                  </a:lnTo>
-                  <a:lnTo>
-                    <a:pt x="9745" y="1979"/>
-                  </a:lnTo>
-                  <a:lnTo>
-                    <a:pt x="9720" y="1905"/>
-                  </a:lnTo>
-                  <a:lnTo>
-                    <a:pt x="9720" y="1808"/>
-                  </a:lnTo>
-                  <a:lnTo>
-                    <a:pt x="9720" y="1710"/>
-                  </a:lnTo>
-                  <a:lnTo>
-                    <a:pt x="9745" y="1612"/>
-                  </a:lnTo>
-                  <a:lnTo>
-                    <a:pt x="9794" y="1515"/>
-                  </a:lnTo>
-                  <a:lnTo>
-                    <a:pt x="9843" y="1441"/>
-                  </a:lnTo>
-                  <a:lnTo>
-                    <a:pt x="9916" y="1392"/>
-                  </a:lnTo>
-                  <a:lnTo>
-                    <a:pt x="10013" y="1344"/>
-                  </a:lnTo>
-                  <a:lnTo>
-                    <a:pt x="10111" y="1319"/>
-                  </a:lnTo>
-                  <a:close/>
-                  <a:moveTo>
-                    <a:pt x="0" y="0"/>
-                  </a:moveTo>
-                  <a:lnTo>
-                    <a:pt x="0" y="8744"/>
-                  </a:lnTo>
-                  <a:lnTo>
-                    <a:pt x="14898" y="8744"/>
-                  </a:lnTo>
-                  <a:lnTo>
-                    <a:pt x="14898" y="0"/>
-                  </a:lnTo>
-                  <a:close/>
-                </a:path>
-              </a:pathLst>
-            </a:custGeom>
-            <a:solidFill>
-              <a:schemeClr val="accent1"/>
-            </a:solidFill>
-            <a:ln>
-              <a:noFill/>
-            </a:ln>
-          </p:spPr>
-          <p:txBody>
-            <a:bodyPr spcFirstLastPara="1" wrap="square" lIns="91425" tIns="91425" rIns="91425" bIns="91425" anchor="ctr" anchorCtr="0">
-              <a:noAutofit/>
-            </a:bodyPr>
-            <a:lstStyle/>
-            <a:p>
-              <a:pPr marL="0" lvl="0" indent="0" algn="l" rtl="0">
-                <a:spcBef>
-                  <a:spcPts val="0"/>
-                </a:spcBef>
-                <a:spcAft>
-                  <a:spcPts val="0"/>
-                </a:spcAft>
-                <a:buNone/>
-              </a:pPr>
-              <a:endParaRPr/>
-            </a:p>
-          </p:txBody>
-        </p:sp>
-      </p:grpSp>
+          <a:prstGeom prst="rect">
+            <a:avLst/>
+          </a:prstGeom>
+          <a:noFill/>
+        </p:spPr>
+        <p:txBody>
+          <a:bodyPr wrap="square" rtlCol="0">
+            <a:spAutoFit/>
+          </a:bodyPr>
+          <a:lstStyle/>
+          <a:p>
+            <a:pPr algn="ctr"/>
+            <a:r>
+              <a:rPr lang="pt-BR" sz="1800" dirty="0">
+                <a:solidFill>
+                  <a:schemeClr val="bg1"/>
+                </a:solidFill>
+              </a:rPr>
+              <a:t>5</a:t>
+            </a:r>
+          </a:p>
+        </p:txBody>
+      </p:sp>
     </p:spTree>
   </p:cSld>
   <p:clrMapOvr>
@@ -24615,790 +18359,6 @@
           </a:p>
         </p:txBody>
       </p:sp>
-      <p:grpSp>
-        <p:nvGrpSpPr>
-          <p:cNvPr id="131" name="Google Shape;131;p19"/>
-          <p:cNvGrpSpPr/>
-          <p:nvPr/>
-        </p:nvGrpSpPr>
-        <p:grpSpPr>
-          <a:xfrm>
-            <a:off x="8180944" y="637329"/>
-            <a:ext cx="336534" cy="318981"/>
-            <a:chOff x="5300400" y="3670175"/>
-            <a:chExt cx="421300" cy="399325"/>
-          </a:xfrm>
-        </p:grpSpPr>
-        <p:sp>
-          <p:nvSpPr>
-            <p:cNvPr id="132" name="Google Shape;132;p19"/>
-            <p:cNvSpPr/>
-            <p:nvPr/>
-          </p:nvSpPr>
-          <p:spPr>
-            <a:xfrm>
-              <a:off x="5300400" y="3708025"/>
-              <a:ext cx="421300" cy="267450"/>
-            </a:xfrm>
-            <a:custGeom>
-              <a:avLst/>
-              <a:gdLst/>
-              <a:ahLst/>
-              <a:cxnLst/>
-              <a:rect l="l" t="t" r="r" b="b"/>
-              <a:pathLst>
-                <a:path w="16852" h="10698" extrusionOk="0">
-                  <a:moveTo>
-                    <a:pt x="16364" y="489"/>
-                  </a:moveTo>
-                  <a:lnTo>
-                    <a:pt x="16364" y="10209"/>
-                  </a:lnTo>
-                  <a:lnTo>
-                    <a:pt x="489" y="10209"/>
-                  </a:lnTo>
-                  <a:lnTo>
-                    <a:pt x="489" y="489"/>
-                  </a:lnTo>
-                  <a:close/>
-                  <a:moveTo>
-                    <a:pt x="391" y="0"/>
-                  </a:moveTo>
-                  <a:lnTo>
-                    <a:pt x="293" y="25"/>
-                  </a:lnTo>
-                  <a:lnTo>
-                    <a:pt x="196" y="74"/>
-                  </a:lnTo>
-                  <a:lnTo>
-                    <a:pt x="122" y="147"/>
-                  </a:lnTo>
-                  <a:lnTo>
-                    <a:pt x="73" y="220"/>
-                  </a:lnTo>
-                  <a:lnTo>
-                    <a:pt x="25" y="293"/>
-                  </a:lnTo>
-                  <a:lnTo>
-                    <a:pt x="0" y="391"/>
-                  </a:lnTo>
-                  <a:lnTo>
-                    <a:pt x="0" y="489"/>
-                  </a:lnTo>
-                  <a:lnTo>
-                    <a:pt x="0" y="10209"/>
-                  </a:lnTo>
-                  <a:lnTo>
-                    <a:pt x="0" y="10307"/>
-                  </a:lnTo>
-                  <a:lnTo>
-                    <a:pt x="25" y="10405"/>
-                  </a:lnTo>
-                  <a:lnTo>
-                    <a:pt x="73" y="10478"/>
-                  </a:lnTo>
-                  <a:lnTo>
-                    <a:pt x="122" y="10551"/>
-                  </a:lnTo>
-                  <a:lnTo>
-                    <a:pt x="196" y="10600"/>
-                  </a:lnTo>
-                  <a:lnTo>
-                    <a:pt x="293" y="10649"/>
-                  </a:lnTo>
-                  <a:lnTo>
-                    <a:pt x="391" y="10673"/>
-                  </a:lnTo>
-                  <a:lnTo>
-                    <a:pt x="489" y="10698"/>
-                  </a:lnTo>
-                  <a:lnTo>
-                    <a:pt x="16364" y="10698"/>
-                  </a:lnTo>
-                  <a:lnTo>
-                    <a:pt x="16461" y="10673"/>
-                  </a:lnTo>
-                  <a:lnTo>
-                    <a:pt x="16559" y="10649"/>
-                  </a:lnTo>
-                  <a:lnTo>
-                    <a:pt x="16657" y="10600"/>
-                  </a:lnTo>
-                  <a:lnTo>
-                    <a:pt x="16730" y="10551"/>
-                  </a:lnTo>
-                  <a:lnTo>
-                    <a:pt x="16779" y="10478"/>
-                  </a:lnTo>
-                  <a:lnTo>
-                    <a:pt x="16828" y="10405"/>
-                  </a:lnTo>
-                  <a:lnTo>
-                    <a:pt x="16852" y="10307"/>
-                  </a:lnTo>
-                  <a:lnTo>
-                    <a:pt x="16852" y="10209"/>
-                  </a:lnTo>
-                  <a:lnTo>
-                    <a:pt x="16852" y="489"/>
-                  </a:lnTo>
-                  <a:lnTo>
-                    <a:pt x="16852" y="391"/>
-                  </a:lnTo>
-                  <a:lnTo>
-                    <a:pt x="16828" y="293"/>
-                  </a:lnTo>
-                  <a:lnTo>
-                    <a:pt x="16779" y="220"/>
-                  </a:lnTo>
-                  <a:lnTo>
-                    <a:pt x="16730" y="147"/>
-                  </a:lnTo>
-                  <a:lnTo>
-                    <a:pt x="16657" y="74"/>
-                  </a:lnTo>
-                  <a:lnTo>
-                    <a:pt x="16559" y="25"/>
-                  </a:lnTo>
-                  <a:lnTo>
-                    <a:pt x="16461" y="0"/>
-                  </a:lnTo>
-                  <a:close/>
-                </a:path>
-              </a:pathLst>
-            </a:custGeom>
-            <a:solidFill>
-              <a:schemeClr val="accent1"/>
-            </a:solidFill>
-            <a:ln>
-              <a:noFill/>
-            </a:ln>
-          </p:spPr>
-          <p:txBody>
-            <a:bodyPr spcFirstLastPara="1" wrap="square" lIns="91425" tIns="91425" rIns="91425" bIns="91425" anchor="ctr" anchorCtr="0">
-              <a:noAutofit/>
-            </a:bodyPr>
-            <a:lstStyle/>
-            <a:p>
-              <a:pPr marL="0" lvl="0" indent="0" algn="l" rtl="0">
-                <a:spcBef>
-                  <a:spcPts val="0"/>
-                </a:spcBef>
-                <a:spcAft>
-                  <a:spcPts val="0"/>
-                </a:spcAft>
-                <a:buNone/>
-              </a:pPr>
-              <a:endParaRPr/>
-            </a:p>
-          </p:txBody>
-        </p:sp>
-        <p:sp>
-          <p:nvSpPr>
-            <p:cNvPr id="133" name="Google Shape;133;p19"/>
-            <p:cNvSpPr/>
-            <p:nvPr/>
-          </p:nvSpPr>
-          <p:spPr>
-            <a:xfrm>
-              <a:off x="5498825" y="3670175"/>
-              <a:ext cx="24450" cy="25650"/>
-            </a:xfrm>
-            <a:custGeom>
-              <a:avLst/>
-              <a:gdLst/>
-              <a:ahLst/>
-              <a:cxnLst/>
-              <a:rect l="l" t="t" r="r" b="b"/>
-              <a:pathLst>
-                <a:path w="978" h="1026" extrusionOk="0">
-                  <a:moveTo>
-                    <a:pt x="489" y="0"/>
-                  </a:moveTo>
-                  <a:lnTo>
-                    <a:pt x="391" y="25"/>
-                  </a:lnTo>
-                  <a:lnTo>
-                    <a:pt x="294" y="49"/>
-                  </a:lnTo>
-                  <a:lnTo>
-                    <a:pt x="220" y="98"/>
-                  </a:lnTo>
-                  <a:lnTo>
-                    <a:pt x="147" y="147"/>
-                  </a:lnTo>
-                  <a:lnTo>
-                    <a:pt x="74" y="220"/>
-                  </a:lnTo>
-                  <a:lnTo>
-                    <a:pt x="49" y="318"/>
-                  </a:lnTo>
-                  <a:lnTo>
-                    <a:pt x="1" y="391"/>
-                  </a:lnTo>
-                  <a:lnTo>
-                    <a:pt x="1" y="489"/>
-                  </a:lnTo>
-                  <a:lnTo>
-                    <a:pt x="1" y="1026"/>
-                  </a:lnTo>
-                  <a:lnTo>
-                    <a:pt x="978" y="1026"/>
-                  </a:lnTo>
-                  <a:lnTo>
-                    <a:pt x="978" y="489"/>
-                  </a:lnTo>
-                  <a:lnTo>
-                    <a:pt x="978" y="391"/>
-                  </a:lnTo>
-                  <a:lnTo>
-                    <a:pt x="929" y="318"/>
-                  </a:lnTo>
-                  <a:lnTo>
-                    <a:pt x="904" y="220"/>
-                  </a:lnTo>
-                  <a:lnTo>
-                    <a:pt x="831" y="147"/>
-                  </a:lnTo>
-                  <a:lnTo>
-                    <a:pt x="758" y="98"/>
-                  </a:lnTo>
-                  <a:lnTo>
-                    <a:pt x="684" y="49"/>
-                  </a:lnTo>
-                  <a:lnTo>
-                    <a:pt x="587" y="25"/>
-                  </a:lnTo>
-                  <a:lnTo>
-                    <a:pt x="489" y="0"/>
-                  </a:lnTo>
-                  <a:close/>
-                </a:path>
-              </a:pathLst>
-            </a:custGeom>
-            <a:solidFill>
-              <a:schemeClr val="accent1"/>
-            </a:solidFill>
-            <a:ln>
-              <a:noFill/>
-            </a:ln>
-          </p:spPr>
-          <p:txBody>
-            <a:bodyPr spcFirstLastPara="1" wrap="square" lIns="91425" tIns="91425" rIns="91425" bIns="91425" anchor="ctr" anchorCtr="0">
-              <a:noAutofit/>
-            </a:bodyPr>
-            <a:lstStyle/>
-            <a:p>
-              <a:pPr marL="0" lvl="0" indent="0" algn="l" rtl="0">
-                <a:spcBef>
-                  <a:spcPts val="0"/>
-                </a:spcBef>
-                <a:spcAft>
-                  <a:spcPts val="0"/>
-                </a:spcAft>
-                <a:buNone/>
-              </a:pPr>
-              <a:endParaRPr/>
-            </a:p>
-          </p:txBody>
-        </p:sp>
-        <p:sp>
-          <p:nvSpPr>
-            <p:cNvPr id="134" name="Google Shape;134;p19"/>
-            <p:cNvSpPr/>
-            <p:nvPr/>
-          </p:nvSpPr>
-          <p:spPr>
-            <a:xfrm>
-              <a:off x="5366325" y="3987675"/>
-              <a:ext cx="61100" cy="81825"/>
-            </a:xfrm>
-            <a:custGeom>
-              <a:avLst/>
-              <a:gdLst/>
-              <a:ahLst/>
-              <a:cxnLst/>
-              <a:rect l="l" t="t" r="r" b="b"/>
-              <a:pathLst>
-                <a:path w="2444" h="3273" extrusionOk="0">
-                  <a:moveTo>
-                    <a:pt x="1344" y="0"/>
-                  </a:moveTo>
-                  <a:lnTo>
-                    <a:pt x="50" y="2565"/>
-                  </a:lnTo>
-                  <a:lnTo>
-                    <a:pt x="25" y="2638"/>
-                  </a:lnTo>
-                  <a:lnTo>
-                    <a:pt x="1" y="2736"/>
-                  </a:lnTo>
-                  <a:lnTo>
-                    <a:pt x="1" y="2833"/>
-                  </a:lnTo>
-                  <a:lnTo>
-                    <a:pt x="25" y="2931"/>
-                  </a:lnTo>
-                  <a:lnTo>
-                    <a:pt x="74" y="3004"/>
-                  </a:lnTo>
-                  <a:lnTo>
-                    <a:pt x="123" y="3102"/>
-                  </a:lnTo>
-                  <a:lnTo>
-                    <a:pt x="196" y="3151"/>
-                  </a:lnTo>
-                  <a:lnTo>
-                    <a:pt x="269" y="3224"/>
-                  </a:lnTo>
-                  <a:lnTo>
-                    <a:pt x="392" y="3248"/>
-                  </a:lnTo>
-                  <a:lnTo>
-                    <a:pt x="489" y="3273"/>
-                  </a:lnTo>
-                  <a:lnTo>
-                    <a:pt x="636" y="3248"/>
-                  </a:lnTo>
-                  <a:lnTo>
-                    <a:pt x="758" y="3200"/>
-                  </a:lnTo>
-                  <a:lnTo>
-                    <a:pt x="856" y="3102"/>
-                  </a:lnTo>
-                  <a:lnTo>
-                    <a:pt x="929" y="3004"/>
-                  </a:lnTo>
-                  <a:lnTo>
-                    <a:pt x="2443" y="0"/>
-                  </a:lnTo>
-                  <a:close/>
-                </a:path>
-              </a:pathLst>
-            </a:custGeom>
-            <a:solidFill>
-              <a:schemeClr val="accent1"/>
-            </a:solidFill>
-            <a:ln>
-              <a:noFill/>
-            </a:ln>
-          </p:spPr>
-          <p:txBody>
-            <a:bodyPr spcFirstLastPara="1" wrap="square" lIns="91425" tIns="91425" rIns="91425" bIns="91425" anchor="ctr" anchorCtr="0">
-              <a:noAutofit/>
-            </a:bodyPr>
-            <a:lstStyle/>
-            <a:p>
-              <a:pPr marL="0" lvl="0" indent="0" algn="l" rtl="0">
-                <a:spcBef>
-                  <a:spcPts val="0"/>
-                </a:spcBef>
-                <a:spcAft>
-                  <a:spcPts val="0"/>
-                </a:spcAft>
-                <a:buNone/>
-              </a:pPr>
-              <a:endParaRPr/>
-            </a:p>
-          </p:txBody>
-        </p:sp>
-        <p:sp>
-          <p:nvSpPr>
-            <p:cNvPr id="135" name="Google Shape;135;p19"/>
-            <p:cNvSpPr/>
-            <p:nvPr/>
-          </p:nvSpPr>
-          <p:spPr>
-            <a:xfrm>
-              <a:off x="5594700" y="3987675"/>
-              <a:ext cx="61075" cy="81825"/>
-            </a:xfrm>
-            <a:custGeom>
-              <a:avLst/>
-              <a:gdLst/>
-              <a:ahLst/>
-              <a:cxnLst/>
-              <a:rect l="l" t="t" r="r" b="b"/>
-              <a:pathLst>
-                <a:path w="2443" h="3273" extrusionOk="0">
-                  <a:moveTo>
-                    <a:pt x="0" y="0"/>
-                  </a:moveTo>
-                  <a:lnTo>
-                    <a:pt x="1514" y="3004"/>
-                  </a:lnTo>
-                  <a:lnTo>
-                    <a:pt x="1588" y="3102"/>
-                  </a:lnTo>
-                  <a:lnTo>
-                    <a:pt x="1685" y="3200"/>
-                  </a:lnTo>
-                  <a:lnTo>
-                    <a:pt x="1807" y="3248"/>
-                  </a:lnTo>
-                  <a:lnTo>
-                    <a:pt x="1954" y="3273"/>
-                  </a:lnTo>
-                  <a:lnTo>
-                    <a:pt x="2052" y="3248"/>
-                  </a:lnTo>
-                  <a:lnTo>
-                    <a:pt x="2174" y="3224"/>
-                  </a:lnTo>
-                  <a:lnTo>
-                    <a:pt x="2247" y="3151"/>
-                  </a:lnTo>
-                  <a:lnTo>
-                    <a:pt x="2320" y="3102"/>
-                  </a:lnTo>
-                  <a:lnTo>
-                    <a:pt x="2369" y="3004"/>
-                  </a:lnTo>
-                  <a:lnTo>
-                    <a:pt x="2418" y="2931"/>
-                  </a:lnTo>
-                  <a:lnTo>
-                    <a:pt x="2442" y="2833"/>
-                  </a:lnTo>
-                  <a:lnTo>
-                    <a:pt x="2442" y="2736"/>
-                  </a:lnTo>
-                  <a:lnTo>
-                    <a:pt x="2418" y="2638"/>
-                  </a:lnTo>
-                  <a:lnTo>
-                    <a:pt x="2393" y="2565"/>
-                  </a:lnTo>
-                  <a:lnTo>
-                    <a:pt x="1099" y="0"/>
-                  </a:lnTo>
-                  <a:close/>
-                </a:path>
-              </a:pathLst>
-            </a:custGeom>
-            <a:solidFill>
-              <a:schemeClr val="accent1"/>
-            </a:solidFill>
-            <a:ln>
-              <a:noFill/>
-            </a:ln>
-          </p:spPr>
-          <p:txBody>
-            <a:bodyPr spcFirstLastPara="1" wrap="square" lIns="91425" tIns="91425" rIns="91425" bIns="91425" anchor="ctr" anchorCtr="0">
-              <a:noAutofit/>
-            </a:bodyPr>
-            <a:lstStyle/>
-            <a:p>
-              <a:pPr marL="0" lvl="0" indent="0" algn="l" rtl="0">
-                <a:spcBef>
-                  <a:spcPts val="0"/>
-                </a:spcBef>
-                <a:spcAft>
-                  <a:spcPts val="0"/>
-                </a:spcAft>
-                <a:buNone/>
-              </a:pPr>
-              <a:endParaRPr/>
-            </a:p>
-          </p:txBody>
-        </p:sp>
-        <p:sp>
-          <p:nvSpPr>
-            <p:cNvPr id="136" name="Google Shape;136;p19"/>
-            <p:cNvSpPr/>
-            <p:nvPr/>
-          </p:nvSpPr>
-          <p:spPr>
-            <a:xfrm>
-              <a:off x="5324825" y="3732450"/>
-              <a:ext cx="372475" cy="218600"/>
-            </a:xfrm>
-            <a:custGeom>
-              <a:avLst/>
-              <a:gdLst/>
-              <a:ahLst/>
-              <a:cxnLst/>
-              <a:rect l="l" t="t" r="r" b="b"/>
-              <a:pathLst>
-                <a:path w="14899" h="8744" extrusionOk="0">
-                  <a:moveTo>
-                    <a:pt x="12578" y="1319"/>
-                  </a:moveTo>
-                  <a:lnTo>
-                    <a:pt x="12676" y="1344"/>
-                  </a:lnTo>
-                  <a:lnTo>
-                    <a:pt x="12749" y="1392"/>
-                  </a:lnTo>
-                  <a:lnTo>
-                    <a:pt x="12822" y="1441"/>
-                  </a:lnTo>
-                  <a:lnTo>
-                    <a:pt x="12895" y="1515"/>
-                  </a:lnTo>
-                  <a:lnTo>
-                    <a:pt x="12920" y="1612"/>
-                  </a:lnTo>
-                  <a:lnTo>
-                    <a:pt x="12969" y="1710"/>
-                  </a:lnTo>
-                  <a:lnTo>
-                    <a:pt x="12969" y="1808"/>
-                  </a:lnTo>
-                  <a:lnTo>
-                    <a:pt x="12969" y="4079"/>
-                  </a:lnTo>
-                  <a:lnTo>
-                    <a:pt x="12969" y="4177"/>
-                  </a:lnTo>
-                  <a:lnTo>
-                    <a:pt x="12920" y="4274"/>
-                  </a:lnTo>
-                  <a:lnTo>
-                    <a:pt x="12895" y="4348"/>
-                  </a:lnTo>
-                  <a:lnTo>
-                    <a:pt x="12822" y="4421"/>
-                  </a:lnTo>
-                  <a:lnTo>
-                    <a:pt x="12749" y="4470"/>
-                  </a:lnTo>
-                  <a:lnTo>
-                    <a:pt x="12676" y="4519"/>
-                  </a:lnTo>
-                  <a:lnTo>
-                    <a:pt x="12578" y="4543"/>
-                  </a:lnTo>
-                  <a:lnTo>
-                    <a:pt x="12480" y="4567"/>
-                  </a:lnTo>
-                  <a:lnTo>
-                    <a:pt x="12383" y="4543"/>
-                  </a:lnTo>
-                  <a:lnTo>
-                    <a:pt x="12285" y="4519"/>
-                  </a:lnTo>
-                  <a:lnTo>
-                    <a:pt x="12212" y="4470"/>
-                  </a:lnTo>
-                  <a:lnTo>
-                    <a:pt x="12138" y="4421"/>
-                  </a:lnTo>
-                  <a:lnTo>
-                    <a:pt x="12065" y="4348"/>
-                  </a:lnTo>
-                  <a:lnTo>
-                    <a:pt x="12041" y="4274"/>
-                  </a:lnTo>
-                  <a:lnTo>
-                    <a:pt x="11992" y="4177"/>
-                  </a:lnTo>
-                  <a:lnTo>
-                    <a:pt x="11992" y="4079"/>
-                  </a:lnTo>
-                  <a:lnTo>
-                    <a:pt x="11992" y="3004"/>
-                  </a:lnTo>
-                  <a:lnTo>
-                    <a:pt x="7986" y="7010"/>
-                  </a:lnTo>
-                  <a:lnTo>
-                    <a:pt x="7913" y="7059"/>
-                  </a:lnTo>
-                  <a:lnTo>
-                    <a:pt x="7815" y="7107"/>
-                  </a:lnTo>
-                  <a:lnTo>
-                    <a:pt x="7742" y="7132"/>
-                  </a:lnTo>
-                  <a:lnTo>
-                    <a:pt x="7644" y="7156"/>
-                  </a:lnTo>
-                  <a:lnTo>
-                    <a:pt x="7547" y="7132"/>
-                  </a:lnTo>
-                  <a:lnTo>
-                    <a:pt x="7449" y="7107"/>
-                  </a:lnTo>
-                  <a:lnTo>
-                    <a:pt x="7376" y="7059"/>
-                  </a:lnTo>
-                  <a:lnTo>
-                    <a:pt x="7303" y="7010"/>
-                  </a:lnTo>
-                  <a:lnTo>
-                    <a:pt x="5349" y="5056"/>
-                  </a:lnTo>
-                  <a:lnTo>
-                    <a:pt x="2760" y="7620"/>
-                  </a:lnTo>
-                  <a:lnTo>
-                    <a:pt x="2687" y="7694"/>
-                  </a:lnTo>
-                  <a:lnTo>
-                    <a:pt x="2613" y="7742"/>
-                  </a:lnTo>
-                  <a:lnTo>
-                    <a:pt x="2516" y="7767"/>
-                  </a:lnTo>
-                  <a:lnTo>
-                    <a:pt x="2320" y="7767"/>
-                  </a:lnTo>
-                  <a:lnTo>
-                    <a:pt x="2247" y="7742"/>
-                  </a:lnTo>
-                  <a:lnTo>
-                    <a:pt x="2149" y="7694"/>
-                  </a:lnTo>
-                  <a:lnTo>
-                    <a:pt x="2076" y="7620"/>
-                  </a:lnTo>
-                  <a:lnTo>
-                    <a:pt x="2003" y="7547"/>
-                  </a:lnTo>
-                  <a:lnTo>
-                    <a:pt x="1978" y="7474"/>
-                  </a:lnTo>
-                  <a:lnTo>
-                    <a:pt x="1929" y="7376"/>
-                  </a:lnTo>
-                  <a:lnTo>
-                    <a:pt x="1929" y="7278"/>
-                  </a:lnTo>
-                  <a:lnTo>
-                    <a:pt x="1929" y="7205"/>
-                  </a:lnTo>
-                  <a:lnTo>
-                    <a:pt x="1978" y="7107"/>
-                  </a:lnTo>
-                  <a:lnTo>
-                    <a:pt x="2003" y="7010"/>
-                  </a:lnTo>
-                  <a:lnTo>
-                    <a:pt x="2076" y="6936"/>
-                  </a:lnTo>
-                  <a:lnTo>
-                    <a:pt x="5007" y="4006"/>
-                  </a:lnTo>
-                  <a:lnTo>
-                    <a:pt x="5080" y="3957"/>
-                  </a:lnTo>
-                  <a:lnTo>
-                    <a:pt x="5153" y="3908"/>
-                  </a:lnTo>
-                  <a:lnTo>
-                    <a:pt x="5251" y="3884"/>
-                  </a:lnTo>
-                  <a:lnTo>
-                    <a:pt x="5446" y="3884"/>
-                  </a:lnTo>
-                  <a:lnTo>
-                    <a:pt x="5520" y="3908"/>
-                  </a:lnTo>
-                  <a:lnTo>
-                    <a:pt x="5617" y="3957"/>
-                  </a:lnTo>
-                  <a:lnTo>
-                    <a:pt x="5691" y="4006"/>
-                  </a:lnTo>
-                  <a:lnTo>
-                    <a:pt x="7644" y="5960"/>
-                  </a:lnTo>
-                  <a:lnTo>
-                    <a:pt x="11332" y="2296"/>
-                  </a:lnTo>
-                  <a:lnTo>
-                    <a:pt x="10209" y="2296"/>
-                  </a:lnTo>
-                  <a:lnTo>
-                    <a:pt x="10111" y="2272"/>
-                  </a:lnTo>
-                  <a:lnTo>
-                    <a:pt x="10013" y="2247"/>
-                  </a:lnTo>
-                  <a:lnTo>
-                    <a:pt x="9916" y="2198"/>
-                  </a:lnTo>
-                  <a:lnTo>
-                    <a:pt x="9843" y="2150"/>
-                  </a:lnTo>
-                  <a:lnTo>
-                    <a:pt x="9794" y="2076"/>
-                  </a:lnTo>
-                  <a:lnTo>
-                    <a:pt x="9745" y="1979"/>
-                  </a:lnTo>
-                  <a:lnTo>
-                    <a:pt x="9720" y="1905"/>
-                  </a:lnTo>
-                  <a:lnTo>
-                    <a:pt x="9720" y="1808"/>
-                  </a:lnTo>
-                  <a:lnTo>
-                    <a:pt x="9720" y="1710"/>
-                  </a:lnTo>
-                  <a:lnTo>
-                    <a:pt x="9745" y="1612"/>
-                  </a:lnTo>
-                  <a:lnTo>
-                    <a:pt x="9794" y="1515"/>
-                  </a:lnTo>
-                  <a:lnTo>
-                    <a:pt x="9843" y="1441"/>
-                  </a:lnTo>
-                  <a:lnTo>
-                    <a:pt x="9916" y="1392"/>
-                  </a:lnTo>
-                  <a:lnTo>
-                    <a:pt x="10013" y="1344"/>
-                  </a:lnTo>
-                  <a:lnTo>
-                    <a:pt x="10111" y="1319"/>
-                  </a:lnTo>
-                  <a:close/>
-                  <a:moveTo>
-                    <a:pt x="0" y="0"/>
-                  </a:moveTo>
-                  <a:lnTo>
-                    <a:pt x="0" y="8744"/>
-                  </a:lnTo>
-                  <a:lnTo>
-                    <a:pt x="14898" y="8744"/>
-                  </a:lnTo>
-                  <a:lnTo>
-                    <a:pt x="14898" y="0"/>
-                  </a:lnTo>
-                  <a:close/>
-                </a:path>
-              </a:pathLst>
-            </a:custGeom>
-            <a:solidFill>
-              <a:schemeClr val="accent1"/>
-            </a:solidFill>
-            <a:ln>
-              <a:noFill/>
-            </a:ln>
-          </p:spPr>
-          <p:txBody>
-            <a:bodyPr spcFirstLastPara="1" wrap="square" lIns="91425" tIns="91425" rIns="91425" bIns="91425" anchor="ctr" anchorCtr="0">
-              <a:noAutofit/>
-            </a:bodyPr>
-            <a:lstStyle/>
-            <a:p>
-              <a:pPr marL="0" lvl="0" indent="0" algn="l" rtl="0">
-                <a:spcBef>
-                  <a:spcPts val="0"/>
-                </a:spcBef>
-                <a:spcAft>
-                  <a:spcPts val="0"/>
-                </a:spcAft>
-                <a:buNone/>
-              </a:pPr>
-              <a:endParaRPr/>
-            </a:p>
-          </p:txBody>
-        </p:sp>
-      </p:grpSp>
       <p:sp>
         <p:nvSpPr>
           <p:cNvPr id="2" name="Retângulo 1">
@@ -25413,8 +18373,8 @@
         </p:nvSpPr>
         <p:spPr>
           <a:xfrm>
-            <a:off x="1363661" y="1944228"/>
-            <a:ext cx="7492957" cy="2092881"/>
+            <a:off x="3750513" y="3672807"/>
+            <a:ext cx="6186863" cy="338554"/>
           </a:xfrm>
           <a:prstGeom prst="rect">
             <a:avLst/>
@@ -25426,58 +18386,188 @@
           </a:bodyPr>
           <a:lstStyle/>
           <a:p>
-            <a:pPr marL="285750" indent="-285750" fontAlgn="base">
-              <a:buFont typeface="Arial" panose="020B0604020202020204" pitchFamily="34" charset="0"/>
-              <a:buChar char="•"/>
-            </a:pPr>
+            <a:pPr fontAlgn="base"/>
             <a:r>
-              <a:rPr lang="pt-BR" sz="1600" dirty="0"/>
-              <a:t>Eu como Usuário, gostaria de ser avisado quando for ocorrer alguma indisponibilidade do sistema, para eu salvar os processos e arquivos, </a:t>
+              <a:rPr lang="pt-BR" sz="1600" dirty="0">
+                <a:latin typeface="Barlow"/>
+              </a:rPr>
+              <a:t>​​</a:t>
+            </a:r>
+            <a:endParaRPr lang="en-US" sz="1600" dirty="0">
+              <a:latin typeface="Barlow"/>
+            </a:endParaRPr>
+          </a:p>
+        </p:txBody>
+      </p:sp>
+      <p:sp>
+        <p:nvSpPr>
+          <p:cNvPr id="10" name="CaixaDeTexto 9">
+            <a:extLst>
+              <a:ext uri="{FF2B5EF4-FFF2-40B4-BE49-F238E27FC236}">
+                <a16:creationId xmlns:a16="http://schemas.microsoft.com/office/drawing/2014/main" id="{42C645B4-7F59-44EB-895F-7A70644B4DC0}"/>
+              </a:ext>
+            </a:extLst>
+          </p:cNvPr>
+          <p:cNvSpPr txBox="1"/>
+          <p:nvPr/>
+        </p:nvSpPr>
+        <p:spPr>
+          <a:xfrm>
+            <a:off x="8760759" y="4370294"/>
+            <a:ext cx="383241" cy="369332"/>
+          </a:xfrm>
+          <a:prstGeom prst="rect">
+            <a:avLst/>
+          </a:prstGeom>
+          <a:noFill/>
+        </p:spPr>
+        <p:txBody>
+          <a:bodyPr wrap="square" rtlCol="0">
+            <a:spAutoFit/>
+          </a:bodyPr>
+          <a:lstStyle/>
+          <a:p>
+            <a:pPr algn="ctr"/>
+            <a:r>
+              <a:rPr lang="pt-BR" sz="1800" dirty="0">
+                <a:solidFill>
+                  <a:schemeClr val="bg1"/>
+                </a:solidFill>
+              </a:rPr>
+              <a:t>7</a:t>
             </a:r>
           </a:p>
+        </p:txBody>
+      </p:sp>
+      <p:sp>
+        <p:nvSpPr>
+          <p:cNvPr id="4" name="CaixaDeTexto 3">
+            <a:extLst>
+              <a:ext uri="{FF2B5EF4-FFF2-40B4-BE49-F238E27FC236}">
+                <a16:creationId xmlns:a16="http://schemas.microsoft.com/office/drawing/2014/main" id="{88523823-24FC-4123-9903-1EDC540C505D}"/>
+              </a:ext>
+            </a:extLst>
+          </p:cNvPr>
+          <p:cNvSpPr txBox="1"/>
+          <p:nvPr/>
+        </p:nvSpPr>
+        <p:spPr>
+          <a:xfrm>
+            <a:off x="2598547" y="2233878"/>
+            <a:ext cx="1922929" cy="1384995"/>
+          </a:xfrm>
+          <a:prstGeom prst="rect">
+            <a:avLst/>
+          </a:prstGeom>
+          <a:solidFill>
+            <a:schemeClr val="accent3"/>
+          </a:solidFill>
+          <a:ln>
+            <a:noFill/>
+          </a:ln>
+        </p:spPr>
+        <p:style>
+          <a:lnRef idx="0">
+            <a:scrgbClr r="0" g="0" b="0"/>
+          </a:lnRef>
+          <a:fillRef idx="0">
+            <a:scrgbClr r="0" g="0" b="0"/>
+          </a:fillRef>
+          <a:effectRef idx="0">
+            <a:scrgbClr r="0" g="0" b="0"/>
+          </a:effectRef>
+          <a:fontRef idx="minor">
+            <a:schemeClr val="lt1"/>
+          </a:fontRef>
+        </p:style>
+        <p:txBody>
+          <a:bodyPr wrap="square" rtlCol="0">
+            <a:spAutoFit/>
+          </a:bodyPr>
+          <a:lstStyle/>
           <a:p>
-            <a:pPr fontAlgn="base"/>
+            <a:pPr algn="just" fontAlgn="base"/>
             <a:r>
-              <a:rPr lang="pt-BR" sz="1600" dirty="0"/>
-              <a:t>    e não perde-los.​​</a:t>
+              <a:rPr lang="pt-BR" dirty="0">
+                <a:latin typeface="Barlow"/>
+              </a:rPr>
+              <a:t>Eu como Usuário, gostaria de ser avisado quando for ocorrer indisponibilidade no sistema para não vir a perder meus arquivos.</a:t>
             </a:r>
           </a:p>
+        </p:txBody>
+      </p:sp>
+      <p:sp>
+        <p:nvSpPr>
+          <p:cNvPr id="13" name="CaixaDeTexto 12">
+            <a:extLst>
+              <a:ext uri="{FF2B5EF4-FFF2-40B4-BE49-F238E27FC236}">
+                <a16:creationId xmlns:a16="http://schemas.microsoft.com/office/drawing/2014/main" id="{CA11E96F-BB54-439E-A21C-4BDCFF54B8C5}"/>
+              </a:ext>
+            </a:extLst>
+          </p:cNvPr>
+          <p:cNvSpPr txBox="1"/>
+          <p:nvPr/>
+        </p:nvSpPr>
+        <p:spPr>
+          <a:xfrm>
+            <a:off x="5624135" y="2126157"/>
+            <a:ext cx="2249118" cy="1600438"/>
+          </a:xfrm>
+          <a:prstGeom prst="rect">
+            <a:avLst/>
+          </a:prstGeom>
+          <a:solidFill>
+            <a:schemeClr val="accent5"/>
+          </a:solidFill>
+          <a:ln>
+            <a:noFill/>
+          </a:ln>
+        </p:spPr>
+        <p:style>
+          <a:lnRef idx="0">
+            <a:scrgbClr r="0" g="0" b="0"/>
+          </a:lnRef>
+          <a:fillRef idx="0">
+            <a:scrgbClr r="0" g="0" b="0"/>
+          </a:fillRef>
+          <a:effectRef idx="0">
+            <a:scrgbClr r="0" g="0" b="0"/>
+          </a:effectRef>
+          <a:fontRef idx="minor">
+            <a:schemeClr val="lt1"/>
+          </a:fontRef>
+        </p:style>
+        <p:txBody>
+          <a:bodyPr wrap="square" rtlCol="0">
+            <a:spAutoFit/>
+          </a:bodyPr>
+          <a:lstStyle/>
           <a:p>
-            <a:pPr fontAlgn="base"/>
+            <a:pPr algn="just" fontAlgn="base"/>
             <a:r>
-              <a:rPr lang="pt-BR" sz="1600" dirty="0"/>
-              <a:t>​​</a:t>
-            </a:r>
-          </a:p>
-          <a:p>
-            <a:pPr marL="285750" indent="-285750" fontAlgn="base">
-              <a:buFont typeface="Arial" panose="020B0604020202020204" pitchFamily="34" charset="0"/>
-              <a:buChar char="•"/>
-            </a:pPr>
-            <a:r>
-              <a:rPr lang="pt-BR" sz="1600" dirty="0"/>
-              <a:t>Eu como Gestor, gostaria de ter um histórico com todas as </a:t>
+              <a:rPr lang="pt-BR" dirty="0">
+                <a:latin typeface="Barlow"/>
+              </a:rPr>
+              <a:t>Eu como Gestor, gostaria de ter um histórico com </a:t>
             </a:r>
             <a:r>
-              <a:rPr lang="pt-BR" sz="1600" dirty="0" err="1"/>
+              <a:rPr lang="pt-BR" dirty="0" err="1">
+                <a:latin typeface="Barlow"/>
+              </a:rPr>
               <a:t>GMUDs</a:t>
             </a:r>
             <a:r>
-              <a:rPr lang="pt-BR" sz="1600" dirty="0"/>
-              <a:t> realizadas para poder ter um controle de quando ocorreram, quem foi o responsável e qual mudança foi feita.</a:t>
+              <a:rPr lang="pt-BR" dirty="0">
+                <a:latin typeface="Barlow"/>
+              </a:rPr>
+              <a:t> realizadas para poder ter controle de quando ocorreram, quem foi o responsável e qual mudança foi executada.</a:t>
             </a:r>
             <a:r>
-              <a:rPr lang="en-US" sz="1600" dirty="0"/>
-              <a:t>​​</a:t>
+              <a:rPr lang="en-US" dirty="0">
+                <a:latin typeface="Barlow"/>
+              </a:rPr>
+              <a:t>​</a:t>
             </a:r>
-          </a:p>
-          <a:p>
-            <a:pPr fontAlgn="base"/>
-            <a:r>
-              <a:rPr lang="pt-BR" sz="1800" dirty="0"/>
-              <a:t>​​</a:t>
-            </a:r>
-            <a:endParaRPr lang="en-US" sz="1800" dirty="0"/>
           </a:p>
         </p:txBody>
       </p:sp>
@@ -25637,790 +18727,6 @@
           </a:p>
         </p:txBody>
       </p:sp>
-      <p:grpSp>
-        <p:nvGrpSpPr>
-          <p:cNvPr id="131" name="Google Shape;131;p19"/>
-          <p:cNvGrpSpPr/>
-          <p:nvPr/>
-        </p:nvGrpSpPr>
-        <p:grpSpPr>
-          <a:xfrm>
-            <a:off x="8180944" y="637329"/>
-            <a:ext cx="336534" cy="318981"/>
-            <a:chOff x="5300400" y="3670175"/>
-            <a:chExt cx="421300" cy="399325"/>
-          </a:xfrm>
-        </p:grpSpPr>
-        <p:sp>
-          <p:nvSpPr>
-            <p:cNvPr id="132" name="Google Shape;132;p19"/>
-            <p:cNvSpPr/>
-            <p:nvPr/>
-          </p:nvSpPr>
-          <p:spPr>
-            <a:xfrm>
-              <a:off x="5300400" y="3708025"/>
-              <a:ext cx="421300" cy="267450"/>
-            </a:xfrm>
-            <a:custGeom>
-              <a:avLst/>
-              <a:gdLst/>
-              <a:ahLst/>
-              <a:cxnLst/>
-              <a:rect l="l" t="t" r="r" b="b"/>
-              <a:pathLst>
-                <a:path w="16852" h="10698" extrusionOk="0">
-                  <a:moveTo>
-                    <a:pt x="16364" y="489"/>
-                  </a:moveTo>
-                  <a:lnTo>
-                    <a:pt x="16364" y="10209"/>
-                  </a:lnTo>
-                  <a:lnTo>
-                    <a:pt x="489" y="10209"/>
-                  </a:lnTo>
-                  <a:lnTo>
-                    <a:pt x="489" y="489"/>
-                  </a:lnTo>
-                  <a:close/>
-                  <a:moveTo>
-                    <a:pt x="391" y="0"/>
-                  </a:moveTo>
-                  <a:lnTo>
-                    <a:pt x="293" y="25"/>
-                  </a:lnTo>
-                  <a:lnTo>
-                    <a:pt x="196" y="74"/>
-                  </a:lnTo>
-                  <a:lnTo>
-                    <a:pt x="122" y="147"/>
-                  </a:lnTo>
-                  <a:lnTo>
-                    <a:pt x="73" y="220"/>
-                  </a:lnTo>
-                  <a:lnTo>
-                    <a:pt x="25" y="293"/>
-                  </a:lnTo>
-                  <a:lnTo>
-                    <a:pt x="0" y="391"/>
-                  </a:lnTo>
-                  <a:lnTo>
-                    <a:pt x="0" y="489"/>
-                  </a:lnTo>
-                  <a:lnTo>
-                    <a:pt x="0" y="10209"/>
-                  </a:lnTo>
-                  <a:lnTo>
-                    <a:pt x="0" y="10307"/>
-                  </a:lnTo>
-                  <a:lnTo>
-                    <a:pt x="25" y="10405"/>
-                  </a:lnTo>
-                  <a:lnTo>
-                    <a:pt x="73" y="10478"/>
-                  </a:lnTo>
-                  <a:lnTo>
-                    <a:pt x="122" y="10551"/>
-                  </a:lnTo>
-                  <a:lnTo>
-                    <a:pt x="196" y="10600"/>
-                  </a:lnTo>
-                  <a:lnTo>
-                    <a:pt x="293" y="10649"/>
-                  </a:lnTo>
-                  <a:lnTo>
-                    <a:pt x="391" y="10673"/>
-                  </a:lnTo>
-                  <a:lnTo>
-                    <a:pt x="489" y="10698"/>
-                  </a:lnTo>
-                  <a:lnTo>
-                    <a:pt x="16364" y="10698"/>
-                  </a:lnTo>
-                  <a:lnTo>
-                    <a:pt x="16461" y="10673"/>
-                  </a:lnTo>
-                  <a:lnTo>
-                    <a:pt x="16559" y="10649"/>
-                  </a:lnTo>
-                  <a:lnTo>
-                    <a:pt x="16657" y="10600"/>
-                  </a:lnTo>
-                  <a:lnTo>
-                    <a:pt x="16730" y="10551"/>
-                  </a:lnTo>
-                  <a:lnTo>
-                    <a:pt x="16779" y="10478"/>
-                  </a:lnTo>
-                  <a:lnTo>
-                    <a:pt x="16828" y="10405"/>
-                  </a:lnTo>
-                  <a:lnTo>
-                    <a:pt x="16852" y="10307"/>
-                  </a:lnTo>
-                  <a:lnTo>
-                    <a:pt x="16852" y="10209"/>
-                  </a:lnTo>
-                  <a:lnTo>
-                    <a:pt x="16852" y="489"/>
-                  </a:lnTo>
-                  <a:lnTo>
-                    <a:pt x="16852" y="391"/>
-                  </a:lnTo>
-                  <a:lnTo>
-                    <a:pt x="16828" y="293"/>
-                  </a:lnTo>
-                  <a:lnTo>
-                    <a:pt x="16779" y="220"/>
-                  </a:lnTo>
-                  <a:lnTo>
-                    <a:pt x="16730" y="147"/>
-                  </a:lnTo>
-                  <a:lnTo>
-                    <a:pt x="16657" y="74"/>
-                  </a:lnTo>
-                  <a:lnTo>
-                    <a:pt x="16559" y="25"/>
-                  </a:lnTo>
-                  <a:lnTo>
-                    <a:pt x="16461" y="0"/>
-                  </a:lnTo>
-                  <a:close/>
-                </a:path>
-              </a:pathLst>
-            </a:custGeom>
-            <a:solidFill>
-              <a:schemeClr val="accent1"/>
-            </a:solidFill>
-            <a:ln>
-              <a:noFill/>
-            </a:ln>
-          </p:spPr>
-          <p:txBody>
-            <a:bodyPr spcFirstLastPara="1" wrap="square" lIns="91425" tIns="91425" rIns="91425" bIns="91425" anchor="ctr" anchorCtr="0">
-              <a:noAutofit/>
-            </a:bodyPr>
-            <a:lstStyle/>
-            <a:p>
-              <a:pPr marL="0" lvl="0" indent="0" algn="l" rtl="0">
-                <a:spcBef>
-                  <a:spcPts val="0"/>
-                </a:spcBef>
-                <a:spcAft>
-                  <a:spcPts val="0"/>
-                </a:spcAft>
-                <a:buNone/>
-              </a:pPr>
-              <a:endParaRPr/>
-            </a:p>
-          </p:txBody>
-        </p:sp>
-        <p:sp>
-          <p:nvSpPr>
-            <p:cNvPr id="133" name="Google Shape;133;p19"/>
-            <p:cNvSpPr/>
-            <p:nvPr/>
-          </p:nvSpPr>
-          <p:spPr>
-            <a:xfrm>
-              <a:off x="5498825" y="3670175"/>
-              <a:ext cx="24450" cy="25650"/>
-            </a:xfrm>
-            <a:custGeom>
-              <a:avLst/>
-              <a:gdLst/>
-              <a:ahLst/>
-              <a:cxnLst/>
-              <a:rect l="l" t="t" r="r" b="b"/>
-              <a:pathLst>
-                <a:path w="978" h="1026" extrusionOk="0">
-                  <a:moveTo>
-                    <a:pt x="489" y="0"/>
-                  </a:moveTo>
-                  <a:lnTo>
-                    <a:pt x="391" y="25"/>
-                  </a:lnTo>
-                  <a:lnTo>
-                    <a:pt x="294" y="49"/>
-                  </a:lnTo>
-                  <a:lnTo>
-                    <a:pt x="220" y="98"/>
-                  </a:lnTo>
-                  <a:lnTo>
-                    <a:pt x="147" y="147"/>
-                  </a:lnTo>
-                  <a:lnTo>
-                    <a:pt x="74" y="220"/>
-                  </a:lnTo>
-                  <a:lnTo>
-                    <a:pt x="49" y="318"/>
-                  </a:lnTo>
-                  <a:lnTo>
-                    <a:pt x="1" y="391"/>
-                  </a:lnTo>
-                  <a:lnTo>
-                    <a:pt x="1" y="489"/>
-                  </a:lnTo>
-                  <a:lnTo>
-                    <a:pt x="1" y="1026"/>
-                  </a:lnTo>
-                  <a:lnTo>
-                    <a:pt x="978" y="1026"/>
-                  </a:lnTo>
-                  <a:lnTo>
-                    <a:pt x="978" y="489"/>
-                  </a:lnTo>
-                  <a:lnTo>
-                    <a:pt x="978" y="391"/>
-                  </a:lnTo>
-                  <a:lnTo>
-                    <a:pt x="929" y="318"/>
-                  </a:lnTo>
-                  <a:lnTo>
-                    <a:pt x="904" y="220"/>
-                  </a:lnTo>
-                  <a:lnTo>
-                    <a:pt x="831" y="147"/>
-                  </a:lnTo>
-                  <a:lnTo>
-                    <a:pt x="758" y="98"/>
-                  </a:lnTo>
-                  <a:lnTo>
-                    <a:pt x="684" y="49"/>
-                  </a:lnTo>
-                  <a:lnTo>
-                    <a:pt x="587" y="25"/>
-                  </a:lnTo>
-                  <a:lnTo>
-                    <a:pt x="489" y="0"/>
-                  </a:lnTo>
-                  <a:close/>
-                </a:path>
-              </a:pathLst>
-            </a:custGeom>
-            <a:solidFill>
-              <a:schemeClr val="accent1"/>
-            </a:solidFill>
-            <a:ln>
-              <a:noFill/>
-            </a:ln>
-          </p:spPr>
-          <p:txBody>
-            <a:bodyPr spcFirstLastPara="1" wrap="square" lIns="91425" tIns="91425" rIns="91425" bIns="91425" anchor="ctr" anchorCtr="0">
-              <a:noAutofit/>
-            </a:bodyPr>
-            <a:lstStyle/>
-            <a:p>
-              <a:pPr marL="0" lvl="0" indent="0" algn="l" rtl="0">
-                <a:spcBef>
-                  <a:spcPts val="0"/>
-                </a:spcBef>
-                <a:spcAft>
-                  <a:spcPts val="0"/>
-                </a:spcAft>
-                <a:buNone/>
-              </a:pPr>
-              <a:endParaRPr/>
-            </a:p>
-          </p:txBody>
-        </p:sp>
-        <p:sp>
-          <p:nvSpPr>
-            <p:cNvPr id="134" name="Google Shape;134;p19"/>
-            <p:cNvSpPr/>
-            <p:nvPr/>
-          </p:nvSpPr>
-          <p:spPr>
-            <a:xfrm>
-              <a:off x="5366325" y="3987675"/>
-              <a:ext cx="61100" cy="81825"/>
-            </a:xfrm>
-            <a:custGeom>
-              <a:avLst/>
-              <a:gdLst/>
-              <a:ahLst/>
-              <a:cxnLst/>
-              <a:rect l="l" t="t" r="r" b="b"/>
-              <a:pathLst>
-                <a:path w="2444" h="3273" extrusionOk="0">
-                  <a:moveTo>
-                    <a:pt x="1344" y="0"/>
-                  </a:moveTo>
-                  <a:lnTo>
-                    <a:pt x="50" y="2565"/>
-                  </a:lnTo>
-                  <a:lnTo>
-                    <a:pt x="25" y="2638"/>
-                  </a:lnTo>
-                  <a:lnTo>
-                    <a:pt x="1" y="2736"/>
-                  </a:lnTo>
-                  <a:lnTo>
-                    <a:pt x="1" y="2833"/>
-                  </a:lnTo>
-                  <a:lnTo>
-                    <a:pt x="25" y="2931"/>
-                  </a:lnTo>
-                  <a:lnTo>
-                    <a:pt x="74" y="3004"/>
-                  </a:lnTo>
-                  <a:lnTo>
-                    <a:pt x="123" y="3102"/>
-                  </a:lnTo>
-                  <a:lnTo>
-                    <a:pt x="196" y="3151"/>
-                  </a:lnTo>
-                  <a:lnTo>
-                    <a:pt x="269" y="3224"/>
-                  </a:lnTo>
-                  <a:lnTo>
-                    <a:pt x="392" y="3248"/>
-                  </a:lnTo>
-                  <a:lnTo>
-                    <a:pt x="489" y="3273"/>
-                  </a:lnTo>
-                  <a:lnTo>
-                    <a:pt x="636" y="3248"/>
-                  </a:lnTo>
-                  <a:lnTo>
-                    <a:pt x="758" y="3200"/>
-                  </a:lnTo>
-                  <a:lnTo>
-                    <a:pt x="856" y="3102"/>
-                  </a:lnTo>
-                  <a:lnTo>
-                    <a:pt x="929" y="3004"/>
-                  </a:lnTo>
-                  <a:lnTo>
-                    <a:pt x="2443" y="0"/>
-                  </a:lnTo>
-                  <a:close/>
-                </a:path>
-              </a:pathLst>
-            </a:custGeom>
-            <a:solidFill>
-              <a:schemeClr val="accent1"/>
-            </a:solidFill>
-            <a:ln>
-              <a:noFill/>
-            </a:ln>
-          </p:spPr>
-          <p:txBody>
-            <a:bodyPr spcFirstLastPara="1" wrap="square" lIns="91425" tIns="91425" rIns="91425" bIns="91425" anchor="ctr" anchorCtr="0">
-              <a:noAutofit/>
-            </a:bodyPr>
-            <a:lstStyle/>
-            <a:p>
-              <a:pPr marL="0" lvl="0" indent="0" algn="l" rtl="0">
-                <a:spcBef>
-                  <a:spcPts val="0"/>
-                </a:spcBef>
-                <a:spcAft>
-                  <a:spcPts val="0"/>
-                </a:spcAft>
-                <a:buNone/>
-              </a:pPr>
-              <a:endParaRPr/>
-            </a:p>
-          </p:txBody>
-        </p:sp>
-        <p:sp>
-          <p:nvSpPr>
-            <p:cNvPr id="135" name="Google Shape;135;p19"/>
-            <p:cNvSpPr/>
-            <p:nvPr/>
-          </p:nvSpPr>
-          <p:spPr>
-            <a:xfrm>
-              <a:off x="5594700" y="3987675"/>
-              <a:ext cx="61075" cy="81825"/>
-            </a:xfrm>
-            <a:custGeom>
-              <a:avLst/>
-              <a:gdLst/>
-              <a:ahLst/>
-              <a:cxnLst/>
-              <a:rect l="l" t="t" r="r" b="b"/>
-              <a:pathLst>
-                <a:path w="2443" h="3273" extrusionOk="0">
-                  <a:moveTo>
-                    <a:pt x="0" y="0"/>
-                  </a:moveTo>
-                  <a:lnTo>
-                    <a:pt x="1514" y="3004"/>
-                  </a:lnTo>
-                  <a:lnTo>
-                    <a:pt x="1588" y="3102"/>
-                  </a:lnTo>
-                  <a:lnTo>
-                    <a:pt x="1685" y="3200"/>
-                  </a:lnTo>
-                  <a:lnTo>
-                    <a:pt x="1807" y="3248"/>
-                  </a:lnTo>
-                  <a:lnTo>
-                    <a:pt x="1954" y="3273"/>
-                  </a:lnTo>
-                  <a:lnTo>
-                    <a:pt x="2052" y="3248"/>
-                  </a:lnTo>
-                  <a:lnTo>
-                    <a:pt x="2174" y="3224"/>
-                  </a:lnTo>
-                  <a:lnTo>
-                    <a:pt x="2247" y="3151"/>
-                  </a:lnTo>
-                  <a:lnTo>
-                    <a:pt x="2320" y="3102"/>
-                  </a:lnTo>
-                  <a:lnTo>
-                    <a:pt x="2369" y="3004"/>
-                  </a:lnTo>
-                  <a:lnTo>
-                    <a:pt x="2418" y="2931"/>
-                  </a:lnTo>
-                  <a:lnTo>
-                    <a:pt x="2442" y="2833"/>
-                  </a:lnTo>
-                  <a:lnTo>
-                    <a:pt x="2442" y="2736"/>
-                  </a:lnTo>
-                  <a:lnTo>
-                    <a:pt x="2418" y="2638"/>
-                  </a:lnTo>
-                  <a:lnTo>
-                    <a:pt x="2393" y="2565"/>
-                  </a:lnTo>
-                  <a:lnTo>
-                    <a:pt x="1099" y="0"/>
-                  </a:lnTo>
-                  <a:close/>
-                </a:path>
-              </a:pathLst>
-            </a:custGeom>
-            <a:solidFill>
-              <a:schemeClr val="accent1"/>
-            </a:solidFill>
-            <a:ln>
-              <a:noFill/>
-            </a:ln>
-          </p:spPr>
-          <p:txBody>
-            <a:bodyPr spcFirstLastPara="1" wrap="square" lIns="91425" tIns="91425" rIns="91425" bIns="91425" anchor="ctr" anchorCtr="0">
-              <a:noAutofit/>
-            </a:bodyPr>
-            <a:lstStyle/>
-            <a:p>
-              <a:pPr marL="0" lvl="0" indent="0" algn="l" rtl="0">
-                <a:spcBef>
-                  <a:spcPts val="0"/>
-                </a:spcBef>
-                <a:spcAft>
-                  <a:spcPts val="0"/>
-                </a:spcAft>
-                <a:buNone/>
-              </a:pPr>
-              <a:endParaRPr/>
-            </a:p>
-          </p:txBody>
-        </p:sp>
-        <p:sp>
-          <p:nvSpPr>
-            <p:cNvPr id="136" name="Google Shape;136;p19"/>
-            <p:cNvSpPr/>
-            <p:nvPr/>
-          </p:nvSpPr>
-          <p:spPr>
-            <a:xfrm>
-              <a:off x="5324825" y="3732450"/>
-              <a:ext cx="372475" cy="218600"/>
-            </a:xfrm>
-            <a:custGeom>
-              <a:avLst/>
-              <a:gdLst/>
-              <a:ahLst/>
-              <a:cxnLst/>
-              <a:rect l="l" t="t" r="r" b="b"/>
-              <a:pathLst>
-                <a:path w="14899" h="8744" extrusionOk="0">
-                  <a:moveTo>
-                    <a:pt x="12578" y="1319"/>
-                  </a:moveTo>
-                  <a:lnTo>
-                    <a:pt x="12676" y="1344"/>
-                  </a:lnTo>
-                  <a:lnTo>
-                    <a:pt x="12749" y="1392"/>
-                  </a:lnTo>
-                  <a:lnTo>
-                    <a:pt x="12822" y="1441"/>
-                  </a:lnTo>
-                  <a:lnTo>
-                    <a:pt x="12895" y="1515"/>
-                  </a:lnTo>
-                  <a:lnTo>
-                    <a:pt x="12920" y="1612"/>
-                  </a:lnTo>
-                  <a:lnTo>
-                    <a:pt x="12969" y="1710"/>
-                  </a:lnTo>
-                  <a:lnTo>
-                    <a:pt x="12969" y="1808"/>
-                  </a:lnTo>
-                  <a:lnTo>
-                    <a:pt x="12969" y="4079"/>
-                  </a:lnTo>
-                  <a:lnTo>
-                    <a:pt x="12969" y="4177"/>
-                  </a:lnTo>
-                  <a:lnTo>
-                    <a:pt x="12920" y="4274"/>
-                  </a:lnTo>
-                  <a:lnTo>
-                    <a:pt x="12895" y="4348"/>
-                  </a:lnTo>
-                  <a:lnTo>
-                    <a:pt x="12822" y="4421"/>
-                  </a:lnTo>
-                  <a:lnTo>
-                    <a:pt x="12749" y="4470"/>
-                  </a:lnTo>
-                  <a:lnTo>
-                    <a:pt x="12676" y="4519"/>
-                  </a:lnTo>
-                  <a:lnTo>
-                    <a:pt x="12578" y="4543"/>
-                  </a:lnTo>
-                  <a:lnTo>
-                    <a:pt x="12480" y="4567"/>
-                  </a:lnTo>
-                  <a:lnTo>
-                    <a:pt x="12383" y="4543"/>
-                  </a:lnTo>
-                  <a:lnTo>
-                    <a:pt x="12285" y="4519"/>
-                  </a:lnTo>
-                  <a:lnTo>
-                    <a:pt x="12212" y="4470"/>
-                  </a:lnTo>
-                  <a:lnTo>
-                    <a:pt x="12138" y="4421"/>
-                  </a:lnTo>
-                  <a:lnTo>
-                    <a:pt x="12065" y="4348"/>
-                  </a:lnTo>
-                  <a:lnTo>
-                    <a:pt x="12041" y="4274"/>
-                  </a:lnTo>
-                  <a:lnTo>
-                    <a:pt x="11992" y="4177"/>
-                  </a:lnTo>
-                  <a:lnTo>
-                    <a:pt x="11992" y="4079"/>
-                  </a:lnTo>
-                  <a:lnTo>
-                    <a:pt x="11992" y="3004"/>
-                  </a:lnTo>
-                  <a:lnTo>
-                    <a:pt x="7986" y="7010"/>
-                  </a:lnTo>
-                  <a:lnTo>
-                    <a:pt x="7913" y="7059"/>
-                  </a:lnTo>
-                  <a:lnTo>
-                    <a:pt x="7815" y="7107"/>
-                  </a:lnTo>
-                  <a:lnTo>
-                    <a:pt x="7742" y="7132"/>
-                  </a:lnTo>
-                  <a:lnTo>
-                    <a:pt x="7644" y="7156"/>
-                  </a:lnTo>
-                  <a:lnTo>
-                    <a:pt x="7547" y="7132"/>
-                  </a:lnTo>
-                  <a:lnTo>
-                    <a:pt x="7449" y="7107"/>
-                  </a:lnTo>
-                  <a:lnTo>
-                    <a:pt x="7376" y="7059"/>
-                  </a:lnTo>
-                  <a:lnTo>
-                    <a:pt x="7303" y="7010"/>
-                  </a:lnTo>
-                  <a:lnTo>
-                    <a:pt x="5349" y="5056"/>
-                  </a:lnTo>
-                  <a:lnTo>
-                    <a:pt x="2760" y="7620"/>
-                  </a:lnTo>
-                  <a:lnTo>
-                    <a:pt x="2687" y="7694"/>
-                  </a:lnTo>
-                  <a:lnTo>
-                    <a:pt x="2613" y="7742"/>
-                  </a:lnTo>
-                  <a:lnTo>
-                    <a:pt x="2516" y="7767"/>
-                  </a:lnTo>
-                  <a:lnTo>
-                    <a:pt x="2320" y="7767"/>
-                  </a:lnTo>
-                  <a:lnTo>
-                    <a:pt x="2247" y="7742"/>
-                  </a:lnTo>
-                  <a:lnTo>
-                    <a:pt x="2149" y="7694"/>
-                  </a:lnTo>
-                  <a:lnTo>
-                    <a:pt x="2076" y="7620"/>
-                  </a:lnTo>
-                  <a:lnTo>
-                    <a:pt x="2003" y="7547"/>
-                  </a:lnTo>
-                  <a:lnTo>
-                    <a:pt x="1978" y="7474"/>
-                  </a:lnTo>
-                  <a:lnTo>
-                    <a:pt x="1929" y="7376"/>
-                  </a:lnTo>
-                  <a:lnTo>
-                    <a:pt x="1929" y="7278"/>
-                  </a:lnTo>
-                  <a:lnTo>
-                    <a:pt x="1929" y="7205"/>
-                  </a:lnTo>
-                  <a:lnTo>
-                    <a:pt x="1978" y="7107"/>
-                  </a:lnTo>
-                  <a:lnTo>
-                    <a:pt x="2003" y="7010"/>
-                  </a:lnTo>
-                  <a:lnTo>
-                    <a:pt x="2076" y="6936"/>
-                  </a:lnTo>
-                  <a:lnTo>
-                    <a:pt x="5007" y="4006"/>
-                  </a:lnTo>
-                  <a:lnTo>
-                    <a:pt x="5080" y="3957"/>
-                  </a:lnTo>
-                  <a:lnTo>
-                    <a:pt x="5153" y="3908"/>
-                  </a:lnTo>
-                  <a:lnTo>
-                    <a:pt x="5251" y="3884"/>
-                  </a:lnTo>
-                  <a:lnTo>
-                    <a:pt x="5446" y="3884"/>
-                  </a:lnTo>
-                  <a:lnTo>
-                    <a:pt x="5520" y="3908"/>
-                  </a:lnTo>
-                  <a:lnTo>
-                    <a:pt x="5617" y="3957"/>
-                  </a:lnTo>
-                  <a:lnTo>
-                    <a:pt x="5691" y="4006"/>
-                  </a:lnTo>
-                  <a:lnTo>
-                    <a:pt x="7644" y="5960"/>
-                  </a:lnTo>
-                  <a:lnTo>
-                    <a:pt x="11332" y="2296"/>
-                  </a:lnTo>
-                  <a:lnTo>
-                    <a:pt x="10209" y="2296"/>
-                  </a:lnTo>
-                  <a:lnTo>
-                    <a:pt x="10111" y="2272"/>
-                  </a:lnTo>
-                  <a:lnTo>
-                    <a:pt x="10013" y="2247"/>
-                  </a:lnTo>
-                  <a:lnTo>
-                    <a:pt x="9916" y="2198"/>
-                  </a:lnTo>
-                  <a:lnTo>
-                    <a:pt x="9843" y="2150"/>
-                  </a:lnTo>
-                  <a:lnTo>
-                    <a:pt x="9794" y="2076"/>
-                  </a:lnTo>
-                  <a:lnTo>
-                    <a:pt x="9745" y="1979"/>
-                  </a:lnTo>
-                  <a:lnTo>
-                    <a:pt x="9720" y="1905"/>
-                  </a:lnTo>
-                  <a:lnTo>
-                    <a:pt x="9720" y="1808"/>
-                  </a:lnTo>
-                  <a:lnTo>
-                    <a:pt x="9720" y="1710"/>
-                  </a:lnTo>
-                  <a:lnTo>
-                    <a:pt x="9745" y="1612"/>
-                  </a:lnTo>
-                  <a:lnTo>
-                    <a:pt x="9794" y="1515"/>
-                  </a:lnTo>
-                  <a:lnTo>
-                    <a:pt x="9843" y="1441"/>
-                  </a:lnTo>
-                  <a:lnTo>
-                    <a:pt x="9916" y="1392"/>
-                  </a:lnTo>
-                  <a:lnTo>
-                    <a:pt x="10013" y="1344"/>
-                  </a:lnTo>
-                  <a:lnTo>
-                    <a:pt x="10111" y="1319"/>
-                  </a:lnTo>
-                  <a:close/>
-                  <a:moveTo>
-                    <a:pt x="0" y="0"/>
-                  </a:moveTo>
-                  <a:lnTo>
-                    <a:pt x="0" y="8744"/>
-                  </a:lnTo>
-                  <a:lnTo>
-                    <a:pt x="14898" y="8744"/>
-                  </a:lnTo>
-                  <a:lnTo>
-                    <a:pt x="14898" y="0"/>
-                  </a:lnTo>
-                  <a:close/>
-                </a:path>
-              </a:pathLst>
-            </a:custGeom>
-            <a:solidFill>
-              <a:schemeClr val="accent1"/>
-            </a:solidFill>
-            <a:ln>
-              <a:noFill/>
-            </a:ln>
-          </p:spPr>
-          <p:txBody>
-            <a:bodyPr spcFirstLastPara="1" wrap="square" lIns="91425" tIns="91425" rIns="91425" bIns="91425" anchor="ctr" anchorCtr="0">
-              <a:noAutofit/>
-            </a:bodyPr>
-            <a:lstStyle/>
-            <a:p>
-              <a:pPr marL="0" lvl="0" indent="0" algn="l" rtl="0">
-                <a:spcBef>
-                  <a:spcPts val="0"/>
-                </a:spcBef>
-                <a:spcAft>
-                  <a:spcPts val="0"/>
-                </a:spcAft>
-                <a:buNone/>
-              </a:pPr>
-              <a:endParaRPr/>
-            </a:p>
-          </p:txBody>
-        </p:sp>
-      </p:grpSp>
       <p:graphicFrame>
         <p:nvGraphicFramePr>
           <p:cNvPr id="14" name="Tabela 13">
@@ -28984,6 +21290,46 @@
           </a:graphicData>
         </a:graphic>
       </p:graphicFrame>
+      <p:sp>
+        <p:nvSpPr>
+          <p:cNvPr id="12" name="CaixaDeTexto 11">
+            <a:extLst>
+              <a:ext uri="{FF2B5EF4-FFF2-40B4-BE49-F238E27FC236}">
+                <a16:creationId xmlns:a16="http://schemas.microsoft.com/office/drawing/2014/main" id="{E325F96F-D8CA-459F-AE9D-4F2229DDE54B}"/>
+              </a:ext>
+            </a:extLst>
+          </p:cNvPr>
+          <p:cNvSpPr txBox="1"/>
+          <p:nvPr/>
+        </p:nvSpPr>
+        <p:spPr>
+          <a:xfrm>
+            <a:off x="8760759" y="4370294"/>
+            <a:ext cx="383241" cy="369332"/>
+          </a:xfrm>
+          <a:prstGeom prst="rect">
+            <a:avLst/>
+          </a:prstGeom>
+          <a:noFill/>
+        </p:spPr>
+        <p:txBody>
+          <a:bodyPr wrap="square" rtlCol="0">
+            <a:spAutoFit/>
+          </a:bodyPr>
+          <a:lstStyle/>
+          <a:p>
+            <a:pPr algn="ctr"/>
+            <a:r>
+              <a:rPr lang="pt-BR" sz="1800" dirty="0">
+                <a:solidFill>
+                  <a:schemeClr val="bg1"/>
+                </a:solidFill>
+              </a:rPr>
+              <a:t>9</a:t>
+            </a:r>
+          </a:p>
+        </p:txBody>
+      </p:sp>
     </p:spTree>
     <p:extLst>
       <p:ext uri="{BB962C8B-B14F-4D97-AF65-F5344CB8AC3E}">
